--- a/efe.pptx
+++ b/efe.pptx
@@ -3,16 +3,22 @@
 <p:presentation xmlns:a="http://schemas.openxmlformats.org/drawingml/2006/main" xmlns:r="http://schemas.openxmlformats.org/officeDocument/2006/relationships" xmlns:p="http://schemas.openxmlformats.org/presentationml/2006/main" saveSubsetFonts="1">
   <p:sldMasterIdLst>
     <p:sldMasterId id="2147483648" r:id="rId1"/>
+    <p:sldMasterId id="2147483660" r:id="rId2"/>
   </p:sldMasterIdLst>
   <p:sldIdLst>
-    <p:sldId id="256" r:id="rId2"/>
-    <p:sldId id="262" r:id="rId3"/>
-    <p:sldId id="263" r:id="rId4"/>
-    <p:sldId id="264" r:id="rId5"/>
-    <p:sldId id="261" r:id="rId6"/>
-    <p:sldId id="257" r:id="rId7"/>
-    <p:sldId id="259" r:id="rId8"/>
-    <p:sldId id="258" r:id="rId9"/>
+    <p:sldId id="256" r:id="rId3"/>
+    <p:sldId id="265" r:id="rId4"/>
+    <p:sldId id="266" r:id="rId5"/>
+    <p:sldId id="267" r:id="rId6"/>
+    <p:sldId id="268" r:id="rId7"/>
+    <p:sldId id="269" r:id="rId8"/>
+    <p:sldId id="262" r:id="rId9"/>
+    <p:sldId id="263" r:id="rId10"/>
+    <p:sldId id="264" r:id="rId11"/>
+    <p:sldId id="261" r:id="rId12"/>
+    <p:sldId id="257" r:id="rId13"/>
+    <p:sldId id="259" r:id="rId14"/>
+    <p:sldId id="258" r:id="rId15"/>
   </p:sldIdLst>
   <p:sldSz cx="12192000" cy="6858000"/>
   <p:notesSz cx="6858000" cy="9144000"/>
@@ -111,6 +117,11 @@
       </a:defRPr>
     </a:lvl9pPr>
   </p:defaultTextStyle>
+  <p:extLst>
+    <p:ext uri="{EFAFB233-063F-42B5-8137-9DF3F51BA10A}">
+      <p15:sldGuideLst xmlns:p15="http://schemas.microsoft.com/office/powerpoint/2012/main"/>
+    </p:ext>
+  </p:extLst>
 </p:presentation>
 </file>
 
@@ -245,7 +256,7 @@
           <a:p>
             <a:fld id="{223863CC-0F66-42B9-8167-F3A3EA9503D3}" type="datetimeFigureOut">
               <a:rPr lang="zh-CN" altLang="en-US" smtClean="0"/>
-              <a:t>2014/3/24</a:t>
+              <a:t>2014/3/31</a:t>
             </a:fld>
             <a:endParaRPr lang="zh-CN" altLang="en-US"/>
           </a:p>
@@ -415,7 +426,7 @@
           <a:p>
             <a:fld id="{223863CC-0F66-42B9-8167-F3A3EA9503D3}" type="datetimeFigureOut">
               <a:rPr lang="zh-CN" altLang="en-US" smtClean="0"/>
-              <a:t>2014/3/24</a:t>
+              <a:t>2014/3/31</a:t>
             </a:fld>
             <a:endParaRPr lang="zh-CN" altLang="en-US"/>
           </a:p>
@@ -595,7 +606,7 @@
           <a:p>
             <a:fld id="{223863CC-0F66-42B9-8167-F3A3EA9503D3}" type="datetimeFigureOut">
               <a:rPr lang="zh-CN" altLang="en-US" smtClean="0"/>
-              <a:t>2014/3/24</a:t>
+              <a:t>2014/3/31</a:t>
             </a:fld>
             <a:endParaRPr lang="zh-CN" altLang="en-US"/>
           </a:p>
@@ -647,6 +658,2120 @@
     <p:extLst>
       <p:ext uri="{BB962C8B-B14F-4D97-AF65-F5344CB8AC3E}">
         <p14:creationId xmlns:p14="http://schemas.microsoft.com/office/powerpoint/2010/main" val="3943932741"/>
+      </p:ext>
+    </p:extLst>
+  </p:cSld>
+  <p:clrMapOvr>
+    <a:masterClrMapping/>
+  </p:clrMapOvr>
+</p:sldLayout>
+</file>
+
+<file path=ppt/slideLayouts/slideLayout12.xml><?xml version="1.0" encoding="utf-8"?>
+<p:sldLayout xmlns:a="http://schemas.openxmlformats.org/drawingml/2006/main" xmlns:r="http://schemas.openxmlformats.org/officeDocument/2006/relationships" xmlns:p="http://schemas.openxmlformats.org/presentationml/2006/main" type="title" preserve="1">
+  <p:cSld name="标题幻灯片">
+    <p:spTree>
+      <p:nvGrpSpPr>
+        <p:cNvPr id="1" name=""/>
+        <p:cNvGrpSpPr/>
+        <p:nvPr/>
+      </p:nvGrpSpPr>
+      <p:grpSpPr>
+        <a:xfrm>
+          <a:off x="0" y="0"/>
+          <a:ext cx="0" cy="0"/>
+          <a:chOff x="0" y="0"/>
+          <a:chExt cx="0" cy="0"/>
+        </a:xfrm>
+      </p:grpSpPr>
+      <p:sp>
+        <p:nvSpPr>
+          <p:cNvPr id="2" name="标题 1"/>
+          <p:cNvSpPr>
+            <a:spLocks noGrp="1"/>
+          </p:cNvSpPr>
+          <p:nvPr>
+            <p:ph type="ctrTitle"/>
+          </p:nvPr>
+        </p:nvSpPr>
+        <p:spPr>
+          <a:xfrm>
+            <a:off x="914400" y="2130426"/>
+            <a:ext cx="10363200" cy="1470025"/>
+          </a:xfrm>
+        </p:spPr>
+        <p:txBody>
+          <a:bodyPr/>
+          <a:lstStyle/>
+          <a:p>
+            <a:r>
+              <a:rPr lang="zh-CN" altLang="en-US" smtClean="0"/>
+              <a:t>单击此处编辑母版标题样式</a:t>
+            </a:r>
+            <a:endParaRPr lang="zh-CN" altLang="en-US"/>
+          </a:p>
+        </p:txBody>
+      </p:sp>
+      <p:sp>
+        <p:nvSpPr>
+          <p:cNvPr id="3" name="副标题 2"/>
+          <p:cNvSpPr>
+            <a:spLocks noGrp="1"/>
+          </p:cNvSpPr>
+          <p:nvPr>
+            <p:ph type="subTitle" idx="1"/>
+          </p:nvPr>
+        </p:nvSpPr>
+        <p:spPr>
+          <a:xfrm>
+            <a:off x="1828800" y="3886200"/>
+            <a:ext cx="8534400" cy="1752600"/>
+          </a:xfrm>
+        </p:spPr>
+        <p:txBody>
+          <a:bodyPr/>
+          <a:lstStyle>
+            <a:lvl1pPr marL="0" indent="0" algn="ctr">
+              <a:buNone/>
+              <a:defRPr>
+                <a:solidFill>
+                  <a:schemeClr val="tx1">
+                    <a:tint val="75000"/>
+                  </a:schemeClr>
+                </a:solidFill>
+              </a:defRPr>
+            </a:lvl1pPr>
+            <a:lvl2pPr marL="457200" indent="0" algn="ctr">
+              <a:buNone/>
+              <a:defRPr>
+                <a:solidFill>
+                  <a:schemeClr val="tx1">
+                    <a:tint val="75000"/>
+                  </a:schemeClr>
+                </a:solidFill>
+              </a:defRPr>
+            </a:lvl2pPr>
+            <a:lvl3pPr marL="914400" indent="0" algn="ctr">
+              <a:buNone/>
+              <a:defRPr>
+                <a:solidFill>
+                  <a:schemeClr val="tx1">
+                    <a:tint val="75000"/>
+                  </a:schemeClr>
+                </a:solidFill>
+              </a:defRPr>
+            </a:lvl3pPr>
+            <a:lvl4pPr marL="1371600" indent="0" algn="ctr">
+              <a:buNone/>
+              <a:defRPr>
+                <a:solidFill>
+                  <a:schemeClr val="tx1">
+                    <a:tint val="75000"/>
+                  </a:schemeClr>
+                </a:solidFill>
+              </a:defRPr>
+            </a:lvl4pPr>
+            <a:lvl5pPr marL="1828800" indent="0" algn="ctr">
+              <a:buNone/>
+              <a:defRPr>
+                <a:solidFill>
+                  <a:schemeClr val="tx1">
+                    <a:tint val="75000"/>
+                  </a:schemeClr>
+                </a:solidFill>
+              </a:defRPr>
+            </a:lvl5pPr>
+            <a:lvl6pPr marL="2286000" indent="0" algn="ctr">
+              <a:buNone/>
+              <a:defRPr>
+                <a:solidFill>
+                  <a:schemeClr val="tx1">
+                    <a:tint val="75000"/>
+                  </a:schemeClr>
+                </a:solidFill>
+              </a:defRPr>
+            </a:lvl6pPr>
+            <a:lvl7pPr marL="2743200" indent="0" algn="ctr">
+              <a:buNone/>
+              <a:defRPr>
+                <a:solidFill>
+                  <a:schemeClr val="tx1">
+                    <a:tint val="75000"/>
+                  </a:schemeClr>
+                </a:solidFill>
+              </a:defRPr>
+            </a:lvl7pPr>
+            <a:lvl8pPr marL="3200400" indent="0" algn="ctr">
+              <a:buNone/>
+              <a:defRPr>
+                <a:solidFill>
+                  <a:schemeClr val="tx1">
+                    <a:tint val="75000"/>
+                  </a:schemeClr>
+                </a:solidFill>
+              </a:defRPr>
+            </a:lvl8pPr>
+            <a:lvl9pPr marL="3657600" indent="0" algn="ctr">
+              <a:buNone/>
+              <a:defRPr>
+                <a:solidFill>
+                  <a:schemeClr val="tx1">
+                    <a:tint val="75000"/>
+                  </a:schemeClr>
+                </a:solidFill>
+              </a:defRPr>
+            </a:lvl9pPr>
+          </a:lstStyle>
+          <a:p>
+            <a:r>
+              <a:rPr lang="zh-CN" altLang="en-US" smtClean="0"/>
+              <a:t>单击此处编辑母版副标题样式</a:t>
+            </a:r>
+            <a:endParaRPr lang="zh-CN" altLang="en-US"/>
+          </a:p>
+        </p:txBody>
+      </p:sp>
+      <p:sp>
+        <p:nvSpPr>
+          <p:cNvPr id="4" name="日期占位符 3"/>
+          <p:cNvSpPr>
+            <a:spLocks noGrp="1"/>
+          </p:cNvSpPr>
+          <p:nvPr>
+            <p:ph type="dt" sz="half" idx="10"/>
+          </p:nvPr>
+        </p:nvSpPr>
+        <p:spPr/>
+        <p:txBody>
+          <a:bodyPr/>
+          <a:lstStyle/>
+          <a:p>
+            <a:fld id="{530820CF-B880-4189-942D-D702A7CBA730}" type="datetimeFigureOut">
+              <a:rPr lang="zh-CN" altLang="en-US" smtClean="0">
+                <a:solidFill>
+                  <a:prstClr val="black">
+                    <a:tint val="75000"/>
+                  </a:prstClr>
+                </a:solidFill>
+              </a:rPr>
+              <a:pPr/>
+              <a:t>2014/3/31</a:t>
+            </a:fld>
+            <a:endParaRPr lang="zh-CN" altLang="en-US">
+              <a:solidFill>
+                <a:prstClr val="black">
+                  <a:tint val="75000"/>
+                </a:prstClr>
+              </a:solidFill>
+            </a:endParaRPr>
+          </a:p>
+        </p:txBody>
+      </p:sp>
+      <p:sp>
+        <p:nvSpPr>
+          <p:cNvPr id="5" name="页脚占位符 4"/>
+          <p:cNvSpPr>
+            <a:spLocks noGrp="1"/>
+          </p:cNvSpPr>
+          <p:nvPr>
+            <p:ph type="ftr" sz="quarter" idx="11"/>
+          </p:nvPr>
+        </p:nvSpPr>
+        <p:spPr/>
+        <p:txBody>
+          <a:bodyPr/>
+          <a:lstStyle/>
+          <a:p>
+            <a:endParaRPr lang="zh-CN" altLang="en-US">
+              <a:solidFill>
+                <a:prstClr val="black">
+                  <a:tint val="75000"/>
+                </a:prstClr>
+              </a:solidFill>
+            </a:endParaRPr>
+          </a:p>
+        </p:txBody>
+      </p:sp>
+      <p:sp>
+        <p:nvSpPr>
+          <p:cNvPr id="6" name="灯片编号占位符 5"/>
+          <p:cNvSpPr>
+            <a:spLocks noGrp="1"/>
+          </p:cNvSpPr>
+          <p:nvPr>
+            <p:ph type="sldNum" sz="quarter" idx="12"/>
+          </p:nvPr>
+        </p:nvSpPr>
+        <p:spPr/>
+        <p:txBody>
+          <a:bodyPr/>
+          <a:lstStyle/>
+          <a:p>
+            <a:fld id="{0C913308-F349-4B6D-A68A-DD1791B4A57B}" type="slidenum">
+              <a:rPr lang="zh-CN" altLang="en-US" smtClean="0">
+                <a:solidFill>
+                  <a:prstClr val="black">
+                    <a:tint val="75000"/>
+                  </a:prstClr>
+                </a:solidFill>
+              </a:rPr>
+              <a:pPr/>
+              <a:t>‹#›</a:t>
+            </a:fld>
+            <a:endParaRPr lang="zh-CN" altLang="en-US">
+              <a:solidFill>
+                <a:prstClr val="black">
+                  <a:tint val="75000"/>
+                </a:prstClr>
+              </a:solidFill>
+            </a:endParaRPr>
+          </a:p>
+        </p:txBody>
+      </p:sp>
+    </p:spTree>
+    <p:extLst>
+      <p:ext uri="{BB962C8B-B14F-4D97-AF65-F5344CB8AC3E}">
+        <p14:creationId xmlns:p14="http://schemas.microsoft.com/office/powerpoint/2010/main" val="2578587424"/>
+      </p:ext>
+    </p:extLst>
+  </p:cSld>
+  <p:clrMapOvr>
+    <a:masterClrMapping/>
+  </p:clrMapOvr>
+</p:sldLayout>
+</file>
+
+<file path=ppt/slideLayouts/slideLayout13.xml><?xml version="1.0" encoding="utf-8"?>
+<p:sldLayout xmlns:a="http://schemas.openxmlformats.org/drawingml/2006/main" xmlns:r="http://schemas.openxmlformats.org/officeDocument/2006/relationships" xmlns:p="http://schemas.openxmlformats.org/presentationml/2006/main" type="obj" preserve="1">
+  <p:cSld name="标题和内容">
+    <p:spTree>
+      <p:nvGrpSpPr>
+        <p:cNvPr id="1" name=""/>
+        <p:cNvGrpSpPr/>
+        <p:nvPr/>
+      </p:nvGrpSpPr>
+      <p:grpSpPr>
+        <a:xfrm>
+          <a:off x="0" y="0"/>
+          <a:ext cx="0" cy="0"/>
+          <a:chOff x="0" y="0"/>
+          <a:chExt cx="0" cy="0"/>
+        </a:xfrm>
+      </p:grpSpPr>
+      <p:sp>
+        <p:nvSpPr>
+          <p:cNvPr id="2" name="标题 1"/>
+          <p:cNvSpPr>
+            <a:spLocks noGrp="1"/>
+          </p:cNvSpPr>
+          <p:nvPr>
+            <p:ph type="title"/>
+          </p:nvPr>
+        </p:nvSpPr>
+        <p:spPr/>
+        <p:txBody>
+          <a:bodyPr/>
+          <a:lstStyle/>
+          <a:p>
+            <a:r>
+              <a:rPr lang="zh-CN" altLang="en-US" smtClean="0"/>
+              <a:t>单击此处编辑母版标题样式</a:t>
+            </a:r>
+            <a:endParaRPr lang="zh-CN" altLang="en-US"/>
+          </a:p>
+        </p:txBody>
+      </p:sp>
+      <p:sp>
+        <p:nvSpPr>
+          <p:cNvPr id="3" name="内容占位符 2"/>
+          <p:cNvSpPr>
+            <a:spLocks noGrp="1"/>
+          </p:cNvSpPr>
+          <p:nvPr>
+            <p:ph idx="1"/>
+          </p:nvPr>
+        </p:nvSpPr>
+        <p:spPr/>
+        <p:txBody>
+          <a:bodyPr/>
+          <a:lstStyle/>
+          <a:p>
+            <a:pPr lvl="0"/>
+            <a:r>
+              <a:rPr lang="zh-CN" altLang="en-US" smtClean="0"/>
+              <a:t>单击此处编辑母版文本样式</a:t>
+            </a:r>
+          </a:p>
+          <a:p>
+            <a:pPr lvl="1"/>
+            <a:r>
+              <a:rPr lang="zh-CN" altLang="en-US" smtClean="0"/>
+              <a:t>第二级</a:t>
+            </a:r>
+          </a:p>
+          <a:p>
+            <a:pPr lvl="2"/>
+            <a:r>
+              <a:rPr lang="zh-CN" altLang="en-US" smtClean="0"/>
+              <a:t>第三级</a:t>
+            </a:r>
+          </a:p>
+          <a:p>
+            <a:pPr lvl="3"/>
+            <a:r>
+              <a:rPr lang="zh-CN" altLang="en-US" smtClean="0"/>
+              <a:t>第四级</a:t>
+            </a:r>
+          </a:p>
+          <a:p>
+            <a:pPr lvl="4"/>
+            <a:r>
+              <a:rPr lang="zh-CN" altLang="en-US" smtClean="0"/>
+              <a:t>第五级</a:t>
+            </a:r>
+            <a:endParaRPr lang="zh-CN" altLang="en-US"/>
+          </a:p>
+        </p:txBody>
+      </p:sp>
+      <p:sp>
+        <p:nvSpPr>
+          <p:cNvPr id="4" name="日期占位符 3"/>
+          <p:cNvSpPr>
+            <a:spLocks noGrp="1"/>
+          </p:cNvSpPr>
+          <p:nvPr>
+            <p:ph type="dt" sz="half" idx="10"/>
+          </p:nvPr>
+        </p:nvSpPr>
+        <p:spPr/>
+        <p:txBody>
+          <a:bodyPr/>
+          <a:lstStyle/>
+          <a:p>
+            <a:fld id="{530820CF-B880-4189-942D-D702A7CBA730}" type="datetimeFigureOut">
+              <a:rPr lang="zh-CN" altLang="en-US" smtClean="0">
+                <a:solidFill>
+                  <a:prstClr val="black">
+                    <a:tint val="75000"/>
+                  </a:prstClr>
+                </a:solidFill>
+              </a:rPr>
+              <a:pPr/>
+              <a:t>2014/3/31</a:t>
+            </a:fld>
+            <a:endParaRPr lang="zh-CN" altLang="en-US">
+              <a:solidFill>
+                <a:prstClr val="black">
+                  <a:tint val="75000"/>
+                </a:prstClr>
+              </a:solidFill>
+            </a:endParaRPr>
+          </a:p>
+        </p:txBody>
+      </p:sp>
+      <p:sp>
+        <p:nvSpPr>
+          <p:cNvPr id="5" name="页脚占位符 4"/>
+          <p:cNvSpPr>
+            <a:spLocks noGrp="1"/>
+          </p:cNvSpPr>
+          <p:nvPr>
+            <p:ph type="ftr" sz="quarter" idx="11"/>
+          </p:nvPr>
+        </p:nvSpPr>
+        <p:spPr/>
+        <p:txBody>
+          <a:bodyPr/>
+          <a:lstStyle/>
+          <a:p>
+            <a:endParaRPr lang="zh-CN" altLang="en-US">
+              <a:solidFill>
+                <a:prstClr val="black">
+                  <a:tint val="75000"/>
+                </a:prstClr>
+              </a:solidFill>
+            </a:endParaRPr>
+          </a:p>
+        </p:txBody>
+      </p:sp>
+      <p:sp>
+        <p:nvSpPr>
+          <p:cNvPr id="6" name="灯片编号占位符 5"/>
+          <p:cNvSpPr>
+            <a:spLocks noGrp="1"/>
+          </p:cNvSpPr>
+          <p:nvPr>
+            <p:ph type="sldNum" sz="quarter" idx="12"/>
+          </p:nvPr>
+        </p:nvSpPr>
+        <p:spPr/>
+        <p:txBody>
+          <a:bodyPr/>
+          <a:lstStyle/>
+          <a:p>
+            <a:fld id="{0C913308-F349-4B6D-A68A-DD1791B4A57B}" type="slidenum">
+              <a:rPr lang="zh-CN" altLang="en-US" smtClean="0">
+                <a:solidFill>
+                  <a:prstClr val="black">
+                    <a:tint val="75000"/>
+                  </a:prstClr>
+                </a:solidFill>
+              </a:rPr>
+              <a:pPr/>
+              <a:t>‹#›</a:t>
+            </a:fld>
+            <a:endParaRPr lang="zh-CN" altLang="en-US">
+              <a:solidFill>
+                <a:prstClr val="black">
+                  <a:tint val="75000"/>
+                </a:prstClr>
+              </a:solidFill>
+            </a:endParaRPr>
+          </a:p>
+        </p:txBody>
+      </p:sp>
+    </p:spTree>
+    <p:extLst>
+      <p:ext uri="{BB962C8B-B14F-4D97-AF65-F5344CB8AC3E}">
+        <p14:creationId xmlns:p14="http://schemas.microsoft.com/office/powerpoint/2010/main" val="1411197404"/>
+      </p:ext>
+    </p:extLst>
+  </p:cSld>
+  <p:clrMapOvr>
+    <a:masterClrMapping/>
+  </p:clrMapOvr>
+</p:sldLayout>
+</file>
+
+<file path=ppt/slideLayouts/slideLayout14.xml><?xml version="1.0" encoding="utf-8"?>
+<p:sldLayout xmlns:a="http://schemas.openxmlformats.org/drawingml/2006/main" xmlns:r="http://schemas.openxmlformats.org/officeDocument/2006/relationships" xmlns:p="http://schemas.openxmlformats.org/presentationml/2006/main" type="secHead" preserve="1">
+  <p:cSld name="节标题">
+    <p:spTree>
+      <p:nvGrpSpPr>
+        <p:cNvPr id="1" name=""/>
+        <p:cNvGrpSpPr/>
+        <p:nvPr/>
+      </p:nvGrpSpPr>
+      <p:grpSpPr>
+        <a:xfrm>
+          <a:off x="0" y="0"/>
+          <a:ext cx="0" cy="0"/>
+          <a:chOff x="0" y="0"/>
+          <a:chExt cx="0" cy="0"/>
+        </a:xfrm>
+      </p:grpSpPr>
+      <p:sp>
+        <p:nvSpPr>
+          <p:cNvPr id="2" name="标题 1"/>
+          <p:cNvSpPr>
+            <a:spLocks noGrp="1"/>
+          </p:cNvSpPr>
+          <p:nvPr>
+            <p:ph type="title"/>
+          </p:nvPr>
+        </p:nvSpPr>
+        <p:spPr>
+          <a:xfrm>
+            <a:off x="963084" y="4406901"/>
+            <a:ext cx="10363200" cy="1362075"/>
+          </a:xfrm>
+        </p:spPr>
+        <p:txBody>
+          <a:bodyPr anchor="t"/>
+          <a:lstStyle>
+            <a:lvl1pPr algn="l">
+              <a:defRPr sz="4000" b="1" cap="all"/>
+            </a:lvl1pPr>
+          </a:lstStyle>
+          <a:p>
+            <a:r>
+              <a:rPr lang="zh-CN" altLang="en-US" smtClean="0"/>
+              <a:t>单击此处编辑母版标题样式</a:t>
+            </a:r>
+            <a:endParaRPr lang="zh-CN" altLang="en-US"/>
+          </a:p>
+        </p:txBody>
+      </p:sp>
+      <p:sp>
+        <p:nvSpPr>
+          <p:cNvPr id="3" name="文本占位符 2"/>
+          <p:cNvSpPr>
+            <a:spLocks noGrp="1"/>
+          </p:cNvSpPr>
+          <p:nvPr>
+            <p:ph type="body" idx="1"/>
+          </p:nvPr>
+        </p:nvSpPr>
+        <p:spPr>
+          <a:xfrm>
+            <a:off x="963084" y="2906713"/>
+            <a:ext cx="10363200" cy="1500187"/>
+          </a:xfrm>
+        </p:spPr>
+        <p:txBody>
+          <a:bodyPr anchor="b"/>
+          <a:lstStyle>
+            <a:lvl1pPr marL="0" indent="0">
+              <a:buNone/>
+              <a:defRPr sz="2000">
+                <a:solidFill>
+                  <a:schemeClr val="tx1">
+                    <a:tint val="75000"/>
+                  </a:schemeClr>
+                </a:solidFill>
+              </a:defRPr>
+            </a:lvl1pPr>
+            <a:lvl2pPr marL="457200" indent="0">
+              <a:buNone/>
+              <a:defRPr sz="1800">
+                <a:solidFill>
+                  <a:schemeClr val="tx1">
+                    <a:tint val="75000"/>
+                  </a:schemeClr>
+                </a:solidFill>
+              </a:defRPr>
+            </a:lvl2pPr>
+            <a:lvl3pPr marL="914400" indent="0">
+              <a:buNone/>
+              <a:defRPr sz="1600">
+                <a:solidFill>
+                  <a:schemeClr val="tx1">
+                    <a:tint val="75000"/>
+                  </a:schemeClr>
+                </a:solidFill>
+              </a:defRPr>
+            </a:lvl3pPr>
+            <a:lvl4pPr marL="1371600" indent="0">
+              <a:buNone/>
+              <a:defRPr sz="1400">
+                <a:solidFill>
+                  <a:schemeClr val="tx1">
+                    <a:tint val="75000"/>
+                  </a:schemeClr>
+                </a:solidFill>
+              </a:defRPr>
+            </a:lvl4pPr>
+            <a:lvl5pPr marL="1828800" indent="0">
+              <a:buNone/>
+              <a:defRPr sz="1400">
+                <a:solidFill>
+                  <a:schemeClr val="tx1">
+                    <a:tint val="75000"/>
+                  </a:schemeClr>
+                </a:solidFill>
+              </a:defRPr>
+            </a:lvl5pPr>
+            <a:lvl6pPr marL="2286000" indent="0">
+              <a:buNone/>
+              <a:defRPr sz="1400">
+                <a:solidFill>
+                  <a:schemeClr val="tx1">
+                    <a:tint val="75000"/>
+                  </a:schemeClr>
+                </a:solidFill>
+              </a:defRPr>
+            </a:lvl6pPr>
+            <a:lvl7pPr marL="2743200" indent="0">
+              <a:buNone/>
+              <a:defRPr sz="1400">
+                <a:solidFill>
+                  <a:schemeClr val="tx1">
+                    <a:tint val="75000"/>
+                  </a:schemeClr>
+                </a:solidFill>
+              </a:defRPr>
+            </a:lvl7pPr>
+            <a:lvl8pPr marL="3200400" indent="0">
+              <a:buNone/>
+              <a:defRPr sz="1400">
+                <a:solidFill>
+                  <a:schemeClr val="tx1">
+                    <a:tint val="75000"/>
+                  </a:schemeClr>
+                </a:solidFill>
+              </a:defRPr>
+            </a:lvl8pPr>
+            <a:lvl9pPr marL="3657600" indent="0">
+              <a:buNone/>
+              <a:defRPr sz="1400">
+                <a:solidFill>
+                  <a:schemeClr val="tx1">
+                    <a:tint val="75000"/>
+                  </a:schemeClr>
+                </a:solidFill>
+              </a:defRPr>
+            </a:lvl9pPr>
+          </a:lstStyle>
+          <a:p>
+            <a:pPr lvl="0"/>
+            <a:r>
+              <a:rPr lang="zh-CN" altLang="en-US" smtClean="0"/>
+              <a:t>单击此处编辑母版文本样式</a:t>
+            </a:r>
+          </a:p>
+        </p:txBody>
+      </p:sp>
+      <p:sp>
+        <p:nvSpPr>
+          <p:cNvPr id="4" name="日期占位符 3"/>
+          <p:cNvSpPr>
+            <a:spLocks noGrp="1"/>
+          </p:cNvSpPr>
+          <p:nvPr>
+            <p:ph type="dt" sz="half" idx="10"/>
+          </p:nvPr>
+        </p:nvSpPr>
+        <p:spPr/>
+        <p:txBody>
+          <a:bodyPr/>
+          <a:lstStyle/>
+          <a:p>
+            <a:fld id="{530820CF-B880-4189-942D-D702A7CBA730}" type="datetimeFigureOut">
+              <a:rPr lang="zh-CN" altLang="en-US" smtClean="0">
+                <a:solidFill>
+                  <a:prstClr val="black">
+                    <a:tint val="75000"/>
+                  </a:prstClr>
+                </a:solidFill>
+              </a:rPr>
+              <a:pPr/>
+              <a:t>2014/3/31</a:t>
+            </a:fld>
+            <a:endParaRPr lang="zh-CN" altLang="en-US">
+              <a:solidFill>
+                <a:prstClr val="black">
+                  <a:tint val="75000"/>
+                </a:prstClr>
+              </a:solidFill>
+            </a:endParaRPr>
+          </a:p>
+        </p:txBody>
+      </p:sp>
+      <p:sp>
+        <p:nvSpPr>
+          <p:cNvPr id="5" name="页脚占位符 4"/>
+          <p:cNvSpPr>
+            <a:spLocks noGrp="1"/>
+          </p:cNvSpPr>
+          <p:nvPr>
+            <p:ph type="ftr" sz="quarter" idx="11"/>
+          </p:nvPr>
+        </p:nvSpPr>
+        <p:spPr/>
+        <p:txBody>
+          <a:bodyPr/>
+          <a:lstStyle/>
+          <a:p>
+            <a:endParaRPr lang="zh-CN" altLang="en-US">
+              <a:solidFill>
+                <a:prstClr val="black">
+                  <a:tint val="75000"/>
+                </a:prstClr>
+              </a:solidFill>
+            </a:endParaRPr>
+          </a:p>
+        </p:txBody>
+      </p:sp>
+      <p:sp>
+        <p:nvSpPr>
+          <p:cNvPr id="6" name="灯片编号占位符 5"/>
+          <p:cNvSpPr>
+            <a:spLocks noGrp="1"/>
+          </p:cNvSpPr>
+          <p:nvPr>
+            <p:ph type="sldNum" sz="quarter" idx="12"/>
+          </p:nvPr>
+        </p:nvSpPr>
+        <p:spPr/>
+        <p:txBody>
+          <a:bodyPr/>
+          <a:lstStyle/>
+          <a:p>
+            <a:fld id="{0C913308-F349-4B6D-A68A-DD1791B4A57B}" type="slidenum">
+              <a:rPr lang="zh-CN" altLang="en-US" smtClean="0">
+                <a:solidFill>
+                  <a:prstClr val="black">
+                    <a:tint val="75000"/>
+                  </a:prstClr>
+                </a:solidFill>
+              </a:rPr>
+              <a:pPr/>
+              <a:t>‹#›</a:t>
+            </a:fld>
+            <a:endParaRPr lang="zh-CN" altLang="en-US">
+              <a:solidFill>
+                <a:prstClr val="black">
+                  <a:tint val="75000"/>
+                </a:prstClr>
+              </a:solidFill>
+            </a:endParaRPr>
+          </a:p>
+        </p:txBody>
+      </p:sp>
+    </p:spTree>
+    <p:extLst>
+      <p:ext uri="{BB962C8B-B14F-4D97-AF65-F5344CB8AC3E}">
+        <p14:creationId xmlns:p14="http://schemas.microsoft.com/office/powerpoint/2010/main" val="2947190804"/>
+      </p:ext>
+    </p:extLst>
+  </p:cSld>
+  <p:clrMapOvr>
+    <a:masterClrMapping/>
+  </p:clrMapOvr>
+</p:sldLayout>
+</file>
+
+<file path=ppt/slideLayouts/slideLayout15.xml><?xml version="1.0" encoding="utf-8"?>
+<p:sldLayout xmlns:a="http://schemas.openxmlformats.org/drawingml/2006/main" xmlns:r="http://schemas.openxmlformats.org/officeDocument/2006/relationships" xmlns:p="http://schemas.openxmlformats.org/presentationml/2006/main" type="twoObj" preserve="1">
+  <p:cSld name="两栏内容">
+    <p:spTree>
+      <p:nvGrpSpPr>
+        <p:cNvPr id="1" name=""/>
+        <p:cNvGrpSpPr/>
+        <p:nvPr/>
+      </p:nvGrpSpPr>
+      <p:grpSpPr>
+        <a:xfrm>
+          <a:off x="0" y="0"/>
+          <a:ext cx="0" cy="0"/>
+          <a:chOff x="0" y="0"/>
+          <a:chExt cx="0" cy="0"/>
+        </a:xfrm>
+      </p:grpSpPr>
+      <p:sp>
+        <p:nvSpPr>
+          <p:cNvPr id="2" name="标题 1"/>
+          <p:cNvSpPr>
+            <a:spLocks noGrp="1"/>
+          </p:cNvSpPr>
+          <p:nvPr>
+            <p:ph type="title"/>
+          </p:nvPr>
+        </p:nvSpPr>
+        <p:spPr/>
+        <p:txBody>
+          <a:bodyPr/>
+          <a:lstStyle/>
+          <a:p>
+            <a:r>
+              <a:rPr lang="zh-CN" altLang="en-US" smtClean="0"/>
+              <a:t>单击此处编辑母版标题样式</a:t>
+            </a:r>
+            <a:endParaRPr lang="zh-CN" altLang="en-US"/>
+          </a:p>
+        </p:txBody>
+      </p:sp>
+      <p:sp>
+        <p:nvSpPr>
+          <p:cNvPr id="3" name="内容占位符 2"/>
+          <p:cNvSpPr>
+            <a:spLocks noGrp="1"/>
+          </p:cNvSpPr>
+          <p:nvPr>
+            <p:ph sz="half" idx="1"/>
+          </p:nvPr>
+        </p:nvSpPr>
+        <p:spPr>
+          <a:xfrm>
+            <a:off x="609600" y="1600201"/>
+            <a:ext cx="5384800" cy="4525963"/>
+          </a:xfrm>
+        </p:spPr>
+        <p:txBody>
+          <a:bodyPr/>
+          <a:lstStyle>
+            <a:lvl1pPr>
+              <a:defRPr sz="2800"/>
+            </a:lvl1pPr>
+            <a:lvl2pPr>
+              <a:defRPr sz="2400"/>
+            </a:lvl2pPr>
+            <a:lvl3pPr>
+              <a:defRPr sz="2000"/>
+            </a:lvl3pPr>
+            <a:lvl4pPr>
+              <a:defRPr sz="1800"/>
+            </a:lvl4pPr>
+            <a:lvl5pPr>
+              <a:defRPr sz="1800"/>
+            </a:lvl5pPr>
+            <a:lvl6pPr>
+              <a:defRPr sz="1800"/>
+            </a:lvl6pPr>
+            <a:lvl7pPr>
+              <a:defRPr sz="1800"/>
+            </a:lvl7pPr>
+            <a:lvl8pPr>
+              <a:defRPr sz="1800"/>
+            </a:lvl8pPr>
+            <a:lvl9pPr>
+              <a:defRPr sz="1800"/>
+            </a:lvl9pPr>
+          </a:lstStyle>
+          <a:p>
+            <a:pPr lvl="0"/>
+            <a:r>
+              <a:rPr lang="zh-CN" altLang="en-US" smtClean="0"/>
+              <a:t>单击此处编辑母版文本样式</a:t>
+            </a:r>
+          </a:p>
+          <a:p>
+            <a:pPr lvl="1"/>
+            <a:r>
+              <a:rPr lang="zh-CN" altLang="en-US" smtClean="0"/>
+              <a:t>第二级</a:t>
+            </a:r>
+          </a:p>
+          <a:p>
+            <a:pPr lvl="2"/>
+            <a:r>
+              <a:rPr lang="zh-CN" altLang="en-US" smtClean="0"/>
+              <a:t>第三级</a:t>
+            </a:r>
+          </a:p>
+          <a:p>
+            <a:pPr lvl="3"/>
+            <a:r>
+              <a:rPr lang="zh-CN" altLang="en-US" smtClean="0"/>
+              <a:t>第四级</a:t>
+            </a:r>
+          </a:p>
+          <a:p>
+            <a:pPr lvl="4"/>
+            <a:r>
+              <a:rPr lang="zh-CN" altLang="en-US" smtClean="0"/>
+              <a:t>第五级</a:t>
+            </a:r>
+            <a:endParaRPr lang="zh-CN" altLang="en-US"/>
+          </a:p>
+        </p:txBody>
+      </p:sp>
+      <p:sp>
+        <p:nvSpPr>
+          <p:cNvPr id="4" name="内容占位符 3"/>
+          <p:cNvSpPr>
+            <a:spLocks noGrp="1"/>
+          </p:cNvSpPr>
+          <p:nvPr>
+            <p:ph sz="half" idx="2"/>
+          </p:nvPr>
+        </p:nvSpPr>
+        <p:spPr>
+          <a:xfrm>
+            <a:off x="6197600" y="1600201"/>
+            <a:ext cx="5384800" cy="4525963"/>
+          </a:xfrm>
+        </p:spPr>
+        <p:txBody>
+          <a:bodyPr/>
+          <a:lstStyle>
+            <a:lvl1pPr>
+              <a:defRPr sz="2800"/>
+            </a:lvl1pPr>
+            <a:lvl2pPr>
+              <a:defRPr sz="2400"/>
+            </a:lvl2pPr>
+            <a:lvl3pPr>
+              <a:defRPr sz="2000"/>
+            </a:lvl3pPr>
+            <a:lvl4pPr>
+              <a:defRPr sz="1800"/>
+            </a:lvl4pPr>
+            <a:lvl5pPr>
+              <a:defRPr sz="1800"/>
+            </a:lvl5pPr>
+            <a:lvl6pPr>
+              <a:defRPr sz="1800"/>
+            </a:lvl6pPr>
+            <a:lvl7pPr>
+              <a:defRPr sz="1800"/>
+            </a:lvl7pPr>
+            <a:lvl8pPr>
+              <a:defRPr sz="1800"/>
+            </a:lvl8pPr>
+            <a:lvl9pPr>
+              <a:defRPr sz="1800"/>
+            </a:lvl9pPr>
+          </a:lstStyle>
+          <a:p>
+            <a:pPr lvl="0"/>
+            <a:r>
+              <a:rPr lang="zh-CN" altLang="en-US" smtClean="0"/>
+              <a:t>单击此处编辑母版文本样式</a:t>
+            </a:r>
+          </a:p>
+          <a:p>
+            <a:pPr lvl="1"/>
+            <a:r>
+              <a:rPr lang="zh-CN" altLang="en-US" smtClean="0"/>
+              <a:t>第二级</a:t>
+            </a:r>
+          </a:p>
+          <a:p>
+            <a:pPr lvl="2"/>
+            <a:r>
+              <a:rPr lang="zh-CN" altLang="en-US" smtClean="0"/>
+              <a:t>第三级</a:t>
+            </a:r>
+          </a:p>
+          <a:p>
+            <a:pPr lvl="3"/>
+            <a:r>
+              <a:rPr lang="zh-CN" altLang="en-US" smtClean="0"/>
+              <a:t>第四级</a:t>
+            </a:r>
+          </a:p>
+          <a:p>
+            <a:pPr lvl="4"/>
+            <a:r>
+              <a:rPr lang="zh-CN" altLang="en-US" smtClean="0"/>
+              <a:t>第五级</a:t>
+            </a:r>
+            <a:endParaRPr lang="zh-CN" altLang="en-US"/>
+          </a:p>
+        </p:txBody>
+      </p:sp>
+      <p:sp>
+        <p:nvSpPr>
+          <p:cNvPr id="5" name="日期占位符 4"/>
+          <p:cNvSpPr>
+            <a:spLocks noGrp="1"/>
+          </p:cNvSpPr>
+          <p:nvPr>
+            <p:ph type="dt" sz="half" idx="10"/>
+          </p:nvPr>
+        </p:nvSpPr>
+        <p:spPr/>
+        <p:txBody>
+          <a:bodyPr/>
+          <a:lstStyle/>
+          <a:p>
+            <a:fld id="{530820CF-B880-4189-942D-D702A7CBA730}" type="datetimeFigureOut">
+              <a:rPr lang="zh-CN" altLang="en-US" smtClean="0">
+                <a:solidFill>
+                  <a:prstClr val="black">
+                    <a:tint val="75000"/>
+                  </a:prstClr>
+                </a:solidFill>
+              </a:rPr>
+              <a:pPr/>
+              <a:t>2014/3/31</a:t>
+            </a:fld>
+            <a:endParaRPr lang="zh-CN" altLang="en-US">
+              <a:solidFill>
+                <a:prstClr val="black">
+                  <a:tint val="75000"/>
+                </a:prstClr>
+              </a:solidFill>
+            </a:endParaRPr>
+          </a:p>
+        </p:txBody>
+      </p:sp>
+      <p:sp>
+        <p:nvSpPr>
+          <p:cNvPr id="6" name="页脚占位符 5"/>
+          <p:cNvSpPr>
+            <a:spLocks noGrp="1"/>
+          </p:cNvSpPr>
+          <p:nvPr>
+            <p:ph type="ftr" sz="quarter" idx="11"/>
+          </p:nvPr>
+        </p:nvSpPr>
+        <p:spPr/>
+        <p:txBody>
+          <a:bodyPr/>
+          <a:lstStyle/>
+          <a:p>
+            <a:endParaRPr lang="zh-CN" altLang="en-US">
+              <a:solidFill>
+                <a:prstClr val="black">
+                  <a:tint val="75000"/>
+                </a:prstClr>
+              </a:solidFill>
+            </a:endParaRPr>
+          </a:p>
+        </p:txBody>
+      </p:sp>
+      <p:sp>
+        <p:nvSpPr>
+          <p:cNvPr id="7" name="灯片编号占位符 6"/>
+          <p:cNvSpPr>
+            <a:spLocks noGrp="1"/>
+          </p:cNvSpPr>
+          <p:nvPr>
+            <p:ph type="sldNum" sz="quarter" idx="12"/>
+          </p:nvPr>
+        </p:nvSpPr>
+        <p:spPr/>
+        <p:txBody>
+          <a:bodyPr/>
+          <a:lstStyle/>
+          <a:p>
+            <a:fld id="{0C913308-F349-4B6D-A68A-DD1791B4A57B}" type="slidenum">
+              <a:rPr lang="zh-CN" altLang="en-US" smtClean="0">
+                <a:solidFill>
+                  <a:prstClr val="black">
+                    <a:tint val="75000"/>
+                  </a:prstClr>
+                </a:solidFill>
+              </a:rPr>
+              <a:pPr/>
+              <a:t>‹#›</a:t>
+            </a:fld>
+            <a:endParaRPr lang="zh-CN" altLang="en-US">
+              <a:solidFill>
+                <a:prstClr val="black">
+                  <a:tint val="75000"/>
+                </a:prstClr>
+              </a:solidFill>
+            </a:endParaRPr>
+          </a:p>
+        </p:txBody>
+      </p:sp>
+    </p:spTree>
+    <p:extLst>
+      <p:ext uri="{BB962C8B-B14F-4D97-AF65-F5344CB8AC3E}">
+        <p14:creationId xmlns:p14="http://schemas.microsoft.com/office/powerpoint/2010/main" val="3825434298"/>
+      </p:ext>
+    </p:extLst>
+  </p:cSld>
+  <p:clrMapOvr>
+    <a:masterClrMapping/>
+  </p:clrMapOvr>
+</p:sldLayout>
+</file>
+
+<file path=ppt/slideLayouts/slideLayout16.xml><?xml version="1.0" encoding="utf-8"?>
+<p:sldLayout xmlns:a="http://schemas.openxmlformats.org/drawingml/2006/main" xmlns:r="http://schemas.openxmlformats.org/officeDocument/2006/relationships" xmlns:p="http://schemas.openxmlformats.org/presentationml/2006/main" type="twoTxTwoObj" preserve="1">
+  <p:cSld name="比较">
+    <p:spTree>
+      <p:nvGrpSpPr>
+        <p:cNvPr id="1" name=""/>
+        <p:cNvGrpSpPr/>
+        <p:nvPr/>
+      </p:nvGrpSpPr>
+      <p:grpSpPr>
+        <a:xfrm>
+          <a:off x="0" y="0"/>
+          <a:ext cx="0" cy="0"/>
+          <a:chOff x="0" y="0"/>
+          <a:chExt cx="0" cy="0"/>
+        </a:xfrm>
+      </p:grpSpPr>
+      <p:sp>
+        <p:nvSpPr>
+          <p:cNvPr id="2" name="标题 1"/>
+          <p:cNvSpPr>
+            <a:spLocks noGrp="1"/>
+          </p:cNvSpPr>
+          <p:nvPr>
+            <p:ph type="title"/>
+          </p:nvPr>
+        </p:nvSpPr>
+        <p:spPr/>
+        <p:txBody>
+          <a:bodyPr/>
+          <a:lstStyle>
+            <a:lvl1pPr>
+              <a:defRPr/>
+            </a:lvl1pPr>
+          </a:lstStyle>
+          <a:p>
+            <a:r>
+              <a:rPr lang="zh-CN" altLang="en-US" smtClean="0"/>
+              <a:t>单击此处编辑母版标题样式</a:t>
+            </a:r>
+            <a:endParaRPr lang="zh-CN" altLang="en-US"/>
+          </a:p>
+        </p:txBody>
+      </p:sp>
+      <p:sp>
+        <p:nvSpPr>
+          <p:cNvPr id="3" name="文本占位符 2"/>
+          <p:cNvSpPr>
+            <a:spLocks noGrp="1"/>
+          </p:cNvSpPr>
+          <p:nvPr>
+            <p:ph type="body" idx="1"/>
+          </p:nvPr>
+        </p:nvSpPr>
+        <p:spPr>
+          <a:xfrm>
+            <a:off x="609600" y="1535113"/>
+            <a:ext cx="5386917" cy="639762"/>
+          </a:xfrm>
+        </p:spPr>
+        <p:txBody>
+          <a:bodyPr anchor="b"/>
+          <a:lstStyle>
+            <a:lvl1pPr marL="0" indent="0">
+              <a:buNone/>
+              <a:defRPr sz="2400" b="1"/>
+            </a:lvl1pPr>
+            <a:lvl2pPr marL="457200" indent="0">
+              <a:buNone/>
+              <a:defRPr sz="2000" b="1"/>
+            </a:lvl2pPr>
+            <a:lvl3pPr marL="914400" indent="0">
+              <a:buNone/>
+              <a:defRPr sz="1800" b="1"/>
+            </a:lvl3pPr>
+            <a:lvl4pPr marL="1371600" indent="0">
+              <a:buNone/>
+              <a:defRPr sz="1600" b="1"/>
+            </a:lvl4pPr>
+            <a:lvl5pPr marL="1828800" indent="0">
+              <a:buNone/>
+              <a:defRPr sz="1600" b="1"/>
+            </a:lvl5pPr>
+            <a:lvl6pPr marL="2286000" indent="0">
+              <a:buNone/>
+              <a:defRPr sz="1600" b="1"/>
+            </a:lvl6pPr>
+            <a:lvl7pPr marL="2743200" indent="0">
+              <a:buNone/>
+              <a:defRPr sz="1600" b="1"/>
+            </a:lvl7pPr>
+            <a:lvl8pPr marL="3200400" indent="0">
+              <a:buNone/>
+              <a:defRPr sz="1600" b="1"/>
+            </a:lvl8pPr>
+            <a:lvl9pPr marL="3657600" indent="0">
+              <a:buNone/>
+              <a:defRPr sz="1600" b="1"/>
+            </a:lvl9pPr>
+          </a:lstStyle>
+          <a:p>
+            <a:pPr lvl="0"/>
+            <a:r>
+              <a:rPr lang="zh-CN" altLang="en-US" smtClean="0"/>
+              <a:t>单击此处编辑母版文本样式</a:t>
+            </a:r>
+          </a:p>
+        </p:txBody>
+      </p:sp>
+      <p:sp>
+        <p:nvSpPr>
+          <p:cNvPr id="4" name="内容占位符 3"/>
+          <p:cNvSpPr>
+            <a:spLocks noGrp="1"/>
+          </p:cNvSpPr>
+          <p:nvPr>
+            <p:ph sz="half" idx="2"/>
+          </p:nvPr>
+        </p:nvSpPr>
+        <p:spPr>
+          <a:xfrm>
+            <a:off x="609600" y="2174875"/>
+            <a:ext cx="5386917" cy="3951288"/>
+          </a:xfrm>
+        </p:spPr>
+        <p:txBody>
+          <a:bodyPr/>
+          <a:lstStyle>
+            <a:lvl1pPr>
+              <a:defRPr sz="2400"/>
+            </a:lvl1pPr>
+            <a:lvl2pPr>
+              <a:defRPr sz="2000"/>
+            </a:lvl2pPr>
+            <a:lvl3pPr>
+              <a:defRPr sz="1800"/>
+            </a:lvl3pPr>
+            <a:lvl4pPr>
+              <a:defRPr sz="1600"/>
+            </a:lvl4pPr>
+            <a:lvl5pPr>
+              <a:defRPr sz="1600"/>
+            </a:lvl5pPr>
+            <a:lvl6pPr>
+              <a:defRPr sz="1600"/>
+            </a:lvl6pPr>
+            <a:lvl7pPr>
+              <a:defRPr sz="1600"/>
+            </a:lvl7pPr>
+            <a:lvl8pPr>
+              <a:defRPr sz="1600"/>
+            </a:lvl8pPr>
+            <a:lvl9pPr>
+              <a:defRPr sz="1600"/>
+            </a:lvl9pPr>
+          </a:lstStyle>
+          <a:p>
+            <a:pPr lvl="0"/>
+            <a:r>
+              <a:rPr lang="zh-CN" altLang="en-US" smtClean="0"/>
+              <a:t>单击此处编辑母版文本样式</a:t>
+            </a:r>
+          </a:p>
+          <a:p>
+            <a:pPr lvl="1"/>
+            <a:r>
+              <a:rPr lang="zh-CN" altLang="en-US" smtClean="0"/>
+              <a:t>第二级</a:t>
+            </a:r>
+          </a:p>
+          <a:p>
+            <a:pPr lvl="2"/>
+            <a:r>
+              <a:rPr lang="zh-CN" altLang="en-US" smtClean="0"/>
+              <a:t>第三级</a:t>
+            </a:r>
+          </a:p>
+          <a:p>
+            <a:pPr lvl="3"/>
+            <a:r>
+              <a:rPr lang="zh-CN" altLang="en-US" smtClean="0"/>
+              <a:t>第四级</a:t>
+            </a:r>
+          </a:p>
+          <a:p>
+            <a:pPr lvl="4"/>
+            <a:r>
+              <a:rPr lang="zh-CN" altLang="en-US" smtClean="0"/>
+              <a:t>第五级</a:t>
+            </a:r>
+            <a:endParaRPr lang="zh-CN" altLang="en-US"/>
+          </a:p>
+        </p:txBody>
+      </p:sp>
+      <p:sp>
+        <p:nvSpPr>
+          <p:cNvPr id="5" name="文本占位符 4"/>
+          <p:cNvSpPr>
+            <a:spLocks noGrp="1"/>
+          </p:cNvSpPr>
+          <p:nvPr>
+            <p:ph type="body" sz="quarter" idx="3"/>
+          </p:nvPr>
+        </p:nvSpPr>
+        <p:spPr>
+          <a:xfrm>
+            <a:off x="6193368" y="1535113"/>
+            <a:ext cx="5389033" cy="639762"/>
+          </a:xfrm>
+        </p:spPr>
+        <p:txBody>
+          <a:bodyPr anchor="b"/>
+          <a:lstStyle>
+            <a:lvl1pPr marL="0" indent="0">
+              <a:buNone/>
+              <a:defRPr sz="2400" b="1"/>
+            </a:lvl1pPr>
+            <a:lvl2pPr marL="457200" indent="0">
+              <a:buNone/>
+              <a:defRPr sz="2000" b="1"/>
+            </a:lvl2pPr>
+            <a:lvl3pPr marL="914400" indent="0">
+              <a:buNone/>
+              <a:defRPr sz="1800" b="1"/>
+            </a:lvl3pPr>
+            <a:lvl4pPr marL="1371600" indent="0">
+              <a:buNone/>
+              <a:defRPr sz="1600" b="1"/>
+            </a:lvl4pPr>
+            <a:lvl5pPr marL="1828800" indent="0">
+              <a:buNone/>
+              <a:defRPr sz="1600" b="1"/>
+            </a:lvl5pPr>
+            <a:lvl6pPr marL="2286000" indent="0">
+              <a:buNone/>
+              <a:defRPr sz="1600" b="1"/>
+            </a:lvl6pPr>
+            <a:lvl7pPr marL="2743200" indent="0">
+              <a:buNone/>
+              <a:defRPr sz="1600" b="1"/>
+            </a:lvl7pPr>
+            <a:lvl8pPr marL="3200400" indent="0">
+              <a:buNone/>
+              <a:defRPr sz="1600" b="1"/>
+            </a:lvl8pPr>
+            <a:lvl9pPr marL="3657600" indent="0">
+              <a:buNone/>
+              <a:defRPr sz="1600" b="1"/>
+            </a:lvl9pPr>
+          </a:lstStyle>
+          <a:p>
+            <a:pPr lvl="0"/>
+            <a:r>
+              <a:rPr lang="zh-CN" altLang="en-US" smtClean="0"/>
+              <a:t>单击此处编辑母版文本样式</a:t>
+            </a:r>
+          </a:p>
+        </p:txBody>
+      </p:sp>
+      <p:sp>
+        <p:nvSpPr>
+          <p:cNvPr id="6" name="内容占位符 5"/>
+          <p:cNvSpPr>
+            <a:spLocks noGrp="1"/>
+          </p:cNvSpPr>
+          <p:nvPr>
+            <p:ph sz="quarter" idx="4"/>
+          </p:nvPr>
+        </p:nvSpPr>
+        <p:spPr>
+          <a:xfrm>
+            <a:off x="6193368" y="2174875"/>
+            <a:ext cx="5389033" cy="3951288"/>
+          </a:xfrm>
+        </p:spPr>
+        <p:txBody>
+          <a:bodyPr/>
+          <a:lstStyle>
+            <a:lvl1pPr>
+              <a:defRPr sz="2400"/>
+            </a:lvl1pPr>
+            <a:lvl2pPr>
+              <a:defRPr sz="2000"/>
+            </a:lvl2pPr>
+            <a:lvl3pPr>
+              <a:defRPr sz="1800"/>
+            </a:lvl3pPr>
+            <a:lvl4pPr>
+              <a:defRPr sz="1600"/>
+            </a:lvl4pPr>
+            <a:lvl5pPr>
+              <a:defRPr sz="1600"/>
+            </a:lvl5pPr>
+            <a:lvl6pPr>
+              <a:defRPr sz="1600"/>
+            </a:lvl6pPr>
+            <a:lvl7pPr>
+              <a:defRPr sz="1600"/>
+            </a:lvl7pPr>
+            <a:lvl8pPr>
+              <a:defRPr sz="1600"/>
+            </a:lvl8pPr>
+            <a:lvl9pPr>
+              <a:defRPr sz="1600"/>
+            </a:lvl9pPr>
+          </a:lstStyle>
+          <a:p>
+            <a:pPr lvl="0"/>
+            <a:r>
+              <a:rPr lang="zh-CN" altLang="en-US" smtClean="0"/>
+              <a:t>单击此处编辑母版文本样式</a:t>
+            </a:r>
+          </a:p>
+          <a:p>
+            <a:pPr lvl="1"/>
+            <a:r>
+              <a:rPr lang="zh-CN" altLang="en-US" smtClean="0"/>
+              <a:t>第二级</a:t>
+            </a:r>
+          </a:p>
+          <a:p>
+            <a:pPr lvl="2"/>
+            <a:r>
+              <a:rPr lang="zh-CN" altLang="en-US" smtClean="0"/>
+              <a:t>第三级</a:t>
+            </a:r>
+          </a:p>
+          <a:p>
+            <a:pPr lvl="3"/>
+            <a:r>
+              <a:rPr lang="zh-CN" altLang="en-US" smtClean="0"/>
+              <a:t>第四级</a:t>
+            </a:r>
+          </a:p>
+          <a:p>
+            <a:pPr lvl="4"/>
+            <a:r>
+              <a:rPr lang="zh-CN" altLang="en-US" smtClean="0"/>
+              <a:t>第五级</a:t>
+            </a:r>
+            <a:endParaRPr lang="zh-CN" altLang="en-US"/>
+          </a:p>
+        </p:txBody>
+      </p:sp>
+      <p:sp>
+        <p:nvSpPr>
+          <p:cNvPr id="7" name="日期占位符 6"/>
+          <p:cNvSpPr>
+            <a:spLocks noGrp="1"/>
+          </p:cNvSpPr>
+          <p:nvPr>
+            <p:ph type="dt" sz="half" idx="10"/>
+          </p:nvPr>
+        </p:nvSpPr>
+        <p:spPr/>
+        <p:txBody>
+          <a:bodyPr/>
+          <a:lstStyle/>
+          <a:p>
+            <a:fld id="{530820CF-B880-4189-942D-D702A7CBA730}" type="datetimeFigureOut">
+              <a:rPr lang="zh-CN" altLang="en-US" smtClean="0">
+                <a:solidFill>
+                  <a:prstClr val="black">
+                    <a:tint val="75000"/>
+                  </a:prstClr>
+                </a:solidFill>
+              </a:rPr>
+              <a:pPr/>
+              <a:t>2014/3/31</a:t>
+            </a:fld>
+            <a:endParaRPr lang="zh-CN" altLang="en-US">
+              <a:solidFill>
+                <a:prstClr val="black">
+                  <a:tint val="75000"/>
+                </a:prstClr>
+              </a:solidFill>
+            </a:endParaRPr>
+          </a:p>
+        </p:txBody>
+      </p:sp>
+      <p:sp>
+        <p:nvSpPr>
+          <p:cNvPr id="8" name="页脚占位符 7"/>
+          <p:cNvSpPr>
+            <a:spLocks noGrp="1"/>
+          </p:cNvSpPr>
+          <p:nvPr>
+            <p:ph type="ftr" sz="quarter" idx="11"/>
+          </p:nvPr>
+        </p:nvSpPr>
+        <p:spPr/>
+        <p:txBody>
+          <a:bodyPr/>
+          <a:lstStyle/>
+          <a:p>
+            <a:endParaRPr lang="zh-CN" altLang="en-US">
+              <a:solidFill>
+                <a:prstClr val="black">
+                  <a:tint val="75000"/>
+                </a:prstClr>
+              </a:solidFill>
+            </a:endParaRPr>
+          </a:p>
+        </p:txBody>
+      </p:sp>
+      <p:sp>
+        <p:nvSpPr>
+          <p:cNvPr id="9" name="灯片编号占位符 8"/>
+          <p:cNvSpPr>
+            <a:spLocks noGrp="1"/>
+          </p:cNvSpPr>
+          <p:nvPr>
+            <p:ph type="sldNum" sz="quarter" idx="12"/>
+          </p:nvPr>
+        </p:nvSpPr>
+        <p:spPr/>
+        <p:txBody>
+          <a:bodyPr/>
+          <a:lstStyle/>
+          <a:p>
+            <a:fld id="{0C913308-F349-4B6D-A68A-DD1791B4A57B}" type="slidenum">
+              <a:rPr lang="zh-CN" altLang="en-US" smtClean="0">
+                <a:solidFill>
+                  <a:prstClr val="black">
+                    <a:tint val="75000"/>
+                  </a:prstClr>
+                </a:solidFill>
+              </a:rPr>
+              <a:pPr/>
+              <a:t>‹#›</a:t>
+            </a:fld>
+            <a:endParaRPr lang="zh-CN" altLang="en-US">
+              <a:solidFill>
+                <a:prstClr val="black">
+                  <a:tint val="75000"/>
+                </a:prstClr>
+              </a:solidFill>
+            </a:endParaRPr>
+          </a:p>
+        </p:txBody>
+      </p:sp>
+    </p:spTree>
+    <p:extLst>
+      <p:ext uri="{BB962C8B-B14F-4D97-AF65-F5344CB8AC3E}">
+        <p14:creationId xmlns:p14="http://schemas.microsoft.com/office/powerpoint/2010/main" val="2778074796"/>
+      </p:ext>
+    </p:extLst>
+  </p:cSld>
+  <p:clrMapOvr>
+    <a:masterClrMapping/>
+  </p:clrMapOvr>
+</p:sldLayout>
+</file>
+
+<file path=ppt/slideLayouts/slideLayout17.xml><?xml version="1.0" encoding="utf-8"?>
+<p:sldLayout xmlns:a="http://schemas.openxmlformats.org/drawingml/2006/main" xmlns:r="http://schemas.openxmlformats.org/officeDocument/2006/relationships" xmlns:p="http://schemas.openxmlformats.org/presentationml/2006/main" type="titleOnly" preserve="1">
+  <p:cSld name="仅标题">
+    <p:spTree>
+      <p:nvGrpSpPr>
+        <p:cNvPr id="1" name=""/>
+        <p:cNvGrpSpPr/>
+        <p:nvPr/>
+      </p:nvGrpSpPr>
+      <p:grpSpPr>
+        <a:xfrm>
+          <a:off x="0" y="0"/>
+          <a:ext cx="0" cy="0"/>
+          <a:chOff x="0" y="0"/>
+          <a:chExt cx="0" cy="0"/>
+        </a:xfrm>
+      </p:grpSpPr>
+      <p:sp>
+        <p:nvSpPr>
+          <p:cNvPr id="2" name="标题 1"/>
+          <p:cNvSpPr>
+            <a:spLocks noGrp="1"/>
+          </p:cNvSpPr>
+          <p:nvPr>
+            <p:ph type="title"/>
+          </p:nvPr>
+        </p:nvSpPr>
+        <p:spPr/>
+        <p:txBody>
+          <a:bodyPr/>
+          <a:lstStyle/>
+          <a:p>
+            <a:r>
+              <a:rPr lang="zh-CN" altLang="en-US" smtClean="0"/>
+              <a:t>单击此处编辑母版标题样式</a:t>
+            </a:r>
+            <a:endParaRPr lang="zh-CN" altLang="en-US"/>
+          </a:p>
+        </p:txBody>
+      </p:sp>
+      <p:sp>
+        <p:nvSpPr>
+          <p:cNvPr id="3" name="日期占位符 2"/>
+          <p:cNvSpPr>
+            <a:spLocks noGrp="1"/>
+          </p:cNvSpPr>
+          <p:nvPr>
+            <p:ph type="dt" sz="half" idx="10"/>
+          </p:nvPr>
+        </p:nvSpPr>
+        <p:spPr/>
+        <p:txBody>
+          <a:bodyPr/>
+          <a:lstStyle/>
+          <a:p>
+            <a:fld id="{530820CF-B880-4189-942D-D702A7CBA730}" type="datetimeFigureOut">
+              <a:rPr lang="zh-CN" altLang="en-US" smtClean="0">
+                <a:solidFill>
+                  <a:prstClr val="black">
+                    <a:tint val="75000"/>
+                  </a:prstClr>
+                </a:solidFill>
+              </a:rPr>
+              <a:pPr/>
+              <a:t>2014/3/31</a:t>
+            </a:fld>
+            <a:endParaRPr lang="zh-CN" altLang="en-US">
+              <a:solidFill>
+                <a:prstClr val="black">
+                  <a:tint val="75000"/>
+                </a:prstClr>
+              </a:solidFill>
+            </a:endParaRPr>
+          </a:p>
+        </p:txBody>
+      </p:sp>
+      <p:sp>
+        <p:nvSpPr>
+          <p:cNvPr id="4" name="页脚占位符 3"/>
+          <p:cNvSpPr>
+            <a:spLocks noGrp="1"/>
+          </p:cNvSpPr>
+          <p:nvPr>
+            <p:ph type="ftr" sz="quarter" idx="11"/>
+          </p:nvPr>
+        </p:nvSpPr>
+        <p:spPr/>
+        <p:txBody>
+          <a:bodyPr/>
+          <a:lstStyle/>
+          <a:p>
+            <a:endParaRPr lang="zh-CN" altLang="en-US">
+              <a:solidFill>
+                <a:prstClr val="black">
+                  <a:tint val="75000"/>
+                </a:prstClr>
+              </a:solidFill>
+            </a:endParaRPr>
+          </a:p>
+        </p:txBody>
+      </p:sp>
+      <p:sp>
+        <p:nvSpPr>
+          <p:cNvPr id="5" name="灯片编号占位符 4"/>
+          <p:cNvSpPr>
+            <a:spLocks noGrp="1"/>
+          </p:cNvSpPr>
+          <p:nvPr>
+            <p:ph type="sldNum" sz="quarter" idx="12"/>
+          </p:nvPr>
+        </p:nvSpPr>
+        <p:spPr/>
+        <p:txBody>
+          <a:bodyPr/>
+          <a:lstStyle/>
+          <a:p>
+            <a:fld id="{0C913308-F349-4B6D-A68A-DD1791B4A57B}" type="slidenum">
+              <a:rPr lang="zh-CN" altLang="en-US" smtClean="0">
+                <a:solidFill>
+                  <a:prstClr val="black">
+                    <a:tint val="75000"/>
+                  </a:prstClr>
+                </a:solidFill>
+              </a:rPr>
+              <a:pPr/>
+              <a:t>‹#›</a:t>
+            </a:fld>
+            <a:endParaRPr lang="zh-CN" altLang="en-US">
+              <a:solidFill>
+                <a:prstClr val="black">
+                  <a:tint val="75000"/>
+                </a:prstClr>
+              </a:solidFill>
+            </a:endParaRPr>
+          </a:p>
+        </p:txBody>
+      </p:sp>
+    </p:spTree>
+    <p:extLst>
+      <p:ext uri="{BB962C8B-B14F-4D97-AF65-F5344CB8AC3E}">
+        <p14:creationId xmlns:p14="http://schemas.microsoft.com/office/powerpoint/2010/main" val="2094830896"/>
+      </p:ext>
+    </p:extLst>
+  </p:cSld>
+  <p:clrMapOvr>
+    <a:masterClrMapping/>
+  </p:clrMapOvr>
+</p:sldLayout>
+</file>
+
+<file path=ppt/slideLayouts/slideLayout18.xml><?xml version="1.0" encoding="utf-8"?>
+<p:sldLayout xmlns:a="http://schemas.openxmlformats.org/drawingml/2006/main" xmlns:r="http://schemas.openxmlformats.org/officeDocument/2006/relationships" xmlns:p="http://schemas.openxmlformats.org/presentationml/2006/main" type="blank" preserve="1">
+  <p:cSld name="空白">
+    <p:spTree>
+      <p:nvGrpSpPr>
+        <p:cNvPr id="1" name=""/>
+        <p:cNvGrpSpPr/>
+        <p:nvPr/>
+      </p:nvGrpSpPr>
+      <p:grpSpPr>
+        <a:xfrm>
+          <a:off x="0" y="0"/>
+          <a:ext cx="0" cy="0"/>
+          <a:chOff x="0" y="0"/>
+          <a:chExt cx="0" cy="0"/>
+        </a:xfrm>
+      </p:grpSpPr>
+      <p:sp>
+        <p:nvSpPr>
+          <p:cNvPr id="2" name="日期占位符 1"/>
+          <p:cNvSpPr>
+            <a:spLocks noGrp="1"/>
+          </p:cNvSpPr>
+          <p:nvPr>
+            <p:ph type="dt" sz="half" idx="10"/>
+          </p:nvPr>
+        </p:nvSpPr>
+        <p:spPr/>
+        <p:txBody>
+          <a:bodyPr/>
+          <a:lstStyle/>
+          <a:p>
+            <a:fld id="{530820CF-B880-4189-942D-D702A7CBA730}" type="datetimeFigureOut">
+              <a:rPr lang="zh-CN" altLang="en-US" smtClean="0">
+                <a:solidFill>
+                  <a:prstClr val="black">
+                    <a:tint val="75000"/>
+                  </a:prstClr>
+                </a:solidFill>
+              </a:rPr>
+              <a:pPr/>
+              <a:t>2014/3/31</a:t>
+            </a:fld>
+            <a:endParaRPr lang="zh-CN" altLang="en-US">
+              <a:solidFill>
+                <a:prstClr val="black">
+                  <a:tint val="75000"/>
+                </a:prstClr>
+              </a:solidFill>
+            </a:endParaRPr>
+          </a:p>
+        </p:txBody>
+      </p:sp>
+      <p:sp>
+        <p:nvSpPr>
+          <p:cNvPr id="3" name="页脚占位符 2"/>
+          <p:cNvSpPr>
+            <a:spLocks noGrp="1"/>
+          </p:cNvSpPr>
+          <p:nvPr>
+            <p:ph type="ftr" sz="quarter" idx="11"/>
+          </p:nvPr>
+        </p:nvSpPr>
+        <p:spPr/>
+        <p:txBody>
+          <a:bodyPr/>
+          <a:lstStyle/>
+          <a:p>
+            <a:endParaRPr lang="zh-CN" altLang="en-US">
+              <a:solidFill>
+                <a:prstClr val="black">
+                  <a:tint val="75000"/>
+                </a:prstClr>
+              </a:solidFill>
+            </a:endParaRPr>
+          </a:p>
+        </p:txBody>
+      </p:sp>
+      <p:sp>
+        <p:nvSpPr>
+          <p:cNvPr id="4" name="灯片编号占位符 3"/>
+          <p:cNvSpPr>
+            <a:spLocks noGrp="1"/>
+          </p:cNvSpPr>
+          <p:nvPr>
+            <p:ph type="sldNum" sz="quarter" idx="12"/>
+          </p:nvPr>
+        </p:nvSpPr>
+        <p:spPr/>
+        <p:txBody>
+          <a:bodyPr/>
+          <a:lstStyle/>
+          <a:p>
+            <a:fld id="{0C913308-F349-4B6D-A68A-DD1791B4A57B}" type="slidenum">
+              <a:rPr lang="zh-CN" altLang="en-US" smtClean="0">
+                <a:solidFill>
+                  <a:prstClr val="black">
+                    <a:tint val="75000"/>
+                  </a:prstClr>
+                </a:solidFill>
+              </a:rPr>
+              <a:pPr/>
+              <a:t>‹#›</a:t>
+            </a:fld>
+            <a:endParaRPr lang="zh-CN" altLang="en-US">
+              <a:solidFill>
+                <a:prstClr val="black">
+                  <a:tint val="75000"/>
+                </a:prstClr>
+              </a:solidFill>
+            </a:endParaRPr>
+          </a:p>
+        </p:txBody>
+      </p:sp>
+    </p:spTree>
+    <p:extLst>
+      <p:ext uri="{BB962C8B-B14F-4D97-AF65-F5344CB8AC3E}">
+        <p14:creationId xmlns:p14="http://schemas.microsoft.com/office/powerpoint/2010/main" val="2404982105"/>
+      </p:ext>
+    </p:extLst>
+  </p:cSld>
+  <p:clrMapOvr>
+    <a:masterClrMapping/>
+  </p:clrMapOvr>
+</p:sldLayout>
+</file>
+
+<file path=ppt/slideLayouts/slideLayout19.xml><?xml version="1.0" encoding="utf-8"?>
+<p:sldLayout xmlns:a="http://schemas.openxmlformats.org/drawingml/2006/main" xmlns:r="http://schemas.openxmlformats.org/officeDocument/2006/relationships" xmlns:p="http://schemas.openxmlformats.org/presentationml/2006/main" type="objTx" preserve="1">
+  <p:cSld name="内容与标题">
+    <p:spTree>
+      <p:nvGrpSpPr>
+        <p:cNvPr id="1" name=""/>
+        <p:cNvGrpSpPr/>
+        <p:nvPr/>
+      </p:nvGrpSpPr>
+      <p:grpSpPr>
+        <a:xfrm>
+          <a:off x="0" y="0"/>
+          <a:ext cx="0" cy="0"/>
+          <a:chOff x="0" y="0"/>
+          <a:chExt cx="0" cy="0"/>
+        </a:xfrm>
+      </p:grpSpPr>
+      <p:sp>
+        <p:nvSpPr>
+          <p:cNvPr id="2" name="标题 1"/>
+          <p:cNvSpPr>
+            <a:spLocks noGrp="1"/>
+          </p:cNvSpPr>
+          <p:nvPr>
+            <p:ph type="title"/>
+          </p:nvPr>
+        </p:nvSpPr>
+        <p:spPr>
+          <a:xfrm>
+            <a:off x="609601" y="273050"/>
+            <a:ext cx="4011084" cy="1162050"/>
+          </a:xfrm>
+        </p:spPr>
+        <p:txBody>
+          <a:bodyPr anchor="b"/>
+          <a:lstStyle>
+            <a:lvl1pPr algn="l">
+              <a:defRPr sz="2000" b="1"/>
+            </a:lvl1pPr>
+          </a:lstStyle>
+          <a:p>
+            <a:r>
+              <a:rPr lang="zh-CN" altLang="en-US" smtClean="0"/>
+              <a:t>单击此处编辑母版标题样式</a:t>
+            </a:r>
+            <a:endParaRPr lang="zh-CN" altLang="en-US"/>
+          </a:p>
+        </p:txBody>
+      </p:sp>
+      <p:sp>
+        <p:nvSpPr>
+          <p:cNvPr id="3" name="内容占位符 2"/>
+          <p:cNvSpPr>
+            <a:spLocks noGrp="1"/>
+          </p:cNvSpPr>
+          <p:nvPr>
+            <p:ph idx="1"/>
+          </p:nvPr>
+        </p:nvSpPr>
+        <p:spPr>
+          <a:xfrm>
+            <a:off x="4766733" y="273051"/>
+            <a:ext cx="6815667" cy="5853113"/>
+          </a:xfrm>
+        </p:spPr>
+        <p:txBody>
+          <a:bodyPr/>
+          <a:lstStyle>
+            <a:lvl1pPr>
+              <a:defRPr sz="3200"/>
+            </a:lvl1pPr>
+            <a:lvl2pPr>
+              <a:defRPr sz="2800"/>
+            </a:lvl2pPr>
+            <a:lvl3pPr>
+              <a:defRPr sz="2400"/>
+            </a:lvl3pPr>
+            <a:lvl4pPr>
+              <a:defRPr sz="2000"/>
+            </a:lvl4pPr>
+            <a:lvl5pPr>
+              <a:defRPr sz="2000"/>
+            </a:lvl5pPr>
+            <a:lvl6pPr>
+              <a:defRPr sz="2000"/>
+            </a:lvl6pPr>
+            <a:lvl7pPr>
+              <a:defRPr sz="2000"/>
+            </a:lvl7pPr>
+            <a:lvl8pPr>
+              <a:defRPr sz="2000"/>
+            </a:lvl8pPr>
+            <a:lvl9pPr>
+              <a:defRPr sz="2000"/>
+            </a:lvl9pPr>
+          </a:lstStyle>
+          <a:p>
+            <a:pPr lvl="0"/>
+            <a:r>
+              <a:rPr lang="zh-CN" altLang="en-US" smtClean="0"/>
+              <a:t>单击此处编辑母版文本样式</a:t>
+            </a:r>
+          </a:p>
+          <a:p>
+            <a:pPr lvl="1"/>
+            <a:r>
+              <a:rPr lang="zh-CN" altLang="en-US" smtClean="0"/>
+              <a:t>第二级</a:t>
+            </a:r>
+          </a:p>
+          <a:p>
+            <a:pPr lvl="2"/>
+            <a:r>
+              <a:rPr lang="zh-CN" altLang="en-US" smtClean="0"/>
+              <a:t>第三级</a:t>
+            </a:r>
+          </a:p>
+          <a:p>
+            <a:pPr lvl="3"/>
+            <a:r>
+              <a:rPr lang="zh-CN" altLang="en-US" smtClean="0"/>
+              <a:t>第四级</a:t>
+            </a:r>
+          </a:p>
+          <a:p>
+            <a:pPr lvl="4"/>
+            <a:r>
+              <a:rPr lang="zh-CN" altLang="en-US" smtClean="0"/>
+              <a:t>第五级</a:t>
+            </a:r>
+            <a:endParaRPr lang="zh-CN" altLang="en-US"/>
+          </a:p>
+        </p:txBody>
+      </p:sp>
+      <p:sp>
+        <p:nvSpPr>
+          <p:cNvPr id="4" name="文本占位符 3"/>
+          <p:cNvSpPr>
+            <a:spLocks noGrp="1"/>
+          </p:cNvSpPr>
+          <p:nvPr>
+            <p:ph type="body" sz="half" idx="2"/>
+          </p:nvPr>
+        </p:nvSpPr>
+        <p:spPr>
+          <a:xfrm>
+            <a:off x="609601" y="1435101"/>
+            <a:ext cx="4011084" cy="4691063"/>
+          </a:xfrm>
+        </p:spPr>
+        <p:txBody>
+          <a:bodyPr/>
+          <a:lstStyle>
+            <a:lvl1pPr marL="0" indent="0">
+              <a:buNone/>
+              <a:defRPr sz="1400"/>
+            </a:lvl1pPr>
+            <a:lvl2pPr marL="457200" indent="0">
+              <a:buNone/>
+              <a:defRPr sz="1200"/>
+            </a:lvl2pPr>
+            <a:lvl3pPr marL="914400" indent="0">
+              <a:buNone/>
+              <a:defRPr sz="1000"/>
+            </a:lvl3pPr>
+            <a:lvl4pPr marL="1371600" indent="0">
+              <a:buNone/>
+              <a:defRPr sz="900"/>
+            </a:lvl4pPr>
+            <a:lvl5pPr marL="1828800" indent="0">
+              <a:buNone/>
+              <a:defRPr sz="900"/>
+            </a:lvl5pPr>
+            <a:lvl6pPr marL="2286000" indent="0">
+              <a:buNone/>
+              <a:defRPr sz="900"/>
+            </a:lvl6pPr>
+            <a:lvl7pPr marL="2743200" indent="0">
+              <a:buNone/>
+              <a:defRPr sz="900"/>
+            </a:lvl7pPr>
+            <a:lvl8pPr marL="3200400" indent="0">
+              <a:buNone/>
+              <a:defRPr sz="900"/>
+            </a:lvl8pPr>
+            <a:lvl9pPr marL="3657600" indent="0">
+              <a:buNone/>
+              <a:defRPr sz="900"/>
+            </a:lvl9pPr>
+          </a:lstStyle>
+          <a:p>
+            <a:pPr lvl="0"/>
+            <a:r>
+              <a:rPr lang="zh-CN" altLang="en-US" smtClean="0"/>
+              <a:t>单击此处编辑母版文本样式</a:t>
+            </a:r>
+          </a:p>
+        </p:txBody>
+      </p:sp>
+      <p:sp>
+        <p:nvSpPr>
+          <p:cNvPr id="5" name="日期占位符 4"/>
+          <p:cNvSpPr>
+            <a:spLocks noGrp="1"/>
+          </p:cNvSpPr>
+          <p:nvPr>
+            <p:ph type="dt" sz="half" idx="10"/>
+          </p:nvPr>
+        </p:nvSpPr>
+        <p:spPr/>
+        <p:txBody>
+          <a:bodyPr/>
+          <a:lstStyle/>
+          <a:p>
+            <a:fld id="{530820CF-B880-4189-942D-D702A7CBA730}" type="datetimeFigureOut">
+              <a:rPr lang="zh-CN" altLang="en-US" smtClean="0">
+                <a:solidFill>
+                  <a:prstClr val="black">
+                    <a:tint val="75000"/>
+                  </a:prstClr>
+                </a:solidFill>
+              </a:rPr>
+              <a:pPr/>
+              <a:t>2014/3/31</a:t>
+            </a:fld>
+            <a:endParaRPr lang="zh-CN" altLang="en-US">
+              <a:solidFill>
+                <a:prstClr val="black">
+                  <a:tint val="75000"/>
+                </a:prstClr>
+              </a:solidFill>
+            </a:endParaRPr>
+          </a:p>
+        </p:txBody>
+      </p:sp>
+      <p:sp>
+        <p:nvSpPr>
+          <p:cNvPr id="6" name="页脚占位符 5"/>
+          <p:cNvSpPr>
+            <a:spLocks noGrp="1"/>
+          </p:cNvSpPr>
+          <p:nvPr>
+            <p:ph type="ftr" sz="quarter" idx="11"/>
+          </p:nvPr>
+        </p:nvSpPr>
+        <p:spPr/>
+        <p:txBody>
+          <a:bodyPr/>
+          <a:lstStyle/>
+          <a:p>
+            <a:endParaRPr lang="zh-CN" altLang="en-US">
+              <a:solidFill>
+                <a:prstClr val="black">
+                  <a:tint val="75000"/>
+                </a:prstClr>
+              </a:solidFill>
+            </a:endParaRPr>
+          </a:p>
+        </p:txBody>
+      </p:sp>
+      <p:sp>
+        <p:nvSpPr>
+          <p:cNvPr id="7" name="灯片编号占位符 6"/>
+          <p:cNvSpPr>
+            <a:spLocks noGrp="1"/>
+          </p:cNvSpPr>
+          <p:nvPr>
+            <p:ph type="sldNum" sz="quarter" idx="12"/>
+          </p:nvPr>
+        </p:nvSpPr>
+        <p:spPr/>
+        <p:txBody>
+          <a:bodyPr/>
+          <a:lstStyle/>
+          <a:p>
+            <a:fld id="{0C913308-F349-4B6D-A68A-DD1791B4A57B}" type="slidenum">
+              <a:rPr lang="zh-CN" altLang="en-US" smtClean="0">
+                <a:solidFill>
+                  <a:prstClr val="black">
+                    <a:tint val="75000"/>
+                  </a:prstClr>
+                </a:solidFill>
+              </a:rPr>
+              <a:pPr/>
+              <a:t>‹#›</a:t>
+            </a:fld>
+            <a:endParaRPr lang="zh-CN" altLang="en-US">
+              <a:solidFill>
+                <a:prstClr val="black">
+                  <a:tint val="75000"/>
+                </a:prstClr>
+              </a:solidFill>
+            </a:endParaRPr>
+          </a:p>
+        </p:txBody>
+      </p:sp>
+    </p:spTree>
+    <p:extLst>
+      <p:ext uri="{BB962C8B-B14F-4D97-AF65-F5344CB8AC3E}">
+        <p14:creationId xmlns:p14="http://schemas.microsoft.com/office/powerpoint/2010/main" val="4001787365"/>
       </p:ext>
     </p:extLst>
   </p:cSld>
@@ -765,7 +2890,7 @@
           <a:p>
             <a:fld id="{223863CC-0F66-42B9-8167-F3A3EA9503D3}" type="datetimeFigureOut">
               <a:rPr lang="zh-CN" altLang="en-US" smtClean="0"/>
-              <a:t>2014/3/24</a:t>
+              <a:t>2014/3/31</a:t>
             </a:fld>
             <a:endParaRPr lang="zh-CN" altLang="en-US"/>
           </a:p>
@@ -817,6 +2942,705 @@
     <p:extLst>
       <p:ext uri="{BB962C8B-B14F-4D97-AF65-F5344CB8AC3E}">
         <p14:creationId xmlns:p14="http://schemas.microsoft.com/office/powerpoint/2010/main" val="3370220091"/>
+      </p:ext>
+    </p:extLst>
+  </p:cSld>
+  <p:clrMapOvr>
+    <a:masterClrMapping/>
+  </p:clrMapOvr>
+</p:sldLayout>
+</file>
+
+<file path=ppt/slideLayouts/slideLayout20.xml><?xml version="1.0" encoding="utf-8"?>
+<p:sldLayout xmlns:a="http://schemas.openxmlformats.org/drawingml/2006/main" xmlns:r="http://schemas.openxmlformats.org/officeDocument/2006/relationships" xmlns:p="http://schemas.openxmlformats.org/presentationml/2006/main" type="picTx" preserve="1">
+  <p:cSld name="图片与标题">
+    <p:spTree>
+      <p:nvGrpSpPr>
+        <p:cNvPr id="1" name=""/>
+        <p:cNvGrpSpPr/>
+        <p:nvPr/>
+      </p:nvGrpSpPr>
+      <p:grpSpPr>
+        <a:xfrm>
+          <a:off x="0" y="0"/>
+          <a:ext cx="0" cy="0"/>
+          <a:chOff x="0" y="0"/>
+          <a:chExt cx="0" cy="0"/>
+        </a:xfrm>
+      </p:grpSpPr>
+      <p:sp>
+        <p:nvSpPr>
+          <p:cNvPr id="2" name="标题 1"/>
+          <p:cNvSpPr>
+            <a:spLocks noGrp="1"/>
+          </p:cNvSpPr>
+          <p:nvPr>
+            <p:ph type="title"/>
+          </p:nvPr>
+        </p:nvSpPr>
+        <p:spPr>
+          <a:xfrm>
+            <a:off x="2389717" y="4800600"/>
+            <a:ext cx="7315200" cy="566738"/>
+          </a:xfrm>
+        </p:spPr>
+        <p:txBody>
+          <a:bodyPr anchor="b"/>
+          <a:lstStyle>
+            <a:lvl1pPr algn="l">
+              <a:defRPr sz="2000" b="1"/>
+            </a:lvl1pPr>
+          </a:lstStyle>
+          <a:p>
+            <a:r>
+              <a:rPr lang="zh-CN" altLang="en-US" smtClean="0"/>
+              <a:t>单击此处编辑母版标题样式</a:t>
+            </a:r>
+            <a:endParaRPr lang="zh-CN" altLang="en-US"/>
+          </a:p>
+        </p:txBody>
+      </p:sp>
+      <p:sp>
+        <p:nvSpPr>
+          <p:cNvPr id="3" name="图片占位符 2"/>
+          <p:cNvSpPr>
+            <a:spLocks noGrp="1"/>
+          </p:cNvSpPr>
+          <p:nvPr>
+            <p:ph type="pic" idx="1"/>
+          </p:nvPr>
+        </p:nvSpPr>
+        <p:spPr>
+          <a:xfrm>
+            <a:off x="2389717" y="612775"/>
+            <a:ext cx="7315200" cy="4114800"/>
+          </a:xfrm>
+        </p:spPr>
+        <p:txBody>
+          <a:bodyPr/>
+          <a:lstStyle>
+            <a:lvl1pPr marL="0" indent="0">
+              <a:buNone/>
+              <a:defRPr sz="3200"/>
+            </a:lvl1pPr>
+            <a:lvl2pPr marL="457200" indent="0">
+              <a:buNone/>
+              <a:defRPr sz="2800"/>
+            </a:lvl2pPr>
+            <a:lvl3pPr marL="914400" indent="0">
+              <a:buNone/>
+              <a:defRPr sz="2400"/>
+            </a:lvl3pPr>
+            <a:lvl4pPr marL="1371600" indent="0">
+              <a:buNone/>
+              <a:defRPr sz="2000"/>
+            </a:lvl4pPr>
+            <a:lvl5pPr marL="1828800" indent="0">
+              <a:buNone/>
+              <a:defRPr sz="2000"/>
+            </a:lvl5pPr>
+            <a:lvl6pPr marL="2286000" indent="0">
+              <a:buNone/>
+              <a:defRPr sz="2000"/>
+            </a:lvl6pPr>
+            <a:lvl7pPr marL="2743200" indent="0">
+              <a:buNone/>
+              <a:defRPr sz="2000"/>
+            </a:lvl7pPr>
+            <a:lvl8pPr marL="3200400" indent="0">
+              <a:buNone/>
+              <a:defRPr sz="2000"/>
+            </a:lvl8pPr>
+            <a:lvl9pPr marL="3657600" indent="0">
+              <a:buNone/>
+              <a:defRPr sz="2000"/>
+            </a:lvl9pPr>
+          </a:lstStyle>
+          <a:p>
+            <a:endParaRPr lang="zh-CN" altLang="en-US"/>
+          </a:p>
+        </p:txBody>
+      </p:sp>
+      <p:sp>
+        <p:nvSpPr>
+          <p:cNvPr id="4" name="文本占位符 3"/>
+          <p:cNvSpPr>
+            <a:spLocks noGrp="1"/>
+          </p:cNvSpPr>
+          <p:nvPr>
+            <p:ph type="body" sz="half" idx="2"/>
+          </p:nvPr>
+        </p:nvSpPr>
+        <p:spPr>
+          <a:xfrm>
+            <a:off x="2389717" y="5367338"/>
+            <a:ext cx="7315200" cy="804862"/>
+          </a:xfrm>
+        </p:spPr>
+        <p:txBody>
+          <a:bodyPr/>
+          <a:lstStyle>
+            <a:lvl1pPr marL="0" indent="0">
+              <a:buNone/>
+              <a:defRPr sz="1400"/>
+            </a:lvl1pPr>
+            <a:lvl2pPr marL="457200" indent="0">
+              <a:buNone/>
+              <a:defRPr sz="1200"/>
+            </a:lvl2pPr>
+            <a:lvl3pPr marL="914400" indent="0">
+              <a:buNone/>
+              <a:defRPr sz="1000"/>
+            </a:lvl3pPr>
+            <a:lvl4pPr marL="1371600" indent="0">
+              <a:buNone/>
+              <a:defRPr sz="900"/>
+            </a:lvl4pPr>
+            <a:lvl5pPr marL="1828800" indent="0">
+              <a:buNone/>
+              <a:defRPr sz="900"/>
+            </a:lvl5pPr>
+            <a:lvl6pPr marL="2286000" indent="0">
+              <a:buNone/>
+              <a:defRPr sz="900"/>
+            </a:lvl6pPr>
+            <a:lvl7pPr marL="2743200" indent="0">
+              <a:buNone/>
+              <a:defRPr sz="900"/>
+            </a:lvl7pPr>
+            <a:lvl8pPr marL="3200400" indent="0">
+              <a:buNone/>
+              <a:defRPr sz="900"/>
+            </a:lvl8pPr>
+            <a:lvl9pPr marL="3657600" indent="0">
+              <a:buNone/>
+              <a:defRPr sz="900"/>
+            </a:lvl9pPr>
+          </a:lstStyle>
+          <a:p>
+            <a:pPr lvl="0"/>
+            <a:r>
+              <a:rPr lang="zh-CN" altLang="en-US" smtClean="0"/>
+              <a:t>单击此处编辑母版文本样式</a:t>
+            </a:r>
+          </a:p>
+        </p:txBody>
+      </p:sp>
+      <p:sp>
+        <p:nvSpPr>
+          <p:cNvPr id="5" name="日期占位符 4"/>
+          <p:cNvSpPr>
+            <a:spLocks noGrp="1"/>
+          </p:cNvSpPr>
+          <p:nvPr>
+            <p:ph type="dt" sz="half" idx="10"/>
+          </p:nvPr>
+        </p:nvSpPr>
+        <p:spPr/>
+        <p:txBody>
+          <a:bodyPr/>
+          <a:lstStyle/>
+          <a:p>
+            <a:fld id="{530820CF-B880-4189-942D-D702A7CBA730}" type="datetimeFigureOut">
+              <a:rPr lang="zh-CN" altLang="en-US" smtClean="0">
+                <a:solidFill>
+                  <a:prstClr val="black">
+                    <a:tint val="75000"/>
+                  </a:prstClr>
+                </a:solidFill>
+              </a:rPr>
+              <a:pPr/>
+              <a:t>2014/3/31</a:t>
+            </a:fld>
+            <a:endParaRPr lang="zh-CN" altLang="en-US">
+              <a:solidFill>
+                <a:prstClr val="black">
+                  <a:tint val="75000"/>
+                </a:prstClr>
+              </a:solidFill>
+            </a:endParaRPr>
+          </a:p>
+        </p:txBody>
+      </p:sp>
+      <p:sp>
+        <p:nvSpPr>
+          <p:cNvPr id="6" name="页脚占位符 5"/>
+          <p:cNvSpPr>
+            <a:spLocks noGrp="1"/>
+          </p:cNvSpPr>
+          <p:nvPr>
+            <p:ph type="ftr" sz="quarter" idx="11"/>
+          </p:nvPr>
+        </p:nvSpPr>
+        <p:spPr/>
+        <p:txBody>
+          <a:bodyPr/>
+          <a:lstStyle/>
+          <a:p>
+            <a:endParaRPr lang="zh-CN" altLang="en-US">
+              <a:solidFill>
+                <a:prstClr val="black">
+                  <a:tint val="75000"/>
+                </a:prstClr>
+              </a:solidFill>
+            </a:endParaRPr>
+          </a:p>
+        </p:txBody>
+      </p:sp>
+      <p:sp>
+        <p:nvSpPr>
+          <p:cNvPr id="7" name="灯片编号占位符 6"/>
+          <p:cNvSpPr>
+            <a:spLocks noGrp="1"/>
+          </p:cNvSpPr>
+          <p:nvPr>
+            <p:ph type="sldNum" sz="quarter" idx="12"/>
+          </p:nvPr>
+        </p:nvSpPr>
+        <p:spPr/>
+        <p:txBody>
+          <a:bodyPr/>
+          <a:lstStyle/>
+          <a:p>
+            <a:fld id="{0C913308-F349-4B6D-A68A-DD1791B4A57B}" type="slidenum">
+              <a:rPr lang="zh-CN" altLang="en-US" smtClean="0">
+                <a:solidFill>
+                  <a:prstClr val="black">
+                    <a:tint val="75000"/>
+                  </a:prstClr>
+                </a:solidFill>
+              </a:rPr>
+              <a:pPr/>
+              <a:t>‹#›</a:t>
+            </a:fld>
+            <a:endParaRPr lang="zh-CN" altLang="en-US">
+              <a:solidFill>
+                <a:prstClr val="black">
+                  <a:tint val="75000"/>
+                </a:prstClr>
+              </a:solidFill>
+            </a:endParaRPr>
+          </a:p>
+        </p:txBody>
+      </p:sp>
+    </p:spTree>
+    <p:extLst>
+      <p:ext uri="{BB962C8B-B14F-4D97-AF65-F5344CB8AC3E}">
+        <p14:creationId xmlns:p14="http://schemas.microsoft.com/office/powerpoint/2010/main" val="4109916698"/>
+      </p:ext>
+    </p:extLst>
+  </p:cSld>
+  <p:clrMapOvr>
+    <a:masterClrMapping/>
+  </p:clrMapOvr>
+</p:sldLayout>
+</file>
+
+<file path=ppt/slideLayouts/slideLayout21.xml><?xml version="1.0" encoding="utf-8"?>
+<p:sldLayout xmlns:a="http://schemas.openxmlformats.org/drawingml/2006/main" xmlns:r="http://schemas.openxmlformats.org/officeDocument/2006/relationships" xmlns:p="http://schemas.openxmlformats.org/presentationml/2006/main" type="vertTx" preserve="1">
+  <p:cSld name="标题和竖排文字">
+    <p:spTree>
+      <p:nvGrpSpPr>
+        <p:cNvPr id="1" name=""/>
+        <p:cNvGrpSpPr/>
+        <p:nvPr/>
+      </p:nvGrpSpPr>
+      <p:grpSpPr>
+        <a:xfrm>
+          <a:off x="0" y="0"/>
+          <a:ext cx="0" cy="0"/>
+          <a:chOff x="0" y="0"/>
+          <a:chExt cx="0" cy="0"/>
+        </a:xfrm>
+      </p:grpSpPr>
+      <p:sp>
+        <p:nvSpPr>
+          <p:cNvPr id="2" name="标题 1"/>
+          <p:cNvSpPr>
+            <a:spLocks noGrp="1"/>
+          </p:cNvSpPr>
+          <p:nvPr>
+            <p:ph type="title"/>
+          </p:nvPr>
+        </p:nvSpPr>
+        <p:spPr/>
+        <p:txBody>
+          <a:bodyPr/>
+          <a:lstStyle/>
+          <a:p>
+            <a:r>
+              <a:rPr lang="zh-CN" altLang="en-US" smtClean="0"/>
+              <a:t>单击此处编辑母版标题样式</a:t>
+            </a:r>
+            <a:endParaRPr lang="zh-CN" altLang="en-US"/>
+          </a:p>
+        </p:txBody>
+      </p:sp>
+      <p:sp>
+        <p:nvSpPr>
+          <p:cNvPr id="3" name="竖排文字占位符 2"/>
+          <p:cNvSpPr>
+            <a:spLocks noGrp="1"/>
+          </p:cNvSpPr>
+          <p:nvPr>
+            <p:ph type="body" orient="vert" idx="1"/>
+          </p:nvPr>
+        </p:nvSpPr>
+        <p:spPr/>
+        <p:txBody>
+          <a:bodyPr vert="eaVert"/>
+          <a:lstStyle/>
+          <a:p>
+            <a:pPr lvl="0"/>
+            <a:r>
+              <a:rPr lang="zh-CN" altLang="en-US" smtClean="0"/>
+              <a:t>单击此处编辑母版文本样式</a:t>
+            </a:r>
+          </a:p>
+          <a:p>
+            <a:pPr lvl="1"/>
+            <a:r>
+              <a:rPr lang="zh-CN" altLang="en-US" smtClean="0"/>
+              <a:t>第二级</a:t>
+            </a:r>
+          </a:p>
+          <a:p>
+            <a:pPr lvl="2"/>
+            <a:r>
+              <a:rPr lang="zh-CN" altLang="en-US" smtClean="0"/>
+              <a:t>第三级</a:t>
+            </a:r>
+          </a:p>
+          <a:p>
+            <a:pPr lvl="3"/>
+            <a:r>
+              <a:rPr lang="zh-CN" altLang="en-US" smtClean="0"/>
+              <a:t>第四级</a:t>
+            </a:r>
+          </a:p>
+          <a:p>
+            <a:pPr lvl="4"/>
+            <a:r>
+              <a:rPr lang="zh-CN" altLang="en-US" smtClean="0"/>
+              <a:t>第五级</a:t>
+            </a:r>
+            <a:endParaRPr lang="zh-CN" altLang="en-US"/>
+          </a:p>
+        </p:txBody>
+      </p:sp>
+      <p:sp>
+        <p:nvSpPr>
+          <p:cNvPr id="4" name="日期占位符 3"/>
+          <p:cNvSpPr>
+            <a:spLocks noGrp="1"/>
+          </p:cNvSpPr>
+          <p:nvPr>
+            <p:ph type="dt" sz="half" idx="10"/>
+          </p:nvPr>
+        </p:nvSpPr>
+        <p:spPr/>
+        <p:txBody>
+          <a:bodyPr/>
+          <a:lstStyle/>
+          <a:p>
+            <a:fld id="{530820CF-B880-4189-942D-D702A7CBA730}" type="datetimeFigureOut">
+              <a:rPr lang="zh-CN" altLang="en-US" smtClean="0">
+                <a:solidFill>
+                  <a:prstClr val="black">
+                    <a:tint val="75000"/>
+                  </a:prstClr>
+                </a:solidFill>
+              </a:rPr>
+              <a:pPr/>
+              <a:t>2014/3/31</a:t>
+            </a:fld>
+            <a:endParaRPr lang="zh-CN" altLang="en-US">
+              <a:solidFill>
+                <a:prstClr val="black">
+                  <a:tint val="75000"/>
+                </a:prstClr>
+              </a:solidFill>
+            </a:endParaRPr>
+          </a:p>
+        </p:txBody>
+      </p:sp>
+      <p:sp>
+        <p:nvSpPr>
+          <p:cNvPr id="5" name="页脚占位符 4"/>
+          <p:cNvSpPr>
+            <a:spLocks noGrp="1"/>
+          </p:cNvSpPr>
+          <p:nvPr>
+            <p:ph type="ftr" sz="quarter" idx="11"/>
+          </p:nvPr>
+        </p:nvSpPr>
+        <p:spPr/>
+        <p:txBody>
+          <a:bodyPr/>
+          <a:lstStyle/>
+          <a:p>
+            <a:endParaRPr lang="zh-CN" altLang="en-US">
+              <a:solidFill>
+                <a:prstClr val="black">
+                  <a:tint val="75000"/>
+                </a:prstClr>
+              </a:solidFill>
+            </a:endParaRPr>
+          </a:p>
+        </p:txBody>
+      </p:sp>
+      <p:sp>
+        <p:nvSpPr>
+          <p:cNvPr id="6" name="灯片编号占位符 5"/>
+          <p:cNvSpPr>
+            <a:spLocks noGrp="1"/>
+          </p:cNvSpPr>
+          <p:nvPr>
+            <p:ph type="sldNum" sz="quarter" idx="12"/>
+          </p:nvPr>
+        </p:nvSpPr>
+        <p:spPr/>
+        <p:txBody>
+          <a:bodyPr/>
+          <a:lstStyle/>
+          <a:p>
+            <a:fld id="{0C913308-F349-4B6D-A68A-DD1791B4A57B}" type="slidenum">
+              <a:rPr lang="zh-CN" altLang="en-US" smtClean="0">
+                <a:solidFill>
+                  <a:prstClr val="black">
+                    <a:tint val="75000"/>
+                  </a:prstClr>
+                </a:solidFill>
+              </a:rPr>
+              <a:pPr/>
+              <a:t>‹#›</a:t>
+            </a:fld>
+            <a:endParaRPr lang="zh-CN" altLang="en-US">
+              <a:solidFill>
+                <a:prstClr val="black">
+                  <a:tint val="75000"/>
+                </a:prstClr>
+              </a:solidFill>
+            </a:endParaRPr>
+          </a:p>
+        </p:txBody>
+      </p:sp>
+    </p:spTree>
+    <p:extLst>
+      <p:ext uri="{BB962C8B-B14F-4D97-AF65-F5344CB8AC3E}">
+        <p14:creationId xmlns:p14="http://schemas.microsoft.com/office/powerpoint/2010/main" val="235728567"/>
+      </p:ext>
+    </p:extLst>
+  </p:cSld>
+  <p:clrMapOvr>
+    <a:masterClrMapping/>
+  </p:clrMapOvr>
+</p:sldLayout>
+</file>
+
+<file path=ppt/slideLayouts/slideLayout22.xml><?xml version="1.0" encoding="utf-8"?>
+<p:sldLayout xmlns:a="http://schemas.openxmlformats.org/drawingml/2006/main" xmlns:r="http://schemas.openxmlformats.org/officeDocument/2006/relationships" xmlns:p="http://schemas.openxmlformats.org/presentationml/2006/main" type="vertTitleAndTx" preserve="1">
+  <p:cSld name="垂直排列标题与文本">
+    <p:spTree>
+      <p:nvGrpSpPr>
+        <p:cNvPr id="1" name=""/>
+        <p:cNvGrpSpPr/>
+        <p:nvPr/>
+      </p:nvGrpSpPr>
+      <p:grpSpPr>
+        <a:xfrm>
+          <a:off x="0" y="0"/>
+          <a:ext cx="0" cy="0"/>
+          <a:chOff x="0" y="0"/>
+          <a:chExt cx="0" cy="0"/>
+        </a:xfrm>
+      </p:grpSpPr>
+      <p:sp>
+        <p:nvSpPr>
+          <p:cNvPr id="2" name="竖排标题 1"/>
+          <p:cNvSpPr>
+            <a:spLocks noGrp="1"/>
+          </p:cNvSpPr>
+          <p:nvPr>
+            <p:ph type="title" orient="vert"/>
+          </p:nvPr>
+        </p:nvSpPr>
+        <p:spPr>
+          <a:xfrm>
+            <a:off x="8839200" y="274639"/>
+            <a:ext cx="2743200" cy="5851525"/>
+          </a:xfrm>
+        </p:spPr>
+        <p:txBody>
+          <a:bodyPr vert="eaVert"/>
+          <a:lstStyle/>
+          <a:p>
+            <a:r>
+              <a:rPr lang="zh-CN" altLang="en-US" smtClean="0"/>
+              <a:t>单击此处编辑母版标题样式</a:t>
+            </a:r>
+            <a:endParaRPr lang="zh-CN" altLang="en-US"/>
+          </a:p>
+        </p:txBody>
+      </p:sp>
+      <p:sp>
+        <p:nvSpPr>
+          <p:cNvPr id="3" name="竖排文字占位符 2"/>
+          <p:cNvSpPr>
+            <a:spLocks noGrp="1"/>
+          </p:cNvSpPr>
+          <p:nvPr>
+            <p:ph type="body" orient="vert" idx="1"/>
+          </p:nvPr>
+        </p:nvSpPr>
+        <p:spPr>
+          <a:xfrm>
+            <a:off x="609600" y="274639"/>
+            <a:ext cx="8026400" cy="5851525"/>
+          </a:xfrm>
+        </p:spPr>
+        <p:txBody>
+          <a:bodyPr vert="eaVert"/>
+          <a:lstStyle/>
+          <a:p>
+            <a:pPr lvl="0"/>
+            <a:r>
+              <a:rPr lang="zh-CN" altLang="en-US" smtClean="0"/>
+              <a:t>单击此处编辑母版文本样式</a:t>
+            </a:r>
+          </a:p>
+          <a:p>
+            <a:pPr lvl="1"/>
+            <a:r>
+              <a:rPr lang="zh-CN" altLang="en-US" smtClean="0"/>
+              <a:t>第二级</a:t>
+            </a:r>
+          </a:p>
+          <a:p>
+            <a:pPr lvl="2"/>
+            <a:r>
+              <a:rPr lang="zh-CN" altLang="en-US" smtClean="0"/>
+              <a:t>第三级</a:t>
+            </a:r>
+          </a:p>
+          <a:p>
+            <a:pPr lvl="3"/>
+            <a:r>
+              <a:rPr lang="zh-CN" altLang="en-US" smtClean="0"/>
+              <a:t>第四级</a:t>
+            </a:r>
+          </a:p>
+          <a:p>
+            <a:pPr lvl="4"/>
+            <a:r>
+              <a:rPr lang="zh-CN" altLang="en-US" smtClean="0"/>
+              <a:t>第五级</a:t>
+            </a:r>
+            <a:endParaRPr lang="zh-CN" altLang="en-US"/>
+          </a:p>
+        </p:txBody>
+      </p:sp>
+      <p:sp>
+        <p:nvSpPr>
+          <p:cNvPr id="4" name="日期占位符 3"/>
+          <p:cNvSpPr>
+            <a:spLocks noGrp="1"/>
+          </p:cNvSpPr>
+          <p:nvPr>
+            <p:ph type="dt" sz="half" idx="10"/>
+          </p:nvPr>
+        </p:nvSpPr>
+        <p:spPr/>
+        <p:txBody>
+          <a:bodyPr/>
+          <a:lstStyle/>
+          <a:p>
+            <a:fld id="{530820CF-B880-4189-942D-D702A7CBA730}" type="datetimeFigureOut">
+              <a:rPr lang="zh-CN" altLang="en-US" smtClean="0">
+                <a:solidFill>
+                  <a:prstClr val="black">
+                    <a:tint val="75000"/>
+                  </a:prstClr>
+                </a:solidFill>
+              </a:rPr>
+              <a:pPr/>
+              <a:t>2014/3/31</a:t>
+            </a:fld>
+            <a:endParaRPr lang="zh-CN" altLang="en-US">
+              <a:solidFill>
+                <a:prstClr val="black">
+                  <a:tint val="75000"/>
+                </a:prstClr>
+              </a:solidFill>
+            </a:endParaRPr>
+          </a:p>
+        </p:txBody>
+      </p:sp>
+      <p:sp>
+        <p:nvSpPr>
+          <p:cNvPr id="5" name="页脚占位符 4"/>
+          <p:cNvSpPr>
+            <a:spLocks noGrp="1"/>
+          </p:cNvSpPr>
+          <p:nvPr>
+            <p:ph type="ftr" sz="quarter" idx="11"/>
+          </p:nvPr>
+        </p:nvSpPr>
+        <p:spPr/>
+        <p:txBody>
+          <a:bodyPr/>
+          <a:lstStyle/>
+          <a:p>
+            <a:endParaRPr lang="zh-CN" altLang="en-US">
+              <a:solidFill>
+                <a:prstClr val="black">
+                  <a:tint val="75000"/>
+                </a:prstClr>
+              </a:solidFill>
+            </a:endParaRPr>
+          </a:p>
+        </p:txBody>
+      </p:sp>
+      <p:sp>
+        <p:nvSpPr>
+          <p:cNvPr id="6" name="灯片编号占位符 5"/>
+          <p:cNvSpPr>
+            <a:spLocks noGrp="1"/>
+          </p:cNvSpPr>
+          <p:nvPr>
+            <p:ph type="sldNum" sz="quarter" idx="12"/>
+          </p:nvPr>
+        </p:nvSpPr>
+        <p:spPr/>
+        <p:txBody>
+          <a:bodyPr/>
+          <a:lstStyle/>
+          <a:p>
+            <a:fld id="{0C913308-F349-4B6D-A68A-DD1791B4A57B}" type="slidenum">
+              <a:rPr lang="zh-CN" altLang="en-US" smtClean="0">
+                <a:solidFill>
+                  <a:prstClr val="black">
+                    <a:tint val="75000"/>
+                  </a:prstClr>
+                </a:solidFill>
+              </a:rPr>
+              <a:pPr/>
+              <a:t>‹#›</a:t>
+            </a:fld>
+            <a:endParaRPr lang="zh-CN" altLang="en-US">
+              <a:solidFill>
+                <a:prstClr val="black">
+                  <a:tint val="75000"/>
+                </a:prstClr>
+              </a:solidFill>
+            </a:endParaRPr>
+          </a:p>
+        </p:txBody>
+      </p:sp>
+    </p:spTree>
+    <p:extLst>
+      <p:ext uri="{BB962C8B-B14F-4D97-AF65-F5344CB8AC3E}">
+        <p14:creationId xmlns:p14="http://schemas.microsoft.com/office/powerpoint/2010/main" val="3050227084"/>
       </p:ext>
     </p:extLst>
   </p:cSld>
@@ -1011,7 +3835,7 @@
           <a:p>
             <a:fld id="{223863CC-0F66-42B9-8167-F3A3EA9503D3}" type="datetimeFigureOut">
               <a:rPr lang="zh-CN" altLang="en-US" smtClean="0"/>
-              <a:t>2014/3/24</a:t>
+              <a:t>2014/3/31</a:t>
             </a:fld>
             <a:endParaRPr lang="zh-CN" altLang="en-US"/>
           </a:p>
@@ -1243,7 +4067,7 @@
           <a:p>
             <a:fld id="{223863CC-0F66-42B9-8167-F3A3EA9503D3}" type="datetimeFigureOut">
               <a:rPr lang="zh-CN" altLang="en-US" smtClean="0"/>
-              <a:t>2014/3/24</a:t>
+              <a:t>2014/3/31</a:t>
             </a:fld>
             <a:endParaRPr lang="zh-CN" altLang="en-US"/>
           </a:p>
@@ -1610,7 +4434,7 @@
           <a:p>
             <a:fld id="{223863CC-0F66-42B9-8167-F3A3EA9503D3}" type="datetimeFigureOut">
               <a:rPr lang="zh-CN" altLang="en-US" smtClean="0"/>
-              <a:t>2014/3/24</a:t>
+              <a:t>2014/3/31</a:t>
             </a:fld>
             <a:endParaRPr lang="zh-CN" altLang="en-US"/>
           </a:p>
@@ -1728,7 +4552,7 @@
           <a:p>
             <a:fld id="{223863CC-0F66-42B9-8167-F3A3EA9503D3}" type="datetimeFigureOut">
               <a:rPr lang="zh-CN" altLang="en-US" smtClean="0"/>
-              <a:t>2014/3/24</a:t>
+              <a:t>2014/3/31</a:t>
             </a:fld>
             <a:endParaRPr lang="zh-CN" altLang="en-US"/>
           </a:p>
@@ -1823,7 +4647,7 @@
           <a:p>
             <a:fld id="{223863CC-0F66-42B9-8167-F3A3EA9503D3}" type="datetimeFigureOut">
               <a:rPr lang="zh-CN" altLang="en-US" smtClean="0"/>
-              <a:t>2014/3/24</a:t>
+              <a:t>2014/3/31</a:t>
             </a:fld>
             <a:endParaRPr lang="zh-CN" altLang="en-US"/>
           </a:p>
@@ -2100,7 +4924,7 @@
           <a:p>
             <a:fld id="{223863CC-0F66-42B9-8167-F3A3EA9503D3}" type="datetimeFigureOut">
               <a:rPr lang="zh-CN" altLang="en-US" smtClean="0"/>
-              <a:t>2014/3/24</a:t>
+              <a:t>2014/3/31</a:t>
             </a:fld>
             <a:endParaRPr lang="zh-CN" altLang="en-US"/>
           </a:p>
@@ -2353,7 +5177,7 @@
           <a:p>
             <a:fld id="{223863CC-0F66-42B9-8167-F3A3EA9503D3}" type="datetimeFigureOut">
               <a:rPr lang="zh-CN" altLang="en-US" smtClean="0"/>
-              <a:t>2014/3/24</a:t>
+              <a:t>2014/3/31</a:t>
             </a:fld>
             <a:endParaRPr lang="zh-CN" altLang="en-US"/>
           </a:p>
@@ -2566,7 +5390,7 @@
           <a:p>
             <a:fld id="{223863CC-0F66-42B9-8167-F3A3EA9503D3}" type="datetimeFigureOut">
               <a:rPr lang="zh-CN" altLang="en-US" smtClean="0"/>
-              <a:t>2014/3/24</a:t>
+              <a:t>2014/3/31</a:t>
             </a:fld>
             <a:endParaRPr lang="zh-CN" altLang="en-US"/>
           </a:p>
@@ -2954,6 +5778,548 @@
 </p:sldMaster>
 </file>
 
+<file path=ppt/slideMasters/slideMaster2.xml><?xml version="1.0" encoding="utf-8"?>
+<p:sldMaster xmlns:a="http://schemas.openxmlformats.org/drawingml/2006/main" xmlns:r="http://schemas.openxmlformats.org/officeDocument/2006/relationships" xmlns:p="http://schemas.openxmlformats.org/presentationml/2006/main">
+  <p:cSld>
+    <p:bg>
+      <p:bgRef idx="1001">
+        <a:schemeClr val="bg1"/>
+      </p:bgRef>
+    </p:bg>
+    <p:spTree>
+      <p:nvGrpSpPr>
+        <p:cNvPr id="1" name=""/>
+        <p:cNvGrpSpPr/>
+        <p:nvPr/>
+      </p:nvGrpSpPr>
+      <p:grpSpPr>
+        <a:xfrm>
+          <a:off x="0" y="0"/>
+          <a:ext cx="0" cy="0"/>
+          <a:chOff x="0" y="0"/>
+          <a:chExt cx="0" cy="0"/>
+        </a:xfrm>
+      </p:grpSpPr>
+      <p:sp>
+        <p:nvSpPr>
+          <p:cNvPr id="2" name="标题占位符 1"/>
+          <p:cNvSpPr>
+            <a:spLocks noGrp="1"/>
+          </p:cNvSpPr>
+          <p:nvPr>
+            <p:ph type="title"/>
+          </p:nvPr>
+        </p:nvSpPr>
+        <p:spPr>
+          <a:xfrm>
+            <a:off x="609600" y="274638"/>
+            <a:ext cx="10972800" cy="1143000"/>
+          </a:xfrm>
+          <a:prstGeom prst="rect">
+            <a:avLst/>
+          </a:prstGeom>
+        </p:spPr>
+        <p:txBody>
+          <a:bodyPr vert="horz" lIns="91440" tIns="45720" rIns="91440" bIns="45720" rtlCol="0" anchor="ctr">
+            <a:normAutofit/>
+          </a:bodyPr>
+          <a:lstStyle/>
+          <a:p>
+            <a:r>
+              <a:rPr lang="zh-CN" altLang="en-US" smtClean="0"/>
+              <a:t>单击此处编辑母版标题样式</a:t>
+            </a:r>
+            <a:endParaRPr lang="zh-CN" altLang="en-US"/>
+          </a:p>
+        </p:txBody>
+      </p:sp>
+      <p:sp>
+        <p:nvSpPr>
+          <p:cNvPr id="3" name="文本占位符 2"/>
+          <p:cNvSpPr>
+            <a:spLocks noGrp="1"/>
+          </p:cNvSpPr>
+          <p:nvPr>
+            <p:ph type="body" idx="1"/>
+          </p:nvPr>
+        </p:nvSpPr>
+        <p:spPr>
+          <a:xfrm>
+            <a:off x="609600" y="1600201"/>
+            <a:ext cx="10972800" cy="4525963"/>
+          </a:xfrm>
+          <a:prstGeom prst="rect">
+            <a:avLst/>
+          </a:prstGeom>
+        </p:spPr>
+        <p:txBody>
+          <a:bodyPr vert="horz" lIns="91440" tIns="45720" rIns="91440" bIns="45720" rtlCol="0">
+            <a:normAutofit/>
+          </a:bodyPr>
+          <a:lstStyle/>
+          <a:p>
+            <a:pPr lvl="0"/>
+            <a:r>
+              <a:rPr lang="zh-CN" altLang="en-US" smtClean="0"/>
+              <a:t>单击此处编辑母版文本样式</a:t>
+            </a:r>
+          </a:p>
+          <a:p>
+            <a:pPr lvl="1"/>
+            <a:r>
+              <a:rPr lang="zh-CN" altLang="en-US" smtClean="0"/>
+              <a:t>第二级</a:t>
+            </a:r>
+          </a:p>
+          <a:p>
+            <a:pPr lvl="2"/>
+            <a:r>
+              <a:rPr lang="zh-CN" altLang="en-US" smtClean="0"/>
+              <a:t>第三级</a:t>
+            </a:r>
+          </a:p>
+          <a:p>
+            <a:pPr lvl="3"/>
+            <a:r>
+              <a:rPr lang="zh-CN" altLang="en-US" smtClean="0"/>
+              <a:t>第四级</a:t>
+            </a:r>
+          </a:p>
+          <a:p>
+            <a:pPr lvl="4"/>
+            <a:r>
+              <a:rPr lang="zh-CN" altLang="en-US" smtClean="0"/>
+              <a:t>第五级</a:t>
+            </a:r>
+            <a:endParaRPr lang="zh-CN" altLang="en-US"/>
+          </a:p>
+        </p:txBody>
+      </p:sp>
+      <p:sp>
+        <p:nvSpPr>
+          <p:cNvPr id="4" name="日期占位符 3"/>
+          <p:cNvSpPr>
+            <a:spLocks noGrp="1"/>
+          </p:cNvSpPr>
+          <p:nvPr>
+            <p:ph type="dt" sz="half" idx="2"/>
+          </p:nvPr>
+        </p:nvSpPr>
+        <p:spPr>
+          <a:xfrm>
+            <a:off x="609600" y="6356351"/>
+            <a:ext cx="2844800" cy="365125"/>
+          </a:xfrm>
+          <a:prstGeom prst="rect">
+            <a:avLst/>
+          </a:prstGeom>
+        </p:spPr>
+        <p:txBody>
+          <a:bodyPr vert="horz" lIns="91440" tIns="45720" rIns="91440" bIns="45720" rtlCol="0" anchor="ctr"/>
+          <a:lstStyle>
+            <a:lvl1pPr algn="l">
+              <a:defRPr sz="1200">
+                <a:solidFill>
+                  <a:schemeClr val="tx1">
+                    <a:tint val="75000"/>
+                  </a:schemeClr>
+                </a:solidFill>
+              </a:defRPr>
+            </a:lvl1pPr>
+          </a:lstStyle>
+          <a:p>
+            <a:fld id="{530820CF-B880-4189-942D-D702A7CBA730}" type="datetimeFigureOut">
+              <a:rPr lang="zh-CN" altLang="en-US" smtClean="0">
+                <a:solidFill>
+                  <a:prstClr val="black">
+                    <a:tint val="75000"/>
+                  </a:prstClr>
+                </a:solidFill>
+              </a:rPr>
+              <a:pPr/>
+              <a:t>2014/3/31</a:t>
+            </a:fld>
+            <a:endParaRPr lang="zh-CN" altLang="en-US">
+              <a:solidFill>
+                <a:prstClr val="black">
+                  <a:tint val="75000"/>
+                </a:prstClr>
+              </a:solidFill>
+            </a:endParaRPr>
+          </a:p>
+        </p:txBody>
+      </p:sp>
+      <p:sp>
+        <p:nvSpPr>
+          <p:cNvPr id="5" name="页脚占位符 4"/>
+          <p:cNvSpPr>
+            <a:spLocks noGrp="1"/>
+          </p:cNvSpPr>
+          <p:nvPr>
+            <p:ph type="ftr" sz="quarter" idx="3"/>
+          </p:nvPr>
+        </p:nvSpPr>
+        <p:spPr>
+          <a:xfrm>
+            <a:off x="4165600" y="6356351"/>
+            <a:ext cx="3860800" cy="365125"/>
+          </a:xfrm>
+          <a:prstGeom prst="rect">
+            <a:avLst/>
+          </a:prstGeom>
+        </p:spPr>
+        <p:txBody>
+          <a:bodyPr vert="horz" lIns="91440" tIns="45720" rIns="91440" bIns="45720" rtlCol="0" anchor="ctr"/>
+          <a:lstStyle>
+            <a:lvl1pPr algn="ctr">
+              <a:defRPr sz="1200">
+                <a:solidFill>
+                  <a:schemeClr val="tx1">
+                    <a:tint val="75000"/>
+                  </a:schemeClr>
+                </a:solidFill>
+              </a:defRPr>
+            </a:lvl1pPr>
+          </a:lstStyle>
+          <a:p>
+            <a:endParaRPr lang="zh-CN" altLang="en-US">
+              <a:solidFill>
+                <a:prstClr val="black">
+                  <a:tint val="75000"/>
+                </a:prstClr>
+              </a:solidFill>
+            </a:endParaRPr>
+          </a:p>
+        </p:txBody>
+      </p:sp>
+      <p:sp>
+        <p:nvSpPr>
+          <p:cNvPr id="6" name="灯片编号占位符 5"/>
+          <p:cNvSpPr>
+            <a:spLocks noGrp="1"/>
+          </p:cNvSpPr>
+          <p:nvPr>
+            <p:ph type="sldNum" sz="quarter" idx="4"/>
+          </p:nvPr>
+        </p:nvSpPr>
+        <p:spPr>
+          <a:xfrm>
+            <a:off x="8737600" y="6356351"/>
+            <a:ext cx="2844800" cy="365125"/>
+          </a:xfrm>
+          <a:prstGeom prst="rect">
+            <a:avLst/>
+          </a:prstGeom>
+        </p:spPr>
+        <p:txBody>
+          <a:bodyPr vert="horz" lIns="91440" tIns="45720" rIns="91440" bIns="45720" rtlCol="0" anchor="ctr"/>
+          <a:lstStyle>
+            <a:lvl1pPr algn="r">
+              <a:defRPr sz="1200">
+                <a:solidFill>
+                  <a:schemeClr val="tx1">
+                    <a:tint val="75000"/>
+                  </a:schemeClr>
+                </a:solidFill>
+              </a:defRPr>
+            </a:lvl1pPr>
+          </a:lstStyle>
+          <a:p>
+            <a:fld id="{0C913308-F349-4B6D-A68A-DD1791B4A57B}" type="slidenum">
+              <a:rPr lang="zh-CN" altLang="en-US" smtClean="0">
+                <a:solidFill>
+                  <a:prstClr val="black">
+                    <a:tint val="75000"/>
+                  </a:prstClr>
+                </a:solidFill>
+              </a:rPr>
+              <a:pPr/>
+              <a:t>‹#›</a:t>
+            </a:fld>
+            <a:endParaRPr lang="zh-CN" altLang="en-US">
+              <a:solidFill>
+                <a:prstClr val="black">
+                  <a:tint val="75000"/>
+                </a:prstClr>
+              </a:solidFill>
+            </a:endParaRPr>
+          </a:p>
+        </p:txBody>
+      </p:sp>
+    </p:spTree>
+    <p:extLst>
+      <p:ext uri="{BB962C8B-B14F-4D97-AF65-F5344CB8AC3E}">
+        <p14:creationId xmlns:p14="http://schemas.microsoft.com/office/powerpoint/2010/main" val="1943396609"/>
+      </p:ext>
+    </p:extLst>
+  </p:cSld>
+  <p:clrMap bg1="lt1" tx1="dk1" bg2="lt2" tx2="dk2" accent1="accent1" accent2="accent2" accent3="accent3" accent4="accent4" accent5="accent5" accent6="accent6" hlink="hlink" folHlink="folHlink"/>
+  <p:sldLayoutIdLst>
+    <p:sldLayoutId id="2147483661" r:id="rId1"/>
+    <p:sldLayoutId id="2147483662" r:id="rId2"/>
+    <p:sldLayoutId id="2147483663" r:id="rId3"/>
+    <p:sldLayoutId id="2147483664" r:id="rId4"/>
+    <p:sldLayoutId id="2147483665" r:id="rId5"/>
+    <p:sldLayoutId id="2147483666" r:id="rId6"/>
+    <p:sldLayoutId id="2147483667" r:id="rId7"/>
+    <p:sldLayoutId id="2147483668" r:id="rId8"/>
+    <p:sldLayoutId id="2147483669" r:id="rId9"/>
+    <p:sldLayoutId id="2147483670" r:id="rId10"/>
+    <p:sldLayoutId id="2147483671" r:id="rId11"/>
+  </p:sldLayoutIdLst>
+  <p:txStyles>
+    <p:titleStyle>
+      <a:lvl1pPr algn="ctr" defTabSz="914400" rtl="0" eaLnBrk="1" latinLnBrk="0" hangingPunct="1">
+        <a:spcBef>
+          <a:spcPct val="0"/>
+        </a:spcBef>
+        <a:buNone/>
+        <a:defRPr sz="4400" kern="1200">
+          <a:solidFill>
+            <a:schemeClr val="tx1"/>
+          </a:solidFill>
+          <a:latin typeface="+mj-lt"/>
+          <a:ea typeface="+mj-ea"/>
+          <a:cs typeface="+mj-cs"/>
+        </a:defRPr>
+      </a:lvl1pPr>
+    </p:titleStyle>
+    <p:bodyStyle>
+      <a:lvl1pPr marL="342900" indent="-342900" algn="l" defTabSz="914400" rtl="0" eaLnBrk="1" latinLnBrk="0" hangingPunct="1">
+        <a:spcBef>
+          <a:spcPct val="20000"/>
+        </a:spcBef>
+        <a:buFont typeface="Arial" pitchFamily="34" charset="0"/>
+        <a:buChar char="•"/>
+        <a:defRPr sz="3200" kern="1200">
+          <a:solidFill>
+            <a:schemeClr val="tx1"/>
+          </a:solidFill>
+          <a:latin typeface="+mn-lt"/>
+          <a:ea typeface="+mn-ea"/>
+          <a:cs typeface="+mn-cs"/>
+        </a:defRPr>
+      </a:lvl1pPr>
+      <a:lvl2pPr marL="742950" indent="-285750" algn="l" defTabSz="914400" rtl="0" eaLnBrk="1" latinLnBrk="0" hangingPunct="1">
+        <a:spcBef>
+          <a:spcPct val="20000"/>
+        </a:spcBef>
+        <a:buFont typeface="Arial" pitchFamily="34" charset="0"/>
+        <a:buChar char="–"/>
+        <a:defRPr sz="2800" kern="1200">
+          <a:solidFill>
+            <a:schemeClr val="tx1"/>
+          </a:solidFill>
+          <a:latin typeface="+mn-lt"/>
+          <a:ea typeface="+mn-ea"/>
+          <a:cs typeface="+mn-cs"/>
+        </a:defRPr>
+      </a:lvl2pPr>
+      <a:lvl3pPr marL="1143000" indent="-228600" algn="l" defTabSz="914400" rtl="0" eaLnBrk="1" latinLnBrk="0" hangingPunct="1">
+        <a:spcBef>
+          <a:spcPct val="20000"/>
+        </a:spcBef>
+        <a:buFont typeface="Arial" pitchFamily="34" charset="0"/>
+        <a:buChar char="•"/>
+        <a:defRPr sz="2400" kern="1200">
+          <a:solidFill>
+            <a:schemeClr val="tx1"/>
+          </a:solidFill>
+          <a:latin typeface="+mn-lt"/>
+          <a:ea typeface="+mn-ea"/>
+          <a:cs typeface="+mn-cs"/>
+        </a:defRPr>
+      </a:lvl3pPr>
+      <a:lvl4pPr marL="1600200" indent="-228600" algn="l" defTabSz="914400" rtl="0" eaLnBrk="1" latinLnBrk="0" hangingPunct="1">
+        <a:spcBef>
+          <a:spcPct val="20000"/>
+        </a:spcBef>
+        <a:buFont typeface="Arial" pitchFamily="34" charset="0"/>
+        <a:buChar char="–"/>
+        <a:defRPr sz="2000" kern="1200">
+          <a:solidFill>
+            <a:schemeClr val="tx1"/>
+          </a:solidFill>
+          <a:latin typeface="+mn-lt"/>
+          <a:ea typeface="+mn-ea"/>
+          <a:cs typeface="+mn-cs"/>
+        </a:defRPr>
+      </a:lvl4pPr>
+      <a:lvl5pPr marL="2057400" indent="-228600" algn="l" defTabSz="914400" rtl="0" eaLnBrk="1" latinLnBrk="0" hangingPunct="1">
+        <a:spcBef>
+          <a:spcPct val="20000"/>
+        </a:spcBef>
+        <a:buFont typeface="Arial" pitchFamily="34" charset="0"/>
+        <a:buChar char="»"/>
+        <a:defRPr sz="2000" kern="1200">
+          <a:solidFill>
+            <a:schemeClr val="tx1"/>
+          </a:solidFill>
+          <a:latin typeface="+mn-lt"/>
+          <a:ea typeface="+mn-ea"/>
+          <a:cs typeface="+mn-cs"/>
+        </a:defRPr>
+      </a:lvl5pPr>
+      <a:lvl6pPr marL="2514600" indent="-228600" algn="l" defTabSz="914400" rtl="0" eaLnBrk="1" latinLnBrk="0" hangingPunct="1">
+        <a:spcBef>
+          <a:spcPct val="20000"/>
+        </a:spcBef>
+        <a:buFont typeface="Arial" pitchFamily="34" charset="0"/>
+        <a:buChar char="•"/>
+        <a:defRPr sz="2000" kern="1200">
+          <a:solidFill>
+            <a:schemeClr val="tx1"/>
+          </a:solidFill>
+          <a:latin typeface="+mn-lt"/>
+          <a:ea typeface="+mn-ea"/>
+          <a:cs typeface="+mn-cs"/>
+        </a:defRPr>
+      </a:lvl6pPr>
+      <a:lvl7pPr marL="2971800" indent="-228600" algn="l" defTabSz="914400" rtl="0" eaLnBrk="1" latinLnBrk="0" hangingPunct="1">
+        <a:spcBef>
+          <a:spcPct val="20000"/>
+        </a:spcBef>
+        <a:buFont typeface="Arial" pitchFamily="34" charset="0"/>
+        <a:buChar char="•"/>
+        <a:defRPr sz="2000" kern="1200">
+          <a:solidFill>
+            <a:schemeClr val="tx1"/>
+          </a:solidFill>
+          <a:latin typeface="+mn-lt"/>
+          <a:ea typeface="+mn-ea"/>
+          <a:cs typeface="+mn-cs"/>
+        </a:defRPr>
+      </a:lvl7pPr>
+      <a:lvl8pPr marL="3429000" indent="-228600" algn="l" defTabSz="914400" rtl="0" eaLnBrk="1" latinLnBrk="0" hangingPunct="1">
+        <a:spcBef>
+          <a:spcPct val="20000"/>
+        </a:spcBef>
+        <a:buFont typeface="Arial" pitchFamily="34" charset="0"/>
+        <a:buChar char="•"/>
+        <a:defRPr sz="2000" kern="1200">
+          <a:solidFill>
+            <a:schemeClr val="tx1"/>
+          </a:solidFill>
+          <a:latin typeface="+mn-lt"/>
+          <a:ea typeface="+mn-ea"/>
+          <a:cs typeface="+mn-cs"/>
+        </a:defRPr>
+      </a:lvl8pPr>
+      <a:lvl9pPr marL="3886200" indent="-228600" algn="l" defTabSz="914400" rtl="0" eaLnBrk="1" latinLnBrk="0" hangingPunct="1">
+        <a:spcBef>
+          <a:spcPct val="20000"/>
+        </a:spcBef>
+        <a:buFont typeface="Arial" pitchFamily="34" charset="0"/>
+        <a:buChar char="•"/>
+        <a:defRPr sz="2000" kern="1200">
+          <a:solidFill>
+            <a:schemeClr val="tx1"/>
+          </a:solidFill>
+          <a:latin typeface="+mn-lt"/>
+          <a:ea typeface="+mn-ea"/>
+          <a:cs typeface="+mn-cs"/>
+        </a:defRPr>
+      </a:lvl9pPr>
+    </p:bodyStyle>
+    <p:otherStyle>
+      <a:defPPr>
+        <a:defRPr lang="zh-CN"/>
+      </a:defPPr>
+      <a:lvl1pPr marL="0" algn="l" defTabSz="914400" rtl="0" eaLnBrk="1" latinLnBrk="0" hangingPunct="1">
+        <a:defRPr sz="1800" kern="1200">
+          <a:solidFill>
+            <a:schemeClr val="tx1"/>
+          </a:solidFill>
+          <a:latin typeface="+mn-lt"/>
+          <a:ea typeface="+mn-ea"/>
+          <a:cs typeface="+mn-cs"/>
+        </a:defRPr>
+      </a:lvl1pPr>
+      <a:lvl2pPr marL="457200" algn="l" defTabSz="914400" rtl="0" eaLnBrk="1" latinLnBrk="0" hangingPunct="1">
+        <a:defRPr sz="1800" kern="1200">
+          <a:solidFill>
+            <a:schemeClr val="tx1"/>
+          </a:solidFill>
+          <a:latin typeface="+mn-lt"/>
+          <a:ea typeface="+mn-ea"/>
+          <a:cs typeface="+mn-cs"/>
+        </a:defRPr>
+      </a:lvl2pPr>
+      <a:lvl3pPr marL="914400" algn="l" defTabSz="914400" rtl="0" eaLnBrk="1" latinLnBrk="0" hangingPunct="1">
+        <a:defRPr sz="1800" kern="1200">
+          <a:solidFill>
+            <a:schemeClr val="tx1"/>
+          </a:solidFill>
+          <a:latin typeface="+mn-lt"/>
+          <a:ea typeface="+mn-ea"/>
+          <a:cs typeface="+mn-cs"/>
+        </a:defRPr>
+      </a:lvl3pPr>
+      <a:lvl4pPr marL="1371600" algn="l" defTabSz="914400" rtl="0" eaLnBrk="1" latinLnBrk="0" hangingPunct="1">
+        <a:defRPr sz="1800" kern="1200">
+          <a:solidFill>
+            <a:schemeClr val="tx1"/>
+          </a:solidFill>
+          <a:latin typeface="+mn-lt"/>
+          <a:ea typeface="+mn-ea"/>
+          <a:cs typeface="+mn-cs"/>
+        </a:defRPr>
+      </a:lvl4pPr>
+      <a:lvl5pPr marL="1828800" algn="l" defTabSz="914400" rtl="0" eaLnBrk="1" latinLnBrk="0" hangingPunct="1">
+        <a:defRPr sz="1800" kern="1200">
+          <a:solidFill>
+            <a:schemeClr val="tx1"/>
+          </a:solidFill>
+          <a:latin typeface="+mn-lt"/>
+          <a:ea typeface="+mn-ea"/>
+          <a:cs typeface="+mn-cs"/>
+        </a:defRPr>
+      </a:lvl5pPr>
+      <a:lvl6pPr marL="2286000" algn="l" defTabSz="914400" rtl="0" eaLnBrk="1" latinLnBrk="0" hangingPunct="1">
+        <a:defRPr sz="1800" kern="1200">
+          <a:solidFill>
+            <a:schemeClr val="tx1"/>
+          </a:solidFill>
+          <a:latin typeface="+mn-lt"/>
+          <a:ea typeface="+mn-ea"/>
+          <a:cs typeface="+mn-cs"/>
+        </a:defRPr>
+      </a:lvl6pPr>
+      <a:lvl7pPr marL="2743200" algn="l" defTabSz="914400" rtl="0" eaLnBrk="1" latinLnBrk="0" hangingPunct="1">
+        <a:defRPr sz="1800" kern="1200">
+          <a:solidFill>
+            <a:schemeClr val="tx1"/>
+          </a:solidFill>
+          <a:latin typeface="+mn-lt"/>
+          <a:ea typeface="+mn-ea"/>
+          <a:cs typeface="+mn-cs"/>
+        </a:defRPr>
+      </a:lvl7pPr>
+      <a:lvl8pPr marL="3200400" algn="l" defTabSz="914400" rtl="0" eaLnBrk="1" latinLnBrk="0" hangingPunct="1">
+        <a:defRPr sz="1800" kern="1200">
+          <a:solidFill>
+            <a:schemeClr val="tx1"/>
+          </a:solidFill>
+          <a:latin typeface="+mn-lt"/>
+          <a:ea typeface="+mn-ea"/>
+          <a:cs typeface="+mn-cs"/>
+        </a:defRPr>
+      </a:lvl8pPr>
+      <a:lvl9pPr marL="3657600" algn="l" defTabSz="914400" rtl="0" eaLnBrk="1" latinLnBrk="0" hangingPunct="1">
+        <a:defRPr sz="1800" kern="1200">
+          <a:solidFill>
+            <a:schemeClr val="tx1"/>
+          </a:solidFill>
+          <a:latin typeface="+mn-lt"/>
+          <a:ea typeface="+mn-ea"/>
+          <a:cs typeface="+mn-cs"/>
+        </a:defRPr>
+      </a:lvl9pPr>
+    </p:otherStyle>
+  </p:txStyles>
+</p:sldMaster>
+</file>
+
 <file path=ppt/slides/slide1.xml><?xml version="1.0" encoding="utf-8"?>
 <p:sld xmlns:a="http://schemas.openxmlformats.org/drawingml/2006/main" xmlns:r="http://schemas.openxmlformats.org/officeDocument/2006/relationships" xmlns:p="http://schemas.openxmlformats.org/presentationml/2006/main">
   <p:cSld>
@@ -3009,6 +6375,48 @@
           <a:bodyPr/>
           <a:lstStyle/>
           <a:p>
+            <a:r>
+              <a:rPr lang="en-US" altLang="zh-CN" dirty="0" smtClean="0"/>
+              <a:t>     </a:t>
+            </a:r>
+          </a:p>
+          <a:p>
+            <a:r>
+              <a:rPr lang="en-US" altLang="zh-CN" dirty="0" err="1" smtClean="0"/>
+              <a:t>Weiming</a:t>
+            </a:r>
+            <a:r>
+              <a:rPr lang="en-US" altLang="zh-CN" smtClean="0"/>
+              <a:t> Huang</a:t>
+            </a:r>
+            <a:r>
+              <a:rPr lang="en-US" altLang="zh-CN" smtClean="0"/>
+              <a:t>, </a:t>
+            </a:r>
+            <a:r>
+              <a:rPr lang="en-US" altLang="zh-CN" dirty="0" err="1" smtClean="0"/>
+              <a:t>Mengyao</a:t>
+            </a:r>
+            <a:r>
+              <a:rPr lang="en-US" altLang="zh-CN" dirty="0" smtClean="0"/>
+              <a:t> </a:t>
+            </a:r>
+            <a:r>
+              <a:rPr lang="en-US" altLang="zh-CN" dirty="0" err="1" smtClean="0"/>
+              <a:t>Cai</a:t>
+            </a:r>
+            <a:r>
+              <a:rPr lang="en-US" altLang="zh-CN" dirty="0" smtClean="0"/>
+              <a:t>, </a:t>
+            </a:r>
+            <a:r>
+              <a:rPr lang="en-US" altLang="zh-CN" dirty="0" err="1" smtClean="0"/>
+              <a:t>Zhihang</a:t>
+            </a:r>
+            <a:r>
+              <a:rPr lang="en-US" altLang="zh-CN" dirty="0" smtClean="0"/>
+              <a:t> Jin</a:t>
+            </a:r>
             <a:endParaRPr lang="zh-CN" altLang="en-US" dirty="0"/>
           </a:p>
         </p:txBody>
@@ -3026,7 +6434,1389 @@
 </p:sld>
 </file>
 
+<file path=ppt/slides/slide10.xml><?xml version="1.0" encoding="utf-8"?>
+<p:sld xmlns:a="http://schemas.openxmlformats.org/drawingml/2006/main" xmlns:r="http://schemas.openxmlformats.org/officeDocument/2006/relationships" xmlns:p="http://schemas.openxmlformats.org/presentationml/2006/main">
+  <p:cSld>
+    <p:spTree>
+      <p:nvGrpSpPr>
+        <p:cNvPr id="1" name=""/>
+        <p:cNvGrpSpPr/>
+        <p:nvPr/>
+      </p:nvGrpSpPr>
+      <p:grpSpPr>
+        <a:xfrm>
+          <a:off x="0" y="0"/>
+          <a:ext cx="0" cy="0"/>
+          <a:chOff x="0" y="0"/>
+          <a:chExt cx="0" cy="0"/>
+        </a:xfrm>
+      </p:grpSpPr>
+      <p:sp>
+        <p:nvSpPr>
+          <p:cNvPr id="2" name="标题 1"/>
+          <p:cNvSpPr>
+            <a:spLocks noGrp="1"/>
+          </p:cNvSpPr>
+          <p:nvPr>
+            <p:ph type="title"/>
+          </p:nvPr>
+        </p:nvSpPr>
+        <p:spPr/>
+        <p:txBody>
+          <a:bodyPr/>
+          <a:lstStyle/>
+          <a:p>
+            <a:r>
+              <a:rPr lang="en-US" altLang="zh-CN" dirty="0" smtClean="0"/>
+              <a:t>The Wedge</a:t>
+            </a:r>
+            <a:endParaRPr lang="zh-CN" altLang="en-US" dirty="0"/>
+          </a:p>
+        </p:txBody>
+      </p:sp>
+      <p:pic>
+        <p:nvPicPr>
+          <p:cNvPr id="4" name="内容占位符 3"/>
+          <p:cNvPicPr>
+            <a:picLocks noGrp="1" noChangeAspect="1"/>
+          </p:cNvPicPr>
+          <p:nvPr>
+            <p:ph idx="1"/>
+          </p:nvPr>
+        </p:nvPicPr>
+        <p:blipFill>
+          <a:blip r:embed="rId2">
+            <a:extLst>
+              <a:ext uri="{28A0092B-C50C-407E-A947-70E740481C1C}">
+                <a14:useLocalDpi xmlns:a14="http://schemas.microsoft.com/office/drawing/2010/main" val="0"/>
+              </a:ext>
+            </a:extLst>
+          </a:blip>
+          <a:stretch>
+            <a:fillRect/>
+          </a:stretch>
+        </p:blipFill>
+        <p:spPr>
+          <a:xfrm>
+            <a:off x="637465" y="1907511"/>
+            <a:ext cx="2564639" cy="4351338"/>
+          </a:xfrm>
+        </p:spPr>
+      </p:pic>
+      <p:pic>
+        <p:nvPicPr>
+          <p:cNvPr id="5" name="图片 4"/>
+          <p:cNvPicPr>
+            <a:picLocks noChangeAspect="1"/>
+          </p:cNvPicPr>
+          <p:nvPr/>
+        </p:nvPicPr>
+        <p:blipFill>
+          <a:blip r:embed="rId3">
+            <a:extLst>
+              <a:ext uri="{28A0092B-C50C-407E-A947-70E740481C1C}">
+                <a14:useLocalDpi xmlns:a14="http://schemas.microsoft.com/office/drawing/2010/main" val="0"/>
+              </a:ext>
+            </a:extLst>
+          </a:blip>
+          <a:stretch>
+            <a:fillRect/>
+          </a:stretch>
+        </p:blipFill>
+        <p:spPr>
+          <a:xfrm>
+            <a:off x="4591334" y="1146625"/>
+            <a:ext cx="5112224" cy="5112224"/>
+          </a:xfrm>
+          <a:prstGeom prst="rect">
+            <a:avLst/>
+          </a:prstGeom>
+        </p:spPr>
+      </p:pic>
+    </p:spTree>
+    <p:extLst>
+      <p:ext uri="{BB962C8B-B14F-4D97-AF65-F5344CB8AC3E}">
+        <p14:creationId xmlns:p14="http://schemas.microsoft.com/office/powerpoint/2010/main" val="3362990594"/>
+      </p:ext>
+    </p:extLst>
+  </p:cSld>
+  <p:clrMapOvr>
+    <a:masterClrMapping/>
+  </p:clrMapOvr>
+</p:sld>
+</file>
+
+<file path=ppt/slides/slide11.xml><?xml version="1.0" encoding="utf-8"?>
+<p:sld xmlns:a="http://schemas.openxmlformats.org/drawingml/2006/main" xmlns:r="http://schemas.openxmlformats.org/officeDocument/2006/relationships" xmlns:p="http://schemas.openxmlformats.org/presentationml/2006/main">
+  <p:cSld>
+    <p:spTree>
+      <p:nvGrpSpPr>
+        <p:cNvPr id="1" name=""/>
+        <p:cNvGrpSpPr/>
+        <p:nvPr/>
+      </p:nvGrpSpPr>
+      <p:grpSpPr>
+        <a:xfrm>
+          <a:off x="0" y="0"/>
+          <a:ext cx="0" cy="0"/>
+          <a:chOff x="0" y="0"/>
+          <a:chExt cx="0" cy="0"/>
+        </a:xfrm>
+      </p:grpSpPr>
+      <p:sp>
+        <p:nvSpPr>
+          <p:cNvPr id="2" name="标题 1"/>
+          <p:cNvSpPr>
+            <a:spLocks noGrp="1"/>
+          </p:cNvSpPr>
+          <p:nvPr>
+            <p:ph type="title"/>
+          </p:nvPr>
+        </p:nvSpPr>
+        <p:spPr/>
+        <p:txBody>
+          <a:bodyPr/>
+          <a:lstStyle/>
+          <a:p>
+            <a:r>
+              <a:rPr lang="en-US" altLang="zh-CN" dirty="0" smtClean="0"/>
+              <a:t>The Wedge</a:t>
+            </a:r>
+            <a:endParaRPr lang="zh-CN" altLang="en-US" dirty="0"/>
+          </a:p>
+        </p:txBody>
+      </p:sp>
+      <p:sp>
+        <p:nvSpPr>
+          <p:cNvPr id="3" name="内容占位符 2"/>
+          <p:cNvSpPr>
+            <a:spLocks noGrp="1"/>
+          </p:cNvSpPr>
+          <p:nvPr>
+            <p:ph idx="1"/>
+          </p:nvPr>
+        </p:nvSpPr>
+        <p:spPr/>
+        <p:txBody>
+          <a:bodyPr/>
+          <a:lstStyle/>
+          <a:p>
+            <a:r>
+              <a:rPr lang="en-US" altLang="zh-CN" dirty="0" smtClean="0"/>
+              <a:t>Wedge armor </a:t>
+            </a:r>
+          </a:p>
+          <a:p>
+            <a:pPr marL="0" indent="0">
+              <a:buNone/>
+            </a:pPr>
+            <a:r>
+              <a:rPr lang="en-US" altLang="zh-CN" dirty="0"/>
+              <a:t> </a:t>
+            </a:r>
+            <a:r>
+              <a:rPr lang="en-US" altLang="zh-CN" dirty="0" smtClean="0"/>
+              <a:t>   </a:t>
+            </a:r>
+            <a:endParaRPr lang="zh-CN" altLang="en-US" dirty="0"/>
+          </a:p>
+        </p:txBody>
+      </p:sp>
+      <p:pic>
+        <p:nvPicPr>
+          <p:cNvPr id="6" name="图片 5"/>
+          <p:cNvPicPr>
+            <a:picLocks noChangeAspect="1"/>
+          </p:cNvPicPr>
+          <p:nvPr/>
+        </p:nvPicPr>
+        <p:blipFill>
+          <a:blip r:embed="rId2" cstate="print">
+            <a:extLst>
+              <a:ext uri="{28A0092B-C50C-407E-A947-70E740481C1C}">
+                <a14:useLocalDpi xmlns:a14="http://schemas.microsoft.com/office/drawing/2010/main" val="0"/>
+              </a:ext>
+            </a:extLst>
+          </a:blip>
+          <a:stretch>
+            <a:fillRect/>
+          </a:stretch>
+        </p:blipFill>
+        <p:spPr>
+          <a:xfrm>
+            <a:off x="5838512" y="882484"/>
+            <a:ext cx="5284413" cy="3524662"/>
+          </a:xfrm>
+          <a:prstGeom prst="rect">
+            <a:avLst/>
+          </a:prstGeom>
+        </p:spPr>
+      </p:pic>
+      <p:pic>
+        <p:nvPicPr>
+          <p:cNvPr id="7" name="图片 6"/>
+          <p:cNvPicPr>
+            <a:picLocks noChangeAspect="1"/>
+          </p:cNvPicPr>
+          <p:nvPr/>
+        </p:nvPicPr>
+        <p:blipFill>
+          <a:blip r:embed="rId3">
+            <a:extLst>
+              <a:ext uri="{28A0092B-C50C-407E-A947-70E740481C1C}">
+                <a14:useLocalDpi xmlns:a14="http://schemas.microsoft.com/office/drawing/2010/main" val="0"/>
+              </a:ext>
+            </a:extLst>
+          </a:blip>
+          <a:stretch>
+            <a:fillRect/>
+          </a:stretch>
+        </p:blipFill>
+        <p:spPr>
+          <a:xfrm>
+            <a:off x="512758" y="2690674"/>
+            <a:ext cx="5325754" cy="3702817"/>
+          </a:xfrm>
+          <a:prstGeom prst="rect">
+            <a:avLst/>
+          </a:prstGeom>
+        </p:spPr>
+      </p:pic>
+      <p:sp>
+        <p:nvSpPr>
+          <p:cNvPr id="8" name="文本框 7"/>
+          <p:cNvSpPr txBox="1"/>
+          <p:nvPr/>
+        </p:nvSpPr>
+        <p:spPr>
+          <a:xfrm>
+            <a:off x="6523630" y="5049672"/>
+            <a:ext cx="3916907" cy="646331"/>
+          </a:xfrm>
+          <a:prstGeom prst="rect">
+            <a:avLst/>
+          </a:prstGeom>
+          <a:noFill/>
+        </p:spPr>
+        <p:txBody>
+          <a:bodyPr wrap="square" rtlCol="0">
+            <a:spAutoFit/>
+          </a:bodyPr>
+          <a:lstStyle/>
+          <a:p>
+            <a:r>
+              <a:rPr lang="en-US" altLang="zh-CN" dirty="0" smtClean="0"/>
+              <a:t>This kind of armor made bullet easier to bounce.</a:t>
+            </a:r>
+            <a:endParaRPr lang="zh-CN" altLang="en-US" dirty="0"/>
+          </a:p>
+        </p:txBody>
+      </p:sp>
+    </p:spTree>
+    <p:extLst>
+      <p:ext uri="{BB962C8B-B14F-4D97-AF65-F5344CB8AC3E}">
+        <p14:creationId xmlns:p14="http://schemas.microsoft.com/office/powerpoint/2010/main" val="1421727568"/>
+      </p:ext>
+    </p:extLst>
+  </p:cSld>
+  <p:clrMapOvr>
+    <a:masterClrMapping/>
+  </p:clrMapOvr>
+</p:sld>
+</file>
+
+<file path=ppt/slides/slide12.xml><?xml version="1.0" encoding="utf-8"?>
+<p:sld xmlns:a="http://schemas.openxmlformats.org/drawingml/2006/main" xmlns:r="http://schemas.openxmlformats.org/officeDocument/2006/relationships" xmlns:p="http://schemas.openxmlformats.org/presentationml/2006/main">
+  <p:cSld>
+    <p:spTree>
+      <p:nvGrpSpPr>
+        <p:cNvPr id="1" name=""/>
+        <p:cNvGrpSpPr/>
+        <p:nvPr/>
+      </p:nvGrpSpPr>
+      <p:grpSpPr>
+        <a:xfrm>
+          <a:off x="0" y="0"/>
+          <a:ext cx="0" cy="0"/>
+          <a:chOff x="0" y="0"/>
+          <a:chExt cx="0" cy="0"/>
+        </a:xfrm>
+      </p:grpSpPr>
+      <p:sp>
+        <p:nvSpPr>
+          <p:cNvPr id="2" name="标题 1"/>
+          <p:cNvSpPr>
+            <a:spLocks noGrp="1"/>
+          </p:cNvSpPr>
+          <p:nvPr>
+            <p:ph type="title"/>
+          </p:nvPr>
+        </p:nvSpPr>
+        <p:spPr/>
+        <p:txBody>
+          <a:bodyPr/>
+          <a:lstStyle/>
+          <a:p>
+            <a:r>
+              <a:rPr lang="en-US" altLang="zh-CN" dirty="0" smtClean="0"/>
+              <a:t>The screw</a:t>
+            </a:r>
+            <a:endParaRPr lang="zh-CN" altLang="en-US" dirty="0"/>
+          </a:p>
+        </p:txBody>
+      </p:sp>
+      <p:pic>
+        <p:nvPicPr>
+          <p:cNvPr id="4" name="内容占位符 3"/>
+          <p:cNvPicPr>
+            <a:picLocks noGrp="1" noChangeAspect="1"/>
+          </p:cNvPicPr>
+          <p:nvPr>
+            <p:ph idx="1"/>
+          </p:nvPr>
+        </p:nvPicPr>
+        <p:blipFill>
+          <a:blip r:embed="rId2">
+            <a:extLst>
+              <a:ext uri="{28A0092B-C50C-407E-A947-70E740481C1C}">
+                <a14:useLocalDpi xmlns:a14="http://schemas.microsoft.com/office/drawing/2010/main" val="0"/>
+              </a:ext>
+            </a:extLst>
+          </a:blip>
+          <a:stretch>
+            <a:fillRect/>
+          </a:stretch>
+        </p:blipFill>
+        <p:spPr>
+          <a:xfrm>
+            <a:off x="838200" y="2059544"/>
+            <a:ext cx="4229100" cy="3419475"/>
+          </a:xfrm>
+        </p:spPr>
+      </p:pic>
+    </p:spTree>
+    <p:extLst>
+      <p:ext uri="{BB962C8B-B14F-4D97-AF65-F5344CB8AC3E}">
+        <p14:creationId xmlns:p14="http://schemas.microsoft.com/office/powerpoint/2010/main" val="235827887"/>
+      </p:ext>
+    </p:extLst>
+  </p:cSld>
+  <p:clrMapOvr>
+    <a:masterClrMapping/>
+  </p:clrMapOvr>
+</p:sld>
+</file>
+
+<file path=ppt/slides/slide13.xml><?xml version="1.0" encoding="utf-8"?>
+<p:sld xmlns:a="http://schemas.openxmlformats.org/drawingml/2006/main" xmlns:r="http://schemas.openxmlformats.org/officeDocument/2006/relationships" xmlns:p="http://schemas.openxmlformats.org/presentationml/2006/main">
+  <p:cSld>
+    <p:spTree>
+      <p:nvGrpSpPr>
+        <p:cNvPr id="1" name=""/>
+        <p:cNvGrpSpPr/>
+        <p:nvPr/>
+      </p:nvGrpSpPr>
+      <p:grpSpPr>
+        <a:xfrm>
+          <a:off x="0" y="0"/>
+          <a:ext cx="0" cy="0"/>
+          <a:chOff x="0" y="0"/>
+          <a:chExt cx="0" cy="0"/>
+        </a:xfrm>
+      </p:grpSpPr>
+      <p:sp>
+        <p:nvSpPr>
+          <p:cNvPr id="2" name="标题 1"/>
+          <p:cNvSpPr>
+            <a:spLocks noGrp="1"/>
+          </p:cNvSpPr>
+          <p:nvPr>
+            <p:ph type="title"/>
+          </p:nvPr>
+        </p:nvSpPr>
+        <p:spPr/>
+        <p:txBody>
+          <a:bodyPr/>
+          <a:lstStyle/>
+          <a:p>
+            <a:r>
+              <a:rPr lang="en-US" altLang="zh-CN" dirty="0" smtClean="0"/>
+              <a:t>The screw</a:t>
+            </a:r>
+            <a:endParaRPr lang="zh-CN" altLang="en-US" dirty="0"/>
+          </a:p>
+        </p:txBody>
+      </p:sp>
+      <p:sp>
+        <p:nvSpPr>
+          <p:cNvPr id="3" name="内容占位符 2"/>
+          <p:cNvSpPr>
+            <a:spLocks noGrp="1"/>
+          </p:cNvSpPr>
+          <p:nvPr>
+            <p:ph idx="1"/>
+          </p:nvPr>
+        </p:nvSpPr>
+        <p:spPr/>
+        <p:txBody>
+          <a:bodyPr/>
+          <a:lstStyle/>
+          <a:p>
+            <a:r>
+              <a:rPr lang="en-US" altLang="zh-CN" dirty="0" smtClean="0"/>
+              <a:t>Rifled </a:t>
+            </a:r>
+          </a:p>
+          <a:p>
+            <a:pPr marL="0" indent="0">
+              <a:buNone/>
+            </a:pPr>
+            <a:r>
+              <a:rPr lang="en-US" altLang="zh-CN" dirty="0" smtClean="0"/>
+              <a:t>  </a:t>
+            </a:r>
+            <a:endParaRPr lang="zh-CN" altLang="en-US" dirty="0"/>
+          </a:p>
+        </p:txBody>
+      </p:sp>
+      <p:pic>
+        <p:nvPicPr>
+          <p:cNvPr id="4" name="图片 3"/>
+          <p:cNvPicPr>
+            <a:picLocks noChangeAspect="1"/>
+          </p:cNvPicPr>
+          <p:nvPr/>
+        </p:nvPicPr>
+        <p:blipFill>
+          <a:blip r:embed="rId2">
+            <a:extLst>
+              <a:ext uri="{28A0092B-C50C-407E-A947-70E740481C1C}">
+                <a14:useLocalDpi xmlns:a14="http://schemas.microsoft.com/office/drawing/2010/main" val="0"/>
+              </a:ext>
+            </a:extLst>
+          </a:blip>
+          <a:stretch>
+            <a:fillRect/>
+          </a:stretch>
+        </p:blipFill>
+        <p:spPr>
+          <a:xfrm>
+            <a:off x="2809875" y="2430723"/>
+            <a:ext cx="6572250" cy="4152900"/>
+          </a:xfrm>
+          <a:prstGeom prst="rect">
+            <a:avLst/>
+          </a:prstGeom>
+        </p:spPr>
+      </p:pic>
+    </p:spTree>
+    <p:extLst>
+      <p:ext uri="{BB962C8B-B14F-4D97-AF65-F5344CB8AC3E}">
+        <p14:creationId xmlns:p14="http://schemas.microsoft.com/office/powerpoint/2010/main" val="1623560271"/>
+      </p:ext>
+    </p:extLst>
+  </p:cSld>
+  <p:clrMapOvr>
+    <a:masterClrMapping/>
+  </p:clrMapOvr>
+</p:sld>
+</file>
+
 <file path=ppt/slides/slide2.xml><?xml version="1.0" encoding="utf-8"?>
+<p:sld xmlns:a="http://schemas.openxmlformats.org/drawingml/2006/main" xmlns:r="http://schemas.openxmlformats.org/officeDocument/2006/relationships" xmlns:p="http://schemas.openxmlformats.org/presentationml/2006/main">
+  <p:cSld>
+    <p:spTree>
+      <p:nvGrpSpPr>
+        <p:cNvPr id="1" name=""/>
+        <p:cNvGrpSpPr/>
+        <p:nvPr/>
+      </p:nvGrpSpPr>
+      <p:grpSpPr>
+        <a:xfrm>
+          <a:off x="0" y="0"/>
+          <a:ext cx="0" cy="0"/>
+          <a:chOff x="0" y="0"/>
+          <a:chExt cx="0" cy="0"/>
+        </a:xfrm>
+      </p:grpSpPr>
+      <p:sp>
+        <p:nvSpPr>
+          <p:cNvPr id="4" name="标题 3"/>
+          <p:cNvSpPr>
+            <a:spLocks noGrp="1"/>
+          </p:cNvSpPr>
+          <p:nvPr>
+            <p:ph type="title"/>
+          </p:nvPr>
+        </p:nvSpPr>
+        <p:spPr/>
+        <p:txBody>
+          <a:bodyPr/>
+          <a:lstStyle/>
+          <a:p>
+            <a:r>
+              <a:rPr lang="en-US" altLang="zh-CN" dirty="0" smtClean="0"/>
+              <a:t>The Lever</a:t>
+            </a:r>
+            <a:endParaRPr lang="zh-CN" altLang="en-US" dirty="0"/>
+          </a:p>
+        </p:txBody>
+      </p:sp>
+      <p:sp>
+        <p:nvSpPr>
+          <p:cNvPr id="5" name="内容占位符 4"/>
+          <p:cNvSpPr>
+            <a:spLocks noGrp="1"/>
+          </p:cNvSpPr>
+          <p:nvPr>
+            <p:ph idx="1"/>
+          </p:nvPr>
+        </p:nvSpPr>
+        <p:spPr/>
+        <p:txBody>
+          <a:bodyPr/>
+          <a:lstStyle/>
+          <a:p>
+            <a:r>
+              <a:rPr lang="en-US" altLang="zh-CN" dirty="0" smtClean="0"/>
+              <a:t>Archimedes said: “Give </a:t>
+            </a:r>
+            <a:r>
+              <a:rPr lang="en-US" altLang="zh-CN" dirty="0"/>
+              <a:t>me a place to stand on, and I will move the </a:t>
+            </a:r>
+            <a:r>
+              <a:rPr lang="en-US" altLang="zh-CN" dirty="0" smtClean="0"/>
+              <a:t>Earth”</a:t>
+            </a:r>
+          </a:p>
+          <a:p>
+            <a:endParaRPr lang="zh-CN" altLang="en-US" dirty="0"/>
+          </a:p>
+        </p:txBody>
+      </p:sp>
+      <p:sp>
+        <p:nvSpPr>
+          <p:cNvPr id="6" name="AutoShape 2" descr="data:image/jpeg;base64,/9j/4AAQSkZJRgABAQAAAQABAAD/2wCEAAkGBxQSEhUTExQVFhQXGRgYGRcYGBUYHxscGhwYHBgbGRoZHSggGRwmHRoaITEhJSksLi4uGh80ODMtNygtLi0BCgoKBQUFDgUFDisZExkrKysrKysrKysrKysrKysrKysrKysrKysrKysrKysrKysrKysrKysrKysrKysrKysrK//AABEIALcBEwMBIgACEQEDEQH/xAAcAAACAgMBAQAAAAAAAAAAAAAABgQFAgMHAQj/xABIEAACAQMCBAQDBQQHBgMJAAABAgMABBESIQUTMUEGIlFhMnGBBxQjQpFSYqHBFTNygpKx0SRDU3OismOT4RYXNKOzwsPS0//EABQBAQAAAAAAAAAAAAAAAAAAAAD/xAAUEQEAAAAAAAAAAAAAAAAAAAAA/9oADAMBAAIRAxEAPwDuNFFFAUUV4zYGf8qDGWQKpZjgAEk+gHWl/hPiSW5YmK0k5OSFmkZY1cDuFP4g82R8PTfPaqLwtAvFGnu52lMbuEjt+YVREjPlJVW3csCTqGxyBnFMXBdUc8sJZAgC6EHNLYA2Ys2wUjAAXYFT3zQQ+ItxCOLChZWxnUu2SXyBtgqAvl2U56kjrVpwDjAnQLJpS4ChpIfMGTOQDpcBtJx1xj0JrGfj0as66idJwCsU7rkfEC6KV1Z20g5B267VE8XWSPbs5ljt7gAcq4JCFWXLKuo7lTg5XuC21Ax0VScB40ZW5MgAnSNWkwQQcllLAAnSpKHAY5/TNXdAVUcc8RwWpjSQs0spxHFGpeR/UhR+Ud2OAPWpPG7t4YJZI05jopYLvvj2G5wN8Dc4x3pfspmt150cD3nMRZXu1kgBkyM7K7DSgHRRsAe5yaBuopNfjsl1DZTBJbYTXMYUFkJeMxuwJ0k+UjsfStc3GLpAnDwSb4uFExUYMA3a5IxpzpGgr+2fQg0DtRXP/wCnpbm7chbporWUqIbcIpZlyNU7SOrFT1CAYI6k09XMwWNnI2CliPYDJoMxIMasjT1zkYx86yRgQCCCDuCN8j2rlvD+HXn9HxcNjACXEHMWbScRIy6poWxtq1sFU7eVz3Te7v8AxT904ZbSwQnzxoi+XyQkKFPN0nYKQRjuQRkUDxRS14J1LGyMlzknmNNPoHNdyS2hVdiijAwuAAMdd6keMLx1g5UOTPP+HGowDuMyMNRAGlNRyds49aC4trhZFDoyujDKspDAj1BGxFauKX6W8Mk8hISNWdiAScKMnAHWlrwoz2jfdpYTDA7H7tqkWTScZaJmXYEnUy7nbUOwzZeORmwuQehjI/XA/nQXcbhgCOhAI+tRI+LwHmASx/hMEk8w8jtjSrehOoDHqcVTeNJLgwcqzwZOsipIqS8oDzCIsCFYnA1EbZ23xVXwLhpubJ7YQ20VrJG6fhSStIsu39YHjU6w2SxY6gy0DpcXSR6dbKupgi6iBlj0UZ6k46Vhf38cCa5pFjTIGpyFGScAZPqaTvCrScQmFzcKALPMCJnKm5Xy3EvuAfIp7ZY9TtUpa31xfH709rFOhLW8cqSyxhf24AHRZH9WbLL+yoIoH+fjcCXC2zuEldQyBsqH3IwjHZmGN1ByMj1qxrnP2gQSyXcSRxxTS/dJsxuAcgyQ6jGpYDmAKSuWHQ700eC5ozaoiTyTmMaXM20qnrpkUgFSAcYO+MbnrQX1FFFAUUUUBRRRQFFFFAUUUUBWm7uBGjO2dKgk6VZzt6KoLN8gK3Vi4yCAce/p770CJ4Pk5VlGX0wiWWSQMzlHYmXUCygAYK52PQAA9cBjsZFnmZxg8vK6lYsvU6SCMA5UnIOcH9Tz3hXDZHRLR5JIJleQtIzKHkVZLjmMFlyrofwCVI0lc+lP3g2JI7RAp8vmOcBRlmLEKBsoBJUDtpoPHuZFuVtorcrCBraQ4VDknIQqTl85OkgdCe9SeK8SW20akkcO6oNIU7scDYn6/LJ7GveJcVhiYlhqeNSzaQCY1xnLsdkBxgZO/wBDiDJxIXFu7Boi8TxyMsMnOKiN1cg6QDqKqwwBv2zQRvANtFpuJ0Vkd55VkjOFCGN2ULpUlchcebO+c96bKXvCjxF7zktqBuNZONsyQwPse4wRTDQFL1/4UjkAjV5I4GfXLCpOmTqdG5/DQtuypgNvnqaYa0Xs5jjdwrOVUkIu5YgbKPc9KCFMltK625KmSAxyiNW0lMZEbYUjy9RjpUsJFqM3k1adBk22VSSQT2AOc0ncL4fcWdwLu6eLE5McxXXsXbMJZmONCHEQAA2fJzWvg9ncW8V1ywZYzcXQe3I8yh5HKvAT8WVZWKN8Wcgg7ELvjlxw/MUlxJGhkH4U4Zo8jY+WdCMA7EDVvVu8CTQGMOWR0Ka1YEkEadQbfJ96SYbKRbDhCciWRomiLxhcEaIZF82shUGsr8RH16VeeG+BSxzPcPy4A4I+6wf1Y3zrdiBql9SqqN/zdaBgtLcRxpGCSEVVBPXCgDJ/SoPA7VFSTlyLJDJI8iacEKHOXUEEhhzNZ/vY7VXeMr2QqtnbEfebgMAc45cY/rJCd8dQoOD5mHpVZ4W4fPYTCMwolpNhVSKSWflyqvxtmNdCuq7npqA/aNBfXbw8Nt5JVjflKQzKhLBAcAlEZsKg6lV98DNZ2/FLWZTcqytyVclipDxAgFwVI1pkKCQRvgVo8djPDrrPTkuT8gN/4VUcU4HLonvJ3LzciSOOK3QhQrqQAR8c5yQfNsMZAFA1pyriNHwskbaJEJGRsQ6MAehBwQeoIqJb3ttfRzRqVlRWaGVSD8Q2YEHG3uNvQ1R2fEJWsEgtopkuBFHEDJDLGqNhVZyzrghd22znFQOD8HubC5hYRwrBIq28gieV2LDU0czh0G+cgnPRt+goLlYuHWNxGkUEaXMvlAiiBk0kjLOVGVjyBljttVhxO5trISXUnkL6Q2nJMjDZAqD45D02GSAOw2pvD9vLYsyzwc1pHybyEM5ckjHORiXjx0GnUgA/L0qq8ReFLpboXiTTXCjPkHIEsef+BzE5ftgBW9zQdCiYEAgEZGdxg7+oPQ1X8SmtHzFO0DYIJSQxnB6qdLdD6Vv4TaGKMKZJZDudUpUtvvglQBtVF4zsYpZbFHjRtd0uSVU5CRSvpOexKjaguoxbs5uVMbOqFDKCpwmdRUsDsO9YzcKhlljucHmKPLIjsupTvhtJxIvs2R6Up+IbCGKYRzIltw18FjCoRZZNtrpkAMaY2HZt8sNgbLwMxBmSHUbFWH3Z2yOueYked2hU40sfUgZAFA10UUUBRRRQFFFFB5RQrZ6b0UHtFFFAUUUu8b8UiJ2hggnuJwPhjjYorEZAklOEXqCRnOD03FAqfaIg/pKz5XMFwyNqbWqARA4AUsQA3MKnHfptmt/hzijRSW9k8UoGplw5QnYLIjZU48oGCB1zq382KXxHxS6jZUuZWMsTrKJUFuIwC4GpFMfMCIGTPnyQx697aytSdcLwtq/EBDY5UasdRlMmgaiW84UY7DA07AxW3Cpred5gDOsikGPWAY2LFnKhyFcNkAliCAigZGwhzcL5k+prSYOwSNiJEjVY1YkkSRPqIw5ymN9OMd6vY7acE4mypIZdagNjY6SFA7jHbAzsSciBZ8KdHA14OxZxpDSpgjQXUBtSkLjc41dewCjsboW/EBEJWXmMysAuqJSh/CjwD+FmMhQemU7EkV0KuZ8AmupuKvGxJgjVvOdAYrIYpYgy5ySrAgEdMnOOldMoCiitNzdJGAXdUBOkFiBknOAM99jQbHQEYIBB7HesqjNcnJGg5zsCQNQ7lSMgn2OD8q3o4IyKDKiiig80jOcb+te0UUHjKCMHcVUcR8QxQyCBVkmm2JihXUVU9GckhUH9ojPbNXFKPGlFgTLbu5mnkLC2P4nPc41ac+aPAHx50oOoIwKC14h4otYGKyyaCDjdJdz6KdOG+majy+MrZYJLhuasaMEy0MqF2bGkRhlBfJ2zWXieB5IYDoORcWjsi+fTiVC3TqF6k+gJqt4z4clv7hzMxigiykSFIpA5dPxJsNkA+bQuRkaWPega57tECl2VAxVV1ELlm2VRn8x9K13PEI45IonbDylhGMHzFVLMM9BsM70meIeF3BsTaSh5hHNaCKcHLunPjDFtO6SIuoFxsR5vUCwbhl197tA/4sUDSMJyVDaWidNEq93yRhlGCM5weoW3B/ElvcySxRtiWJmR428rDScFgO6n1H8KsZ7VHKF0VijakJAJVsEZU9jgkZHYmkK/t4UM8LLzb2S5klgWBsSpqC6XZ1/qUHQltiB0bOCzcNuLpHt7eZOaeSzT3I8iBwQFVVx5icnPTpnG+AF1NErqVYBlIwQQCCD1BB6ivY0CgAAAAYAGwAHQAdhVSOJ3HIkk+6PzA5VIeZHqddQUOW+FMjLYydhVxQFFFFAVW8b47BaIGnkC6tlUAszn0RFyzH2Aqs4lx2WWT7vYKrsGKzXDDMcGOoxkc2T9wHb82Ohk8F8OxWpaVmaa4bOu4mILkegIACIP2VAFBES8vrpjykS0hH55QJZifQRK2mPbB8xJ3HlqO/hOLOb27uLknOFeUxofULFFpB+W9X7IznVGdGer4+L5Kf4Mf4it1tAqflwxxljuT83O5+tBAs+AwoirDqjjxlUXygZ3OzDIJJJOe5Ne1biig9ooooKDxzdSR2biElZZWjhRh1DTOseoe4DE/SrLg/DUtoI4I/gjUKM7k46knuSdyfU1WeNnKQRyAZ5dxbvpG5IEqBsDudJJ+lS/EXGltIJbh8aI1z13LkgIoGO5IGc96DlPGIzrmgfLRRXjQONs/drxABjbI5ZEePTA9KZbfh8t1bghgbu0IiljfJVpIgAGKg+ZXXTIPmKW/CTNeNeCcq7XMds5YDHmIcMNIxgq8TLj92na8WS30cQUEuiLHexL5tcYGRIuPieMHUMdVLD0oIXCuMXEb/jqMKSekgAIVhrLMN8jSoGo99ickV1/x275Ep5IZkDSqg5gdBzVkVTjJ1YB2GNl7Y3er67jkSN42UhhzFkwWXQMHIONJY5AAJHUkdKofEJaS2VFOZJ3jiGNj5mHMJ9CqK5I7aSKDnfAWa5ureSzIW6UKWlZAFRVQrKJdLa5gcKASfzYyCAadOE+ObtvxpbZWt5MctYieZoGAZAG2kVjlgoIYDA3PXbcwiLidiVTUXN5kjAwjrHIM/ugtj5/OlfxXbyWFzdch+TEsYnjhmBeOVQCZuQ2SY3Vm2jGBv0xQdEPjCKWPVZqbqQadUSskboCQPxBKRoYE/CcHY1rsPG0DusE6yW87SNDypFJGsAHTzEzGcqykebfIpW4JMJL1FmtuTdIql32cGLIYjmJsd1UDXhhnp3pr4laQ3ULCUCVWuEZVbUMYZUJGkg4ADsKC6MATy4zEcDT+x6afRc9u3bapcaY/mfX3PvXPuH8bFshtLMxXojaXMRuQJgmtjpQFSJNIIAGoHGmnXgvFY7qFZoiSjZ6gqQQSGVlO4YEEEUE6iiigKK1R3ALFdww7EEZHqPUe4rbQFRlsYxKZtC80qFL430jcLnsM9qk0UBRRRQFFFFBrSBVLMFUFviIABPpk962UUUBRRXmaD2kO94vLxO4e0s3ZLaMgT3K7at944m9TuNQO2CfTMjx1xB5ZI+HQuVMoL3LpnVFbggMf3dfwg5z1+YbbK1SKNI4lCxooVVHQADAAoIcNhHbRoIQsUcahdHRSvYezZPXvnfOaxDSyNnShTPwMzKR/bGk5bv1xv3615NKXmjJB5SlsEkBSf2jnuDsvTqx32IsXiB3Gx9R6enuKDTE7jUzhQudgMkgerHod/QbCvDxFd9KswHQqMhvXGN8ds9M1sln07EbnYHsfn6DvWVvEAM5BY9W9f8A09BQaVSUjOY1z20M2PbOoZ/QUVMooCiiigUvG6/7Rwwn4ReDJ9zFKF/U7Uwca4elxBLBIMpIjKfqOo9x1+lU/wBoti01jJoBMkbRyxgZyXjdWCgjcE4K7b71acXtppYykUiR6lZTqQv1GNiHGMfI0HNfs9QvolY6ndYVLdwY5CrAn1LOzY9GFdHdHjbKrlfgI9j8B77KSVPsc/lpJ4LwCfhcKKY4ZSWAXRIw1SHURqDpjdgCSCPhUdBvdR+LJZIw0MMckhBCxrMrefIC6mGyqNS5/NudhjJDUtpBaIAfNa80vDEW0mKcZIgVdQ5is+rSm+ltsEY07+A3QuHlDoiy20nICqcqrMoZ3TYfkbT0GNL+tSbXw6yK1w5E9/pcrI2Qiuy4AjjzpRRsufiI6k1ReCeKWkTTi4uIzeljLOXIjIKqFddBwFCYI2yCDqB3OAz8Vzab+ycflEx69jJDHn3AVtXyBqZ9qvC4Z7EmXVmNlZNGNWT5SBnr5STj93PaqbxgxeSDiFvLA1rZiOTyDUTGS6zhWXOoBABp2AycmnPh9lCXSdW1Ly9Me5ZdDYIK5O2R37hqDn3EOIz3gjB4a5u1QolxHclIlzkE60IIHcqwzsPQVAtHvrkaIWlntREfx0txAxABWRIdZAZ2XKB9I6kDGSaafGPBIlaFIXmia5mSAiOQhdJVi7aOh0ohAHQD2GKd+HWKQRJDGulI1VFHoFGBQcgsOF2t7DHHGNDW5AwE5MkbL2kXOc+pBz3DdadvC/HUhjZLmBLPDkmRWzDIznJfmHBDEnfmAHPc1b8e8LwXXnYGOcDyTx+SRf7w+IdPK2RSpPFcwKY7+NJosf8AxEaFkI/8eIAlPXIBUb7jrQP86l1BjfSdiGADA/MHqp9iD6EVCkGWUyZjkGVV1YlDkjbfY5wNmGf2T3pA4RJLbBX4fMj27EH7vI+qIjvyZBnlH2+H1Ud3Hg/iuC4bkyBoJzsYJgAW/sHOmVfdSffFBbu3QSjHowzjPseqH/XAJraGK9csPXv9QOv0/StfJKDyeZf2D6fuk/5Hb3ArGHvyz06o2Rj29U/y9qCUjAjIORWVRoLhSxXGlzuVIwTjAyD0YdBkZxtUmgKKKKAooooCiiigK03VwsUbyN8KKzMfZQSf4Ct1LP2i3TJYyImdc+m3XHXMp0sR7hNR+lBF8BWzSme/lVhLcOQuc4ECHEQUdMdWyOuc1ccXvFtwq5IWQ6cAEsABluWF3JwDsOnXoDVjYwokaJHjQqqFx00gADGO2Kr1iaS55mF0xFkBJJOdIyVXGAcsRqydtQxvQSv6QjCrpywbIUIpbpgdh5cEgb4x3rZZgqp1AKMkgZHlXqAT0/TYdO1ePZLrMiALIRgtjqPRvX59dhWE0+cIw0ljvvsQOuD3zsN8HfpQboFz5yNz09l9Pmdifp6Vk0C9cYJ7jY/qK20UHiivKyooCiiigjcShZ4nVca8ZXPTUN1zjtkCldftIsgAJGeKXJUwtHIXDA404RSDk9MZz2pwZc1H4nciKKSVsYjRnOf3QT/KgQOMeNeZG8zWs8dvCylZJgIuY+SdAVtxuunJ3y/SlvgfjFIiHUSSMG/qwXcEBVDGMv0wEA64OoYx0E/wp4Nu7mzSZ7ySJ5nMrKRqJBA0ZbOSMYbBz17GrZ/CPE4l/Cu4ZvaQTxn/ABJJ8u1Bf2nji3KxGZZbYy7IJkKgnbADjK75GMkZFUP2g8XCSCN7W2vEcoFgfHO32JiADHSCM6iFwSdyNxquOGcQaMxz2YmUghgtyqoR/ZfLD9ahx8LnhH4XDIIlAwTNMjgDYb4ySKCvU2sLwNBNJEqXEUc1hLyzL+I2g8tyCzx+fcAsrKCMim7h3D7vhyrbRRPd2wDGJuZGrxbsRE2sjKYwFIzg7dMYW/s/vY7nixldF1G1zHsm2HAyqqMRZjKkLudL5JOa6pd2obcAavU6h9CVINBQ8I4ZPLc/ervlq0SlYYUYvy9YGt5GwA0hAA2GACeuc0z1qtYQihQFHrpGBnucfOttAUUUUClxnwQjOZ7RzazndtAzFJ/zYtgT+8MMPWk3iwCkW3EYuRuCkoy0JYHymOTA5bH0yjD1PWuv1ruIFkUo6qysMFWAII9wdjQc8s+MXlkAd7y2275lUeqt0lA22bBx+ZjThwziUF4gkiYg42OCjr7EMM/QjB9KX73wKYSX4dLyTuTBJqeBvYL8UfzU/Sqhr0CRYboSWVwQQp1LoY5G8MoGDv8AkOM53B2oOk26sFAchm33A0j22ycHHvW2kq28S3FswS5TnRZx94jGGX/mxdCPV0OPYU2cPv450EkLrIjdGUgj+Hf2oJNFFFAUUUUBXhNe1Bu5iY5+2kMB/gB/zNBrluWeKEjyNKY8jOcA+dhnHXSCPrS140vMcR4WjNiMNPKwwT5lj0x4xuTlyABuSw74prukw0IHQP8A/jkxSl4gtlPGbOU5JSJtgegJZASPQNIv+fagtyJMSSASRQBciPyqwbcu4wTt08m35j12OzgV4MkEjVI3sPxVQK6kDuQhceoJ6Yq0umyFU/mYD9PMf4Kaxl4bGZOaFCygY5gA1Y9CSNxQTK0KoYsSNvh9cjv/AB2+lapLto1JkXYDOpc4+o6r/Ee9b7YYQb52zn1zuT9TvQYmEr8B/uncfTuv029q8N0FHn8mM5J+Hbvq6Y+eKkVD4pEHj0EA6io+W43+YGSPcCg1W4aZRKsjKrjUoAHwn4eoznGCfeipRs4/2E/wr/pRQb6KKKApT+1Nj/Rk6q2kyGKLP/MljQj6hiKbKUvtSUNw9l7tLbBcddRniwRQMHCYtEYX0AwPQaVwB7Dp9Km1rjj0gD0AH6VsoNUzUpcWtTfzG0UkW6EfeWHRh/wFPdm/O3ZTpG5Jqy8RcUkz92td7h+r9oVP52/exnSvtk7Cq/jaC1tUsbYnnTBlBySwX/fSknctvgE/mdd+poFvwyVPFkuVXC3D3aIRjHLijgWPHsREzD2NdUrn18ggu+GooGFnMYA28v3VlO3p8JroNAUUUUBRRRQFFFFAVHv7GOdDHMiyI3VWAYH6GpFFAkcQ8N3NrhrF+dEOtrM24HpDMd1/suSKVbaRTK7Wzvw69GWeFvKHA2zJGy6JB+8u9dhqt41wOC6ULMgYrurjZ0PqjjdT8qBa4P43KYj4gghbOBOmWgf5sM8o/wBrA96dUcEAggg7gjcEe1c54xwO9td1xf2++pWROeo/gsw9gATVfwLirhGk4bKuAfPbSiQRqe40nJhPbytpznbrQdYopR4P47id+Tco1rPts5BjbOw0TDykE7DOCfSm0HNB7UG4TyTj1DEfVB/MGp1YlR6e1BF4icBG9JI/+o6P/upU8Q25bi9sNejVazhD++rxN0yNQxjKnY0yhS1vgbsmw92iO36lR+tK32hXQhm4bejBRJijHOPJOoUn9Bn6UFy3FZFmjjmibIDMskYLK5+HpuYzhujHqdiau4rpWOPMD6MrLn5EjB+lQZADIFIB8jYHY+ZM/wAqzaEspQH+6xPboVfcqQd870EyffSPVhn6eb/MD9awazAOUJQ9TjofmvQ/MYPvVNb8WdJlW4UKCGUOCSMkoFztgasbYJwTg0xCgjiR1+Jcj9pP5qdx9M1pa5V3jCtnBZiO4wpGCDuN2HWpxqFPCryrkA6Ubf01FcYPUfCelBMFe1EWwA2DyY/5jH+LEmigl0UUUBSZ9pT5FjFpLcy9hOB6R6nP12pzpB8cxJc8RsLR5JI9ppQ0ZAYSKAYjuD+y9A7mUkBkwykZ64yOxHY/XFemVuyHPuVA+uCT/CsIbYrvq777DB9yOgb3GM+le3BkByiqwx0ZiuD65CnI/wAsd6CJcSRWiPM+Bk5OkYLM3ZV7sT9T3O21fwPhzl3u7gYnk6J15UYzpQH5Ek+7Me4As/uAZ1llw7r8A30pnuoP5v3uvyqm4/x4QxmRgWhG2QfNNIThIIR+YserdMbb7lQqb5w3FbEHBGq4kzn4WMIWEH5pG74+VP8AXORwVrc2l1cY+9z30ckuncLzI5IliB/ZRGx+tdGoCiiigKKKKAooooCiiigKKKKApb8ReDobluchMFyPhnj2JPYSL0kX2P60yUUHK+LrdWgb79AJ7dlw09sDsDjIliY5C+4OP8q1cGR7dVm4XcBoTuYJmcxHPZW3MT+wONtxXWCKTuMeAoy5nsn+6Tnc6R+HJ7SRjA39Rg/Ogn+HvF0dwwhlU291jJgkI8370TfDKvuu/qBTHXIuNQLGoi4lbCHzApcRktFr3wyyDDwP8/1NWcXH721CFCb+EgAq2gS9T5kkXAk2xsy52+Kg6JDBpZyCcMQcehwAcfPApY8YeHzeWU9qAVZDrhPYkeZB/wByewwe9WXhrxTb3ykwsQ6/HE40yIemHQ9N+4yKu6BA8P8AHFY22FYrLatIOnldWRZo1HXysMle2ds4wGc3GwkU5/mKR+KWDW9+LdNhLK13aEnC8wowuYGP5Q/Ue8n67rTi7pPlz+DcH8NiBhZBgNbygdHBVtL9cgg5IGQYuOAStoXfXE2v2Qlcn5ncD3yexqztDtpUlGHYYwf7p2H0xSrw/iiC9kiY4k0ggE76cLpCn8w1azt69jtTJjPmXqN/l7/KglC4lGAwRs7ZBKn6KQR/1VFXiOiVi6SKCEX4C2D5j1j1ADzVoh4nHK0kaMpkjOJE6Mp9cHsfUbGq618RlvvSBC0sW4jYqrEaQAwycFTjIb9d+gMcHEQ41Doc9QR0OOh3Fe0nwX4ZQSJEPdSGyO35cj9Ca9oH6iiigKQOKcLjk4tLPr0TQQ2vJZmIXmSPcKFYDqrbLj97ben+kXj1ukV/I92StpdRwRq+rAWeB2kTWw3jz1U5xlSD1GQaW4qEUtMjx6d28pZfmHUEY+eD6gVSWXjA3Y/2G3kkBOOfKOVCMEajk+ZyN9lXrtkdapfFF/weOVmu5muHB1cnmSzqhzn+qB0J7aqhQeMLq9nhtbeNrC3lLokrRgudC6sIpwqbDHQ/Ogb/ABNxy3s01XkoJPwwrsX9AEzlvTc6fWquyPMkjvb9o4W3FrAzrpiB6uSSA8xGOnwjYd62f+7yFCJoXf72p1c+cmfWe4lRiAQf3dJHYiqW28TXdxBzP6OjkjZ3RmW4UIdDFWZo5IzjcE5Oe29Bt+0TjQFvgzwJLEyTxhJDI0jxsNC8sKNCsxGSSce4ya6JbSFkVmXSSoJU9iRuPp0rjbXAmZrKHhMST3EUqK8kkSqq4ZXYcqIYIIPYHIFdh4dCyRRox1MqKpPqQACf1oJFFFFAUUUUBRRRQFFFFAUUUUBRRRQFFFFBhLErKVYBlIwQQCCPQg9aTeJeCTGC3D5BCMljbP5oGJ3OlTkwknuu3tTrS9438Qfc7cld55SY4EHUuQTn+yoBYn296DlD8Us5pmWcG3u4y0fMjlI0spwdEoyvUEeYAdav/D/im8svLNqvrUY/ETDTRjPU4JEoxvsxON89qQ7XisdvPEZYtcSEpKshSTmI5/FZlC51n492O4FdH4j9nBj/ANp4VOULDVynIaNwdxpJB+mrPsRQXPiHk8YsmNjMjzxMssLA4ZJUOVDA7pnddx3z2qFbzRXcDSsm0uRPFgjEke0h0jdZFK7qDny6hnqedXszQzh5BJw/iC/n04jk/tFNmU9zhh7nFWE3ie5tpkuZoFIfAuGgOYp1/JJj/dzrthujAAZGNgn8RjBeNJZCyJqWG8AzpLBSsbn4X2GCT5WyQcNVgJC+mC5JhmDZikVmCOwzhoXzqjfB/qyT16MK9lRJofvVnIJrV3ZpIXAGGOz9R5CcnIO2TnfOajwJs0aKJIhtJay41pn9ktsR1wCSPRsCgk3c7ZX72pjmjyI7+HT0/wDEGMJ7hhoPtUO44hrLCePnYIYXUGrbKqMgR5dMgDOkkete2kzgHkSNKq/FbzZEiegVm3xscBs57NVCiATsVjljxljyRiRBnJ1wkEOMMBlAc4oGWDU6ho7gMh6HCHptucDcHb6V5U214pAygrISN9zFLnrgg+Ubg7dO1e0HTaKKKAqJxXh0dxE0UyCRGxlW6HBBGfqKl0UCV9n9mv3CAiKOP4w4SNRqKswGSck4x88gb4BBk8TtFN7YDGSGnlHsFi0/pqddqPC1u4triNCBLFNdRqD8KlpHdDj3Dod81K4dFE184VmZraEIQcne4bWxLHqx5a7ds+hFAxUl+BoRFayQsRqhuZ4zvg5Z9Sde7K64+dOlJnHrc2d7Heozcm4aO3uI/wAupvLFNj1B0qT6GgyuIFHFLJwNLGK51LkHBCwYB0kgHSe21ONK/iABL/h0hONTzRH4RktCxXJO/VAKaKAooooCiiigKKKKAooooCiiigKKKKAoryvaDF3ABJIAAySdsAdSa4rxjjJvZpr0ajGmqG2GwAXI1yb9CxHX0wO1OX2n8UYrHw+FsS3OdZ/YhX4yfn8PuNVI3ErEQKsaSOqquNJEz+v7C4HrQKfEbnIIJA/vg+vYOK6d9ivigyxmylOTEMwscZdASGXqc6Dj+6R6UjtBK3wtKeu3Jn//AJGq+ymltZ47jEmuN1ZAVkA64dW1qoAZSVyPWg+jOMcJhuomhnQOjDBB7e6kbqR2I3Fcw4p9mtxZ6pOHSmVNybaXTuD2BOFb64PuT16lwy+SeGOaM5SRQ6n2Iz+tbhMv7Q/UUHzrFIMyLEws7g/1ttKv4TlempHB0kdRgemKarLi0M4SC6zBdgbEnTqx0Mcw8jg/sk+oxXSPEfhW1v1xPGGYfDIvldfk43x7HI9q5p4g8A3FtGU5ZvrT0G08Y/dA2f6foBQS77hjgrzg7Yxomj2Zf7QPmH906TncAVV8Sh5u5kScpg5wYJ0282SuMHG/Renel2w4lNaEtaT8+DfKOGZo8bYlgzqUg580ZwfpTTDx6O4jR7rhy3AI8s1pICR6gB9EinbBGe1A58PgkSJFL6yFALE51bdc43oqp4Z4i4YkSrznh05AifmKygEgBhg4OMH60UHTKKx1VomvkTOo4x6g/wClBJoqj/8Aau2OArM+dhpUtnfG2KwvvEULRMInRpSHUIWKEFQxYvjzIgAJJxnbbcgUFB4d8SWsd1xBpLiFFkuVVAXAzohjRiMnGNSkZ9qu/B1oqm7mUqRPcyOpU5BVQEBB75IY/Wkg+HbUsS1pPIgfzqGiTJYsoKqmlt5MKFZ/KFbIGMm+8P2L8L5mi2lFvIdZTnRyco+VRpLacZzuPNjGdRxigfKS/tU4oIrTllWPOOkMBnQVIcMfqPn37Gsrrx/Gj8vQuskqEM0YbUDgrjsQdj7iqri/jaEzJFLylEsEqFueqhCxAOGZQpYqV646ehzQR+KeJjxKW3tLd7dXVo5ndzrVXTSwCBtJlOs4CgAnS2dIAy7Px1YtfPAQRjMkoIMajBIyxwQxx8GCfMvUHNIN3bWH3dY1tzcziPRHJmIjWFwjSSRyaAS2Nwe9UPA+HTQ3ET39pJIkcUSIpKaAE1byb6XfJcgHu2/XNB2WLjdu0ayieLlsAwbWoBB6Hc1NilDKGUhlYAgg5BB3BBHUYrm//thwdZGunt1juQAVZoRqcgafw3UHoQVzt0pf8G+Jbh5p3tyxEmp3h8zqkkkpOpM4woTGQNsn3oO10UnLfTE+Z5Bt0Bjznv1A/SsLi9uF3WRj6Apn+KOR/CgdK8JpPteLXRGBh2GcqMkj/pBrdbXdwzHMRCjr5Dt/HegZnuFHVhWH3tfX+I/1qrWzkJxqycZ6FMfqpGfbNSbfh251F+3XRg/LG9BnNxMLvjPyx/rUCTxPGOoH+If6VcC0T0/zo+5p+wn+EUFGfFaZ+A/PUKJPEAP+7Jz6TAfzq3bhsX/Dj/wLWH9Fp2WMf3D/APtQU78dftC3/nLUe/8AEMiI0jBo1UFicxsABuScjfb0NXM3BFbYiMe4jyfpqYj9Qa1cZ8Mx3ELwlnjRxpOgRg49AShwKDmdnzb55LxvK84ATChtEK/AuD+18R+dQeK8G5fxtLgnqBCoPt5pF+XSnmD7KrRBhZrwEdCJyuPYBQBj6VtX7MrYHJuL0n3uZB/24oOZ6YgMAyn+9afznNVN/bxMNlGPXNpn/wCqa68/2U2L7ubnVnc/eZWJ9Mk1ifsns/yy3a/Kcn/MGgQPs/8AEdxbma1jYPrBkijLxsQf95o0nAP5ggx+Y08f0reEfhqMjY5TUc/Q1uh+yyBZYZPvV2eS4dVZ4yM53GRGG3Gx3705SWAwQrume6lT/wB4NAgO15LkMxX3AkX9ASu3vmty8HvsBRJPk/m1SLj/AOZgV0KOMKMD/wBT8z3NZ0HKOIfZncXLa5ZU5n/FGVkPb41BzjHcd6t+B+BmiXRoRMfmDux3Jz2H6fKugUUC5beE0CgM7E9zt/MZopjooPCKhPwmEgKUGBuB6H13717RQUreB7YOZI0WNmyHKogLA7nOkDJyOrau/rVb4s8EIwW4tIY2uo3VgGZkDjcEMVI3GcjftjvRRQUV3FxgFz92i8zqdKzAbhzJqQltiGJI1ZHm6HAAsX4Pxe+Ci4mitYlZX0J53YrgjWyaVIzvgED2oooJdx9nMbQxoJWSSNSokjVQzA5yrF9eQTudq28P8EJFEIlihAHUHLZPcklRknA3wKKKCon+y6NpXYxwlGHlQLoKMO4ZMEj2/jRL9lluSPwT/wCaWA9T5jq/jRRQbLf7KYAclU67AgEAdxg5z8zTHw/wfHAMRME9ljjHuRkKDjNFFBZ/0a3/ABM/ML/IVp/ohs/FHj+w306OKKKCySHAAB6DHr/nv/Gt1FFAUUUUBRRRQFFFFAUUUUBRRRQFFFFAUUUUBRRRQFFFFAUUUUH/2Q=="/>
+          <p:cNvSpPr>
+            <a:spLocks noChangeAspect="1" noChangeArrowheads="1"/>
+          </p:cNvSpPr>
+          <p:nvPr/>
+        </p:nvSpPr>
+        <p:spPr bwMode="auto">
+          <a:xfrm>
+            <a:off x="1679575" y="-144463"/>
+            <a:ext cx="304800" cy="304801"/>
+          </a:xfrm>
+          <a:prstGeom prst="rect">
+            <a:avLst/>
+          </a:prstGeom>
+          <a:noFill/>
+          <a:extLst>
+            <a:ext uri="{909E8E84-426E-40DD-AFC4-6F175D3DCCD1}">
+              <a14:hiddenFill xmlns:a14="http://schemas.microsoft.com/office/drawing/2010/main">
+                <a:solidFill>
+                  <a:srgbClr val="FFFFFF"/>
+                </a:solidFill>
+              </a14:hiddenFill>
+            </a:ext>
+          </a:extLst>
+        </p:spPr>
+        <p:txBody>
+          <a:bodyPr vert="horz" wrap="square" lIns="91440" tIns="45720" rIns="91440" bIns="45720" numCol="1" anchor="t" anchorCtr="0" compatLnSpc="1">
+            <a:prstTxWarp prst="textNoShape">
+              <a:avLst/>
+            </a:prstTxWarp>
+          </a:bodyPr>
+          <a:lstStyle/>
+          <a:p>
+            <a:endParaRPr lang="zh-CN" altLang="en-US">
+              <a:solidFill>
+                <a:prstClr val="black"/>
+              </a:solidFill>
+            </a:endParaRPr>
+          </a:p>
+        </p:txBody>
+      </p:sp>
+      <p:sp>
+        <p:nvSpPr>
+          <p:cNvPr id="7" name="AutoShape 4" descr="data:image/jpeg;base64,/9j/4AAQSkZJRgABAQAAAQABAAD/2wCEAAkGBxQSEhUTExQVFhQXGRgYGRcYGBUYHxscGhwYHBgbGRoZHSggGRwmHRoaITEhJSksLi4uGh80ODMtNygtLi0BCgoKBQUFDgUFDisZExkrKysrKysrKysrKysrKysrKysrKysrKysrKysrKysrKysrKysrKysrKysrKysrKysrK//AABEIALcBEwMBIgACEQEDEQH/xAAcAAACAgMBAQAAAAAAAAAAAAAABgQFAgMHAQj/xABIEAACAQMCBAQDBQQHBgMJAAABAgMABBESIQUTMUEGIlFhMnGBBxQjQpFSYqHBFTNygpKx0SRDU3OismOT4RYXNKOzwsPS0//EABQBAQAAAAAAAAAAAAAAAAAAAAD/xAAUEQEAAAAAAAAAAAAAAAAAAAAA/9oADAMBAAIRAxEAPwDuNFFFAUUV4zYGf8qDGWQKpZjgAEk+gHWl/hPiSW5YmK0k5OSFmkZY1cDuFP4g82R8PTfPaqLwtAvFGnu52lMbuEjt+YVREjPlJVW3csCTqGxyBnFMXBdUc8sJZAgC6EHNLYA2Ys2wUjAAXYFT3zQQ+ItxCOLChZWxnUu2SXyBtgqAvl2U56kjrVpwDjAnQLJpS4ChpIfMGTOQDpcBtJx1xj0JrGfj0as66idJwCsU7rkfEC6KV1Z20g5B267VE8XWSPbs5ljt7gAcq4JCFWXLKuo7lTg5XuC21Ax0VScB40ZW5MgAnSNWkwQQcllLAAnSpKHAY5/TNXdAVUcc8RwWpjSQs0spxHFGpeR/UhR+Ud2OAPWpPG7t4YJZI05jopYLvvj2G5wN8Dc4x3pfspmt150cD3nMRZXu1kgBkyM7K7DSgHRRsAe5yaBuopNfjsl1DZTBJbYTXMYUFkJeMxuwJ0k+UjsfStc3GLpAnDwSb4uFExUYMA3a5IxpzpGgr+2fQg0DtRXP/wCnpbm7chbporWUqIbcIpZlyNU7SOrFT1CAYI6k09XMwWNnI2CliPYDJoMxIMasjT1zkYx86yRgQCCCDuCN8j2rlvD+HXn9HxcNjACXEHMWbScRIy6poWxtq1sFU7eVz3Te7v8AxT904ZbSwQnzxoi+XyQkKFPN0nYKQRjuQRkUDxRS14J1LGyMlzknmNNPoHNdyS2hVdiijAwuAAMdd6keMLx1g5UOTPP+HGowDuMyMNRAGlNRyds49aC4trhZFDoyujDKspDAj1BGxFauKX6W8Mk8hISNWdiAScKMnAHWlrwoz2jfdpYTDA7H7tqkWTScZaJmXYEnUy7nbUOwzZeORmwuQehjI/XA/nQXcbhgCOhAI+tRI+LwHmASx/hMEk8w8jtjSrehOoDHqcVTeNJLgwcqzwZOsipIqS8oDzCIsCFYnA1EbZ23xVXwLhpubJ7YQ20VrJG6fhSStIsu39YHjU6w2SxY6gy0DpcXSR6dbKupgi6iBlj0UZ6k46Vhf38cCa5pFjTIGpyFGScAZPqaTvCrScQmFzcKALPMCJnKm5Xy3EvuAfIp7ZY9TtUpa31xfH709rFOhLW8cqSyxhf24AHRZH9WbLL+yoIoH+fjcCXC2zuEldQyBsqH3IwjHZmGN1ByMj1qxrnP2gQSyXcSRxxTS/dJsxuAcgyQ6jGpYDmAKSuWHQ700eC5ozaoiTyTmMaXM20qnrpkUgFSAcYO+MbnrQX1FFFAUUUUBRRRQFFFFAUUUUBWm7uBGjO2dKgk6VZzt6KoLN8gK3Vi4yCAce/p770CJ4Pk5VlGX0wiWWSQMzlHYmXUCygAYK52PQAA9cBjsZFnmZxg8vK6lYsvU6SCMA5UnIOcH9Tz3hXDZHRLR5JIJleQtIzKHkVZLjmMFlyrofwCVI0lc+lP3g2JI7RAp8vmOcBRlmLEKBsoBJUDtpoPHuZFuVtorcrCBraQ4VDknIQqTl85OkgdCe9SeK8SW20akkcO6oNIU7scDYn6/LJ7GveJcVhiYlhqeNSzaQCY1xnLsdkBxgZO/wBDiDJxIXFu7Boi8TxyMsMnOKiN1cg6QDqKqwwBv2zQRvANtFpuJ0Vkd55VkjOFCGN2ULpUlchcebO+c96bKXvCjxF7zktqBuNZONsyQwPse4wRTDQFL1/4UjkAjV5I4GfXLCpOmTqdG5/DQtuypgNvnqaYa0Xs5jjdwrOVUkIu5YgbKPc9KCFMltK625KmSAxyiNW0lMZEbYUjy9RjpUsJFqM3k1adBk22VSSQT2AOc0ncL4fcWdwLu6eLE5McxXXsXbMJZmONCHEQAA2fJzWvg9ncW8V1ywZYzcXQe3I8yh5HKvAT8WVZWKN8Wcgg7ELvjlxw/MUlxJGhkH4U4Zo8jY+WdCMA7EDVvVu8CTQGMOWR0Ka1YEkEadQbfJ96SYbKRbDhCciWRomiLxhcEaIZF82shUGsr8RH16VeeG+BSxzPcPy4A4I+6wf1Y3zrdiBql9SqqN/zdaBgtLcRxpGCSEVVBPXCgDJ/SoPA7VFSTlyLJDJI8iacEKHOXUEEhhzNZ/vY7VXeMr2QqtnbEfebgMAc45cY/rJCd8dQoOD5mHpVZ4W4fPYTCMwolpNhVSKSWflyqvxtmNdCuq7npqA/aNBfXbw8Nt5JVjflKQzKhLBAcAlEZsKg6lV98DNZ2/FLWZTcqytyVclipDxAgFwVI1pkKCQRvgVo8djPDrrPTkuT8gN/4VUcU4HLonvJ3LzciSOOK3QhQrqQAR8c5yQfNsMZAFA1pyriNHwskbaJEJGRsQ6MAehBwQeoIqJb3ttfRzRqVlRWaGVSD8Q2YEHG3uNvQ1R2fEJWsEgtopkuBFHEDJDLGqNhVZyzrghd22znFQOD8HubC5hYRwrBIq28gieV2LDU0czh0G+cgnPRt+goLlYuHWNxGkUEaXMvlAiiBk0kjLOVGVjyBljttVhxO5trISXUnkL6Q2nJMjDZAqD45D02GSAOw2pvD9vLYsyzwc1pHybyEM5ckjHORiXjx0GnUgA/L0qq8ReFLpboXiTTXCjPkHIEsef+BzE5ftgBW9zQdCiYEAgEZGdxg7+oPQ1X8SmtHzFO0DYIJSQxnB6qdLdD6Vv4TaGKMKZJZDudUpUtvvglQBtVF4zsYpZbFHjRtd0uSVU5CRSvpOexKjaguoxbs5uVMbOqFDKCpwmdRUsDsO9YzcKhlljucHmKPLIjsupTvhtJxIvs2R6Up+IbCGKYRzIltw18FjCoRZZNtrpkAMaY2HZt8sNgbLwMxBmSHUbFWH3Z2yOueYked2hU40sfUgZAFA10UUUBRRRQFFFFB5RQrZ6b0UHtFFFAUUUu8b8UiJ2hggnuJwPhjjYorEZAklOEXqCRnOD03FAqfaIg/pKz5XMFwyNqbWqARA4AUsQA3MKnHfptmt/hzijRSW9k8UoGplw5QnYLIjZU48oGCB1zq382KXxHxS6jZUuZWMsTrKJUFuIwC4GpFMfMCIGTPnyQx697aytSdcLwtq/EBDY5UasdRlMmgaiW84UY7DA07AxW3Cpred5gDOsikGPWAY2LFnKhyFcNkAliCAigZGwhzcL5k+prSYOwSNiJEjVY1YkkSRPqIw5ymN9OMd6vY7acE4mypIZdagNjY6SFA7jHbAzsSciBZ8KdHA14OxZxpDSpgjQXUBtSkLjc41dewCjsboW/EBEJWXmMysAuqJSh/CjwD+FmMhQemU7EkV0KuZ8AmupuKvGxJgjVvOdAYrIYpYgy5ySrAgEdMnOOldMoCiitNzdJGAXdUBOkFiBknOAM99jQbHQEYIBB7HesqjNcnJGg5zsCQNQ7lSMgn2OD8q3o4IyKDKiiig80jOcb+te0UUHjKCMHcVUcR8QxQyCBVkmm2JihXUVU9GckhUH9ojPbNXFKPGlFgTLbu5mnkLC2P4nPc41ac+aPAHx50oOoIwKC14h4otYGKyyaCDjdJdz6KdOG+majy+MrZYJLhuasaMEy0MqF2bGkRhlBfJ2zWXieB5IYDoORcWjsi+fTiVC3TqF6k+gJqt4z4clv7hzMxigiykSFIpA5dPxJsNkA+bQuRkaWPega57tECl2VAxVV1ELlm2VRn8x9K13PEI45IonbDylhGMHzFVLMM9BsM70meIeF3BsTaSh5hHNaCKcHLunPjDFtO6SIuoFxsR5vUCwbhl197tA/4sUDSMJyVDaWidNEq93yRhlGCM5weoW3B/ElvcySxRtiWJmR428rDScFgO6n1H8KsZ7VHKF0VijakJAJVsEZU9jgkZHYmkK/t4UM8LLzb2S5klgWBsSpqC6XZ1/qUHQltiB0bOCzcNuLpHt7eZOaeSzT3I8iBwQFVVx5icnPTpnG+AF1NErqVYBlIwQQCCD1BB6ivY0CgAAAAYAGwAHQAdhVSOJ3HIkk+6PzA5VIeZHqddQUOW+FMjLYydhVxQFFFFAVW8b47BaIGnkC6tlUAszn0RFyzH2Aqs4lx2WWT7vYKrsGKzXDDMcGOoxkc2T9wHb82Ohk8F8OxWpaVmaa4bOu4mILkegIACIP2VAFBES8vrpjykS0hH55QJZifQRK2mPbB8xJ3HlqO/hOLOb27uLknOFeUxofULFFpB+W9X7IznVGdGer4+L5Kf4Mf4it1tAqflwxxljuT83O5+tBAs+AwoirDqjjxlUXygZ3OzDIJJJOe5Ne1biig9ooooKDxzdSR2biElZZWjhRh1DTOseoe4DE/SrLg/DUtoI4I/gjUKM7k46knuSdyfU1WeNnKQRyAZ5dxbvpG5IEqBsDudJJ+lS/EXGltIJbh8aI1z13LkgIoGO5IGc96DlPGIzrmgfLRRXjQONs/drxABjbI5ZEePTA9KZbfh8t1bghgbu0IiljfJVpIgAGKg+ZXXTIPmKW/CTNeNeCcq7XMds5YDHmIcMNIxgq8TLj92na8WS30cQUEuiLHexL5tcYGRIuPieMHUMdVLD0oIXCuMXEb/jqMKSekgAIVhrLMN8jSoGo99ickV1/x275Ep5IZkDSqg5gdBzVkVTjJ1YB2GNl7Y3er67jkSN42UhhzFkwWXQMHIONJY5AAJHUkdKofEJaS2VFOZJ3jiGNj5mHMJ9CqK5I7aSKDnfAWa5ureSzIW6UKWlZAFRVQrKJdLa5gcKASfzYyCAadOE+ObtvxpbZWt5MctYieZoGAZAG2kVjlgoIYDA3PXbcwiLidiVTUXN5kjAwjrHIM/ugtj5/OlfxXbyWFzdch+TEsYnjhmBeOVQCZuQ2SY3Vm2jGBv0xQdEPjCKWPVZqbqQadUSskboCQPxBKRoYE/CcHY1rsPG0DusE6yW87SNDypFJGsAHTzEzGcqykebfIpW4JMJL1FmtuTdIql32cGLIYjmJsd1UDXhhnp3pr4laQ3ULCUCVWuEZVbUMYZUJGkg4ADsKC6MATy4zEcDT+x6afRc9u3bapcaY/mfX3PvXPuH8bFshtLMxXojaXMRuQJgmtjpQFSJNIIAGoHGmnXgvFY7qFZoiSjZ6gqQQSGVlO4YEEEUE6iiigKK1R3ALFdww7EEZHqPUe4rbQFRlsYxKZtC80qFL430jcLnsM9qk0UBRRRQFFFFBrSBVLMFUFviIABPpk962UUUBRRXmaD2kO94vLxO4e0s3ZLaMgT3K7at944m9TuNQO2CfTMjx1xB5ZI+HQuVMoL3LpnVFbggMf3dfwg5z1+YbbK1SKNI4lCxooVVHQADAAoIcNhHbRoIQsUcahdHRSvYezZPXvnfOaxDSyNnShTPwMzKR/bGk5bv1xv3615NKXmjJB5SlsEkBSf2jnuDsvTqx32IsXiB3Gx9R6enuKDTE7jUzhQudgMkgerHod/QbCvDxFd9KswHQqMhvXGN8ds9M1sln07EbnYHsfn6DvWVvEAM5BY9W9f8A09BQaVSUjOY1z20M2PbOoZ/QUVMooCiiigUvG6/7Rwwn4ReDJ9zFKF/U7Uwca4elxBLBIMpIjKfqOo9x1+lU/wBoti01jJoBMkbRyxgZyXjdWCgjcE4K7b71acXtppYykUiR6lZTqQv1GNiHGMfI0HNfs9QvolY6ndYVLdwY5CrAn1LOzY9GFdHdHjbKrlfgI9j8B77KSVPsc/lpJ4LwCfhcKKY4ZSWAXRIw1SHURqDpjdgCSCPhUdBvdR+LJZIw0MMckhBCxrMrefIC6mGyqNS5/NudhjJDUtpBaIAfNa80vDEW0mKcZIgVdQ5is+rSm+ltsEY07+A3QuHlDoiy20nICqcqrMoZ3TYfkbT0GNL+tSbXw6yK1w5E9/pcrI2Qiuy4AjjzpRRsufiI6k1ReCeKWkTTi4uIzeljLOXIjIKqFddBwFCYI2yCDqB3OAz8Vzab+ycflEx69jJDHn3AVtXyBqZ9qvC4Z7EmXVmNlZNGNWT5SBnr5STj93PaqbxgxeSDiFvLA1rZiOTyDUTGS6zhWXOoBABp2AycmnPh9lCXSdW1Ly9Me5ZdDYIK5O2R37hqDn3EOIz3gjB4a5u1QolxHclIlzkE60IIHcqwzsPQVAtHvrkaIWlntREfx0txAxABWRIdZAZ2XKB9I6kDGSaafGPBIlaFIXmia5mSAiOQhdJVi7aOh0ohAHQD2GKd+HWKQRJDGulI1VFHoFGBQcgsOF2t7DHHGNDW5AwE5MkbL2kXOc+pBz3DdadvC/HUhjZLmBLPDkmRWzDIznJfmHBDEnfmAHPc1b8e8LwXXnYGOcDyTx+SRf7w+IdPK2RSpPFcwKY7+NJosf8AxEaFkI/8eIAlPXIBUb7jrQP86l1BjfSdiGADA/MHqp9iD6EVCkGWUyZjkGVV1YlDkjbfY5wNmGf2T3pA4RJLbBX4fMj27EH7vI+qIjvyZBnlH2+H1Ud3Hg/iuC4bkyBoJzsYJgAW/sHOmVfdSffFBbu3QSjHowzjPseqH/XAJraGK9csPXv9QOv0/StfJKDyeZf2D6fuk/5Hb3ArGHvyz06o2Rj29U/y9qCUjAjIORWVRoLhSxXGlzuVIwTjAyD0YdBkZxtUmgKKKKAooooCiiigK03VwsUbyN8KKzMfZQSf4Ct1LP2i3TJYyImdc+m3XHXMp0sR7hNR+lBF8BWzSme/lVhLcOQuc4ECHEQUdMdWyOuc1ccXvFtwq5IWQ6cAEsABluWF3JwDsOnXoDVjYwokaJHjQqqFx00gADGO2Kr1iaS55mF0xFkBJJOdIyVXGAcsRqydtQxvQSv6QjCrpywbIUIpbpgdh5cEgb4x3rZZgqp1AKMkgZHlXqAT0/TYdO1ePZLrMiALIRgtjqPRvX59dhWE0+cIw0ljvvsQOuD3zsN8HfpQboFz5yNz09l9Pmdifp6Vk0C9cYJ7jY/qK20UHiivKyooCiiigjcShZ4nVca8ZXPTUN1zjtkCldftIsgAJGeKXJUwtHIXDA404RSDk9MZz2pwZc1H4nciKKSVsYjRnOf3QT/KgQOMeNeZG8zWs8dvCylZJgIuY+SdAVtxuunJ3y/SlvgfjFIiHUSSMG/qwXcEBVDGMv0wEA64OoYx0E/wp4Nu7mzSZ7ySJ5nMrKRqJBA0ZbOSMYbBz17GrZ/CPE4l/Cu4ZvaQTxn/ABJJ8u1Bf2nji3KxGZZbYy7IJkKgnbADjK75GMkZFUP2g8XCSCN7W2vEcoFgfHO32JiADHSCM6iFwSdyNxquOGcQaMxz2YmUghgtyqoR/ZfLD9ahx8LnhH4XDIIlAwTNMjgDYb4ySKCvU2sLwNBNJEqXEUc1hLyzL+I2g8tyCzx+fcAsrKCMim7h3D7vhyrbRRPd2wDGJuZGrxbsRE2sjKYwFIzg7dMYW/s/vY7nixldF1G1zHsm2HAyqqMRZjKkLudL5JOa6pd2obcAavU6h9CVINBQ8I4ZPLc/ervlq0SlYYUYvy9YGt5GwA0hAA2GACeuc0z1qtYQihQFHrpGBnucfOttAUUUUClxnwQjOZ7RzazndtAzFJ/zYtgT+8MMPWk3iwCkW3EYuRuCkoy0JYHymOTA5bH0yjD1PWuv1ruIFkUo6qysMFWAII9wdjQc8s+MXlkAd7y2275lUeqt0lA22bBx+ZjThwziUF4gkiYg42OCjr7EMM/QjB9KX73wKYSX4dLyTuTBJqeBvYL8UfzU/Sqhr0CRYboSWVwQQp1LoY5G8MoGDv8AkOM53B2oOk26sFAchm33A0j22ycHHvW2kq28S3FswS5TnRZx94jGGX/mxdCPV0OPYU2cPv450EkLrIjdGUgj+Hf2oJNFFFAUUUUBXhNe1Bu5iY5+2kMB/gB/zNBrluWeKEjyNKY8jOcA+dhnHXSCPrS140vMcR4WjNiMNPKwwT5lj0x4xuTlyABuSw74prukw0IHQP8A/jkxSl4gtlPGbOU5JSJtgegJZASPQNIv+fagtyJMSSASRQBciPyqwbcu4wTt08m35j12OzgV4MkEjVI3sPxVQK6kDuQhceoJ6Yq0umyFU/mYD9PMf4Kaxl4bGZOaFCygY5gA1Y9CSNxQTK0KoYsSNvh9cjv/AB2+lapLto1JkXYDOpc4+o6r/Ee9b7YYQb52zn1zuT9TvQYmEr8B/uncfTuv029q8N0FHn8mM5J+Hbvq6Y+eKkVD4pEHj0EA6io+W43+YGSPcCg1W4aZRKsjKrjUoAHwn4eoznGCfeipRs4/2E/wr/pRQb6KKKApT+1Nj/Rk6q2kyGKLP/MljQj6hiKbKUvtSUNw9l7tLbBcddRniwRQMHCYtEYX0AwPQaVwB7Dp9Km1rjj0gD0AH6VsoNUzUpcWtTfzG0UkW6EfeWHRh/wFPdm/O3ZTpG5Jqy8RcUkz92td7h+r9oVP52/exnSvtk7Cq/jaC1tUsbYnnTBlBySwX/fSknctvgE/mdd+poFvwyVPFkuVXC3D3aIRjHLijgWPHsREzD2NdUrn18ggu+GooGFnMYA28v3VlO3p8JroNAUUUUBRRRQFFFFAVHv7GOdDHMiyI3VWAYH6GpFFAkcQ8N3NrhrF+dEOtrM24HpDMd1/suSKVbaRTK7Wzvw69GWeFvKHA2zJGy6JB+8u9dhqt41wOC6ULMgYrurjZ0PqjjdT8qBa4P43KYj4gghbOBOmWgf5sM8o/wBrA96dUcEAggg7gjcEe1c54xwO9td1xf2++pWROeo/gsw9gATVfwLirhGk4bKuAfPbSiQRqe40nJhPbytpznbrQdYopR4P47id+Tco1rPts5BjbOw0TDykE7DOCfSm0HNB7UG4TyTj1DEfVB/MGp1YlR6e1BF4icBG9JI/+o6P/upU8Q25bi9sNejVazhD++rxN0yNQxjKnY0yhS1vgbsmw92iO36lR+tK32hXQhm4bejBRJijHOPJOoUn9Bn6UFy3FZFmjjmibIDMskYLK5+HpuYzhujHqdiau4rpWOPMD6MrLn5EjB+lQZADIFIB8jYHY+ZM/wAqzaEspQH+6xPboVfcqQd870EyffSPVhn6eb/MD9awazAOUJQ9TjofmvQ/MYPvVNb8WdJlW4UKCGUOCSMkoFztgasbYJwTg0xCgjiR1+Jcj9pP5qdx9M1pa5V3jCtnBZiO4wpGCDuN2HWpxqFPCryrkA6Ubf01FcYPUfCelBMFe1EWwA2DyY/5jH+LEmigl0UUUBSZ9pT5FjFpLcy9hOB6R6nP12pzpB8cxJc8RsLR5JI9ppQ0ZAYSKAYjuD+y9A7mUkBkwykZ64yOxHY/XFemVuyHPuVA+uCT/CsIbYrvq777DB9yOgb3GM+le3BkByiqwx0ZiuD65CnI/wAsd6CJcSRWiPM+Bk5OkYLM3ZV7sT9T3O21fwPhzl3u7gYnk6J15UYzpQH5Ek+7Me4As/uAZ1llw7r8A30pnuoP5v3uvyqm4/x4QxmRgWhG2QfNNIThIIR+YserdMbb7lQqb5w3FbEHBGq4kzn4WMIWEH5pG74+VP8AXORwVrc2l1cY+9z30ckuncLzI5IliB/ZRGx+tdGoCiiigKKKKAooooCiiigKKKKApb8ReDobluchMFyPhnj2JPYSL0kX2P60yUUHK+LrdWgb79AJ7dlw09sDsDjIliY5C+4OP8q1cGR7dVm4XcBoTuYJmcxHPZW3MT+wONtxXWCKTuMeAoy5nsn+6Tnc6R+HJ7SRjA39Rg/Ogn+HvF0dwwhlU291jJgkI8370TfDKvuu/qBTHXIuNQLGoi4lbCHzApcRktFr3wyyDDwP8/1NWcXH721CFCb+EgAq2gS9T5kkXAk2xsy52+Kg6JDBpZyCcMQcehwAcfPApY8YeHzeWU9qAVZDrhPYkeZB/wByewwe9WXhrxTb3ykwsQ6/HE40yIemHQ9N+4yKu6BA8P8AHFY22FYrLatIOnldWRZo1HXysMle2ds4wGc3GwkU5/mKR+KWDW9+LdNhLK13aEnC8wowuYGP5Q/Ue8n67rTi7pPlz+DcH8NiBhZBgNbygdHBVtL9cgg5IGQYuOAStoXfXE2v2Qlcn5ncD3yexqztDtpUlGHYYwf7p2H0xSrw/iiC9kiY4k0ggE76cLpCn8w1azt69jtTJjPmXqN/l7/KglC4lGAwRs7ZBKn6KQR/1VFXiOiVi6SKCEX4C2D5j1j1ADzVoh4nHK0kaMpkjOJE6Mp9cHsfUbGq618RlvvSBC0sW4jYqrEaQAwycFTjIb9d+gMcHEQ41Doc9QR0OOh3Fe0nwX4ZQSJEPdSGyO35cj9Ca9oH6iiigKQOKcLjk4tLPr0TQQ2vJZmIXmSPcKFYDqrbLj97ben+kXj1ukV/I92StpdRwRq+rAWeB2kTWw3jz1U5xlSD1GQaW4qEUtMjx6d28pZfmHUEY+eD6gVSWXjA3Y/2G3kkBOOfKOVCMEajk+ZyN9lXrtkdapfFF/weOVmu5muHB1cnmSzqhzn+qB0J7aqhQeMLq9nhtbeNrC3lLokrRgudC6sIpwqbDHQ/Ogb/ABNxy3s01XkoJPwwrsX9AEzlvTc6fWquyPMkjvb9o4W3FrAzrpiB6uSSA8xGOnwjYd62f+7yFCJoXf72p1c+cmfWe4lRiAQf3dJHYiqW28TXdxBzP6OjkjZ3RmW4UIdDFWZo5IzjcE5Oe29Bt+0TjQFvgzwJLEyTxhJDI0jxsNC8sKNCsxGSSce4ya6JbSFkVmXSSoJU9iRuPp0rjbXAmZrKHhMST3EUqK8kkSqq4ZXYcqIYIIPYHIFdh4dCyRRox1MqKpPqQACf1oJFFFFAUUUUBRRRQFFFFAUUUUBRRRQFFFFBhLErKVYBlIwQQCCPQg9aTeJeCTGC3D5BCMljbP5oGJ3OlTkwknuu3tTrS9438Qfc7cld55SY4EHUuQTn+yoBYn296DlD8Us5pmWcG3u4y0fMjlI0spwdEoyvUEeYAdav/D/im8svLNqvrUY/ETDTRjPU4JEoxvsxON89qQ7XisdvPEZYtcSEpKshSTmI5/FZlC51n492O4FdH4j9nBj/ANp4VOULDVynIaNwdxpJB+mrPsRQXPiHk8YsmNjMjzxMssLA4ZJUOVDA7pnddx3z2qFbzRXcDSsm0uRPFgjEke0h0jdZFK7qDny6hnqedXszQzh5BJw/iC/n04jk/tFNmU9zhh7nFWE3ie5tpkuZoFIfAuGgOYp1/JJj/dzrthujAAZGNgn8RjBeNJZCyJqWG8AzpLBSsbn4X2GCT5WyQcNVgJC+mC5JhmDZikVmCOwzhoXzqjfB/qyT16MK9lRJofvVnIJrV3ZpIXAGGOz9R5CcnIO2TnfOajwJs0aKJIhtJay41pn9ktsR1wCSPRsCgk3c7ZX72pjmjyI7+HT0/wDEGMJ7hhoPtUO44hrLCePnYIYXUGrbKqMgR5dMgDOkkete2kzgHkSNKq/FbzZEiegVm3xscBs57NVCiATsVjljxljyRiRBnJ1wkEOMMBlAc4oGWDU6ho7gMh6HCHptucDcHb6V5U214pAygrISN9zFLnrgg+Ubg7dO1e0HTaKKKAqJxXh0dxE0UyCRGxlW6HBBGfqKl0UCV9n9mv3CAiKOP4w4SNRqKswGSck4x88gb4BBk8TtFN7YDGSGnlHsFi0/pqddqPC1u4triNCBLFNdRqD8KlpHdDj3Dod81K4dFE184VmZraEIQcne4bWxLHqx5a7ds+hFAxUl+BoRFayQsRqhuZ4zvg5Z9Sde7K64+dOlJnHrc2d7Heozcm4aO3uI/wAupvLFNj1B0qT6GgyuIFHFLJwNLGK51LkHBCwYB0kgHSe21ONK/iABL/h0hONTzRH4RktCxXJO/VAKaKAooooCiiigKKKKAooooCiiigKKKKAoryvaDF3ABJIAAySdsAdSa4rxjjJvZpr0ajGmqG2GwAXI1yb9CxHX0wO1OX2n8UYrHw+FsS3OdZ/YhX4yfn8PuNVI3ErEQKsaSOqquNJEz+v7C4HrQKfEbnIIJA/vg+vYOK6d9ivigyxmylOTEMwscZdASGXqc6Dj+6R6UjtBK3wtKeu3Jn//AJGq+ymltZ47jEmuN1ZAVkA64dW1qoAZSVyPWg+jOMcJhuomhnQOjDBB7e6kbqR2I3Fcw4p9mtxZ6pOHSmVNybaXTuD2BOFb64PuT16lwy+SeGOaM5SRQ6n2Iz+tbhMv7Q/UUHzrFIMyLEws7g/1ttKv4TlempHB0kdRgemKarLi0M4SC6zBdgbEnTqx0Mcw8jg/sk+oxXSPEfhW1v1xPGGYfDIvldfk43x7HI9q5p4g8A3FtGU5ZvrT0G08Y/dA2f6foBQS77hjgrzg7Yxomj2Zf7QPmH906TncAVV8Sh5u5kScpg5wYJ0282SuMHG/Renel2w4lNaEtaT8+DfKOGZo8bYlgzqUg580ZwfpTTDx6O4jR7rhy3AI8s1pICR6gB9EinbBGe1A58PgkSJFL6yFALE51bdc43oqp4Z4i4YkSrznh05AifmKygEgBhg4OMH60UHTKKx1VomvkTOo4x6g/wClBJoqj/8Aau2OArM+dhpUtnfG2KwvvEULRMInRpSHUIWKEFQxYvjzIgAJJxnbbcgUFB4d8SWsd1xBpLiFFkuVVAXAzohjRiMnGNSkZ9qu/B1oqm7mUqRPcyOpU5BVQEBB75IY/Wkg+HbUsS1pPIgfzqGiTJYsoKqmlt5MKFZ/KFbIGMm+8P2L8L5mi2lFvIdZTnRyco+VRpLacZzuPNjGdRxigfKS/tU4oIrTllWPOOkMBnQVIcMfqPn37Gsrrx/Gj8vQuskqEM0YbUDgrjsQdj7iqri/jaEzJFLylEsEqFueqhCxAOGZQpYqV646ehzQR+KeJjxKW3tLd7dXVo5ndzrVXTSwCBtJlOs4CgAnS2dIAy7Px1YtfPAQRjMkoIMajBIyxwQxx8GCfMvUHNIN3bWH3dY1tzcziPRHJmIjWFwjSSRyaAS2Nwe9UPA+HTQ3ET39pJIkcUSIpKaAE1byb6XfJcgHu2/XNB2WLjdu0ayieLlsAwbWoBB6Hc1NilDKGUhlYAgg5BB3BBHUYrm//thwdZGunt1juQAVZoRqcgafw3UHoQVzt0pf8G+Jbh5p3tyxEmp3h8zqkkkpOpM4woTGQNsn3oO10UnLfTE+Z5Bt0Bjznv1A/SsLi9uF3WRj6Apn+KOR/CgdK8JpPteLXRGBh2GcqMkj/pBrdbXdwzHMRCjr5Dt/HegZnuFHVhWH3tfX+I/1qrWzkJxqycZ6FMfqpGfbNSbfh251F+3XRg/LG9BnNxMLvjPyx/rUCTxPGOoH+If6VcC0T0/zo+5p+wn+EUFGfFaZ+A/PUKJPEAP+7Jz6TAfzq3bhsX/Dj/wLWH9Fp2WMf3D/APtQU78dftC3/nLUe/8AEMiI0jBo1UFicxsABuScjfb0NXM3BFbYiMe4jyfpqYj9Qa1cZ8Mx3ELwlnjRxpOgRg49AShwKDmdnzb55LxvK84ATChtEK/AuD+18R+dQeK8G5fxtLgnqBCoPt5pF+XSnmD7KrRBhZrwEdCJyuPYBQBj6VtX7MrYHJuL0n3uZB/24oOZ6YgMAyn+9afznNVN/bxMNlGPXNpn/wCqa68/2U2L7ubnVnc/eZWJ9Mk1ifsns/yy3a/Kcn/MGgQPs/8AEdxbma1jYPrBkijLxsQf95o0nAP5ggx+Y08f0reEfhqMjY5TUc/Q1uh+yyBZYZPvV2eS4dVZ4yM53GRGG3Gx3705SWAwQrume6lT/wB4NAgO15LkMxX3AkX9ASu3vmty8HvsBRJPk/m1SLj/AOZgV0KOMKMD/wBT8z3NZ0HKOIfZncXLa5ZU5n/FGVkPb41BzjHcd6t+B+BmiXRoRMfmDux3Jz2H6fKugUUC5beE0CgM7E9zt/MZopjooPCKhPwmEgKUGBuB6H13717RQUreB7YOZI0WNmyHKogLA7nOkDJyOrau/rVb4s8EIwW4tIY2uo3VgGZkDjcEMVI3GcjftjvRRQUV3FxgFz92i8zqdKzAbhzJqQltiGJI1ZHm6HAAsX4Pxe+Ci4mitYlZX0J53YrgjWyaVIzvgED2oooJdx9nMbQxoJWSSNSokjVQzA5yrF9eQTudq28P8EJFEIlihAHUHLZPcklRknA3wKKKCon+y6NpXYxwlGHlQLoKMO4ZMEj2/jRL9lluSPwT/wCaWA9T5jq/jRRQbLf7KYAclU67AgEAdxg5z8zTHw/wfHAMRME9ljjHuRkKDjNFFBZ/0a3/ABM/ML/IVp/ohs/FHj+w306OKKKCySHAAB6DHr/nv/Gt1FFAUUUUBRRRQFFFFAUUUUBRRRQFFFFAUUUUBRRRQFFFFAUUUUH/2Q=="/>
+          <p:cNvSpPr>
+            <a:spLocks noChangeAspect="1" noChangeArrowheads="1"/>
+          </p:cNvSpPr>
+          <p:nvPr/>
+        </p:nvSpPr>
+        <p:spPr bwMode="auto">
+          <a:xfrm>
+            <a:off x="1831975" y="7938"/>
+            <a:ext cx="304800" cy="304801"/>
+          </a:xfrm>
+          <a:prstGeom prst="rect">
+            <a:avLst/>
+          </a:prstGeom>
+          <a:noFill/>
+          <a:extLst>
+            <a:ext uri="{909E8E84-426E-40DD-AFC4-6F175D3DCCD1}">
+              <a14:hiddenFill xmlns:a14="http://schemas.microsoft.com/office/drawing/2010/main">
+                <a:solidFill>
+                  <a:srgbClr val="FFFFFF"/>
+                </a:solidFill>
+              </a14:hiddenFill>
+            </a:ext>
+          </a:extLst>
+        </p:spPr>
+        <p:txBody>
+          <a:bodyPr vert="horz" wrap="square" lIns="91440" tIns="45720" rIns="91440" bIns="45720" numCol="1" anchor="t" anchorCtr="0" compatLnSpc="1">
+            <a:prstTxWarp prst="textNoShape">
+              <a:avLst/>
+            </a:prstTxWarp>
+          </a:bodyPr>
+          <a:lstStyle/>
+          <a:p>
+            <a:endParaRPr lang="zh-CN" altLang="en-US">
+              <a:solidFill>
+                <a:prstClr val="black"/>
+              </a:solidFill>
+            </a:endParaRPr>
+          </a:p>
+        </p:txBody>
+      </p:sp>
+      <p:pic>
+        <p:nvPicPr>
+          <p:cNvPr id="1029" name="Picture 5"/>
+          <p:cNvPicPr>
+            <a:picLocks noChangeAspect="1" noChangeArrowheads="1"/>
+          </p:cNvPicPr>
+          <p:nvPr/>
+        </p:nvPicPr>
+        <p:blipFill>
+          <a:blip r:embed="rId2">
+            <a:extLst>
+              <a:ext uri="{28A0092B-C50C-407E-A947-70E740481C1C}">
+                <a14:useLocalDpi xmlns:a14="http://schemas.microsoft.com/office/drawing/2010/main" val="0"/>
+              </a:ext>
+            </a:extLst>
+          </a:blip>
+          <a:srcRect/>
+          <a:stretch>
+            <a:fillRect/>
+          </a:stretch>
+        </p:blipFill>
+        <p:spPr bwMode="auto">
+          <a:xfrm>
+            <a:off x="5519936" y="3284984"/>
+            <a:ext cx="3528392" cy="2347984"/>
+          </a:xfrm>
+          <a:prstGeom prst="rect">
+            <a:avLst/>
+          </a:prstGeom>
+          <a:noFill/>
+          <a:ln>
+            <a:noFill/>
+          </a:ln>
+          <a:extLst>
+            <a:ext uri="{909E8E84-426E-40DD-AFC4-6F175D3DCCD1}">
+              <a14:hiddenFill xmlns:a14="http://schemas.microsoft.com/office/drawing/2010/main">
+                <a:solidFill>
+                  <a:schemeClr val="accent1"/>
+                </a:solidFill>
+              </a14:hiddenFill>
+            </a:ext>
+            <a:ext uri="{91240B29-F687-4F45-9708-019B960494DF}">
+              <a14:hiddenLine xmlns:a14="http://schemas.microsoft.com/office/drawing/2010/main" w="9525">
+                <a:solidFill>
+                  <a:schemeClr val="tx1"/>
+                </a:solidFill>
+                <a:miter lim="800000"/>
+                <a:headEnd/>
+                <a:tailEnd/>
+              </a14:hiddenLine>
+            </a:ext>
+          </a:extLst>
+        </p:spPr>
+      </p:pic>
+    </p:spTree>
+    <p:extLst>
+      <p:ext uri="{BB962C8B-B14F-4D97-AF65-F5344CB8AC3E}">
+        <p14:creationId xmlns:p14="http://schemas.microsoft.com/office/powerpoint/2010/main" val="3860255449"/>
+      </p:ext>
+    </p:extLst>
+  </p:cSld>
+  <p:clrMapOvr>
+    <a:masterClrMapping/>
+  </p:clrMapOvr>
+</p:sld>
+</file>
+
+<file path=ppt/slides/slide3.xml><?xml version="1.0" encoding="utf-8"?>
+<p:sld xmlns:a="http://schemas.openxmlformats.org/drawingml/2006/main" xmlns:r="http://schemas.openxmlformats.org/officeDocument/2006/relationships" xmlns:p="http://schemas.openxmlformats.org/presentationml/2006/main">
+  <p:cSld>
+    <p:spTree>
+      <p:nvGrpSpPr>
+        <p:cNvPr id="1" name=""/>
+        <p:cNvGrpSpPr/>
+        <p:nvPr/>
+      </p:nvGrpSpPr>
+      <p:grpSpPr>
+        <a:xfrm>
+          <a:off x="0" y="0"/>
+          <a:ext cx="0" cy="0"/>
+          <a:chOff x="0" y="0"/>
+          <a:chExt cx="0" cy="0"/>
+        </a:xfrm>
+      </p:grpSpPr>
+      <p:sp>
+        <p:nvSpPr>
+          <p:cNvPr id="2" name="标题 1"/>
+          <p:cNvSpPr>
+            <a:spLocks noGrp="1"/>
+          </p:cNvSpPr>
+          <p:nvPr>
+            <p:ph type="title"/>
+          </p:nvPr>
+        </p:nvSpPr>
+        <p:spPr/>
+        <p:txBody>
+          <a:bodyPr/>
+          <a:lstStyle/>
+          <a:p>
+            <a:r>
+              <a:rPr lang="en-US" altLang="zh-CN" dirty="0" smtClean="0"/>
+              <a:t>The Lever</a:t>
+            </a:r>
+            <a:endParaRPr lang="zh-CN" altLang="en-US" dirty="0"/>
+          </a:p>
+        </p:txBody>
+      </p:sp>
+      <p:sp>
+        <p:nvSpPr>
+          <p:cNvPr id="3" name="内容占位符 2"/>
+          <p:cNvSpPr>
+            <a:spLocks noGrp="1"/>
+          </p:cNvSpPr>
+          <p:nvPr>
+            <p:ph idx="1"/>
+          </p:nvPr>
+        </p:nvSpPr>
+        <p:spPr/>
+        <p:txBody>
+          <a:bodyPr/>
+          <a:lstStyle/>
+          <a:p>
+            <a:r>
+              <a:rPr lang="en-US" altLang="zh-CN" dirty="0" smtClean="0"/>
+              <a:t>Purpose</a:t>
+            </a:r>
+          </a:p>
+          <a:p>
+            <a:pPr lvl="1"/>
+            <a:r>
+              <a:rPr lang="en-US" altLang="zh-CN" dirty="0" smtClean="0"/>
+              <a:t>Change the direction of effect</a:t>
+            </a:r>
+          </a:p>
+          <a:p>
+            <a:pPr lvl="1"/>
+            <a:endParaRPr lang="en-US" altLang="zh-CN" dirty="0" smtClean="0"/>
+          </a:p>
+          <a:p>
+            <a:pPr lvl="1"/>
+            <a:endParaRPr lang="en-US" altLang="zh-CN" dirty="0"/>
+          </a:p>
+          <a:p>
+            <a:pPr lvl="1"/>
+            <a:r>
+              <a:rPr lang="en-US" altLang="zh-CN" dirty="0" smtClean="0"/>
+              <a:t>Save effect (more distance)</a:t>
+            </a:r>
+          </a:p>
+          <a:p>
+            <a:pPr lvl="1"/>
+            <a:endParaRPr lang="en-US" altLang="zh-CN" dirty="0" smtClean="0"/>
+          </a:p>
+          <a:p>
+            <a:pPr lvl="1"/>
+            <a:endParaRPr lang="en-US" altLang="zh-CN" dirty="0"/>
+          </a:p>
+          <a:p>
+            <a:pPr lvl="1"/>
+            <a:r>
+              <a:rPr lang="en-US" altLang="zh-CN" dirty="0" smtClean="0"/>
+              <a:t>Less distance (more effect)</a:t>
+            </a:r>
+          </a:p>
+          <a:p>
+            <a:pPr lvl="1"/>
+            <a:endParaRPr lang="en-US" altLang="zh-CN" dirty="0"/>
+          </a:p>
+          <a:p>
+            <a:pPr lvl="1"/>
+            <a:endParaRPr lang="zh-CN" altLang="en-US" dirty="0"/>
+          </a:p>
+        </p:txBody>
+      </p:sp>
+      <p:pic>
+        <p:nvPicPr>
+          <p:cNvPr id="2050" name="Picture 2"/>
+          <p:cNvPicPr>
+            <a:picLocks noChangeAspect="1" noChangeArrowheads="1"/>
+          </p:cNvPicPr>
+          <p:nvPr/>
+        </p:nvPicPr>
+        <p:blipFill rotWithShape="1">
+          <a:blip r:embed="rId2">
+            <a:extLst>
+              <a:ext uri="{28A0092B-C50C-407E-A947-70E740481C1C}">
+                <a14:useLocalDpi xmlns:a14="http://schemas.microsoft.com/office/drawing/2010/main" val="0"/>
+              </a:ext>
+            </a:extLst>
+          </a:blip>
+          <a:srcRect l="2572" t="2456" r="25984"/>
+          <a:stretch/>
+        </p:blipFill>
+        <p:spPr bwMode="auto">
+          <a:xfrm>
+            <a:off x="7139608" y="1916832"/>
+            <a:ext cx="3528392" cy="4219632"/>
+          </a:xfrm>
+          <a:prstGeom prst="rect">
+            <a:avLst/>
+          </a:prstGeom>
+          <a:noFill/>
+          <a:ln>
+            <a:noFill/>
+          </a:ln>
+          <a:extLst>
+            <a:ext uri="{909E8E84-426E-40DD-AFC4-6F175D3DCCD1}">
+              <a14:hiddenFill xmlns:a14="http://schemas.microsoft.com/office/drawing/2010/main">
+                <a:solidFill>
+                  <a:schemeClr val="accent1"/>
+                </a:solidFill>
+              </a14:hiddenFill>
+            </a:ext>
+            <a:ext uri="{91240B29-F687-4F45-9708-019B960494DF}">
+              <a14:hiddenLine xmlns:a14="http://schemas.microsoft.com/office/drawing/2010/main" w="9525">
+                <a:solidFill>
+                  <a:schemeClr val="tx1"/>
+                </a:solidFill>
+                <a:miter lim="800000"/>
+                <a:headEnd/>
+                <a:tailEnd/>
+              </a14:hiddenLine>
+            </a:ext>
+          </a:extLst>
+        </p:spPr>
+      </p:pic>
+    </p:spTree>
+    <p:extLst>
+      <p:ext uri="{BB962C8B-B14F-4D97-AF65-F5344CB8AC3E}">
+        <p14:creationId xmlns:p14="http://schemas.microsoft.com/office/powerpoint/2010/main" val="1611631454"/>
+      </p:ext>
+    </p:extLst>
+  </p:cSld>
+  <p:clrMapOvr>
+    <a:masterClrMapping/>
+  </p:clrMapOvr>
+</p:sld>
+</file>
+
+<file path=ppt/slides/slide4.xml><?xml version="1.0" encoding="utf-8"?>
+<p:sld xmlns:a="http://schemas.openxmlformats.org/drawingml/2006/main" xmlns:r="http://schemas.openxmlformats.org/officeDocument/2006/relationships" xmlns:p="http://schemas.openxmlformats.org/presentationml/2006/main">
+  <p:cSld>
+    <p:spTree>
+      <p:nvGrpSpPr>
+        <p:cNvPr id="1" name=""/>
+        <p:cNvGrpSpPr/>
+        <p:nvPr/>
+      </p:nvGrpSpPr>
+      <p:grpSpPr>
+        <a:xfrm>
+          <a:off x="0" y="0"/>
+          <a:ext cx="0" cy="0"/>
+          <a:chOff x="0" y="0"/>
+          <a:chExt cx="0" cy="0"/>
+        </a:xfrm>
+      </p:grpSpPr>
+      <p:sp>
+        <p:nvSpPr>
+          <p:cNvPr id="2" name="标题 1"/>
+          <p:cNvSpPr>
+            <a:spLocks noGrp="1"/>
+          </p:cNvSpPr>
+          <p:nvPr>
+            <p:ph type="title"/>
+          </p:nvPr>
+        </p:nvSpPr>
+        <p:spPr/>
+        <p:txBody>
+          <a:bodyPr/>
+          <a:lstStyle/>
+          <a:p>
+            <a:r>
+              <a:rPr lang="en-US" altLang="zh-CN" dirty="0" smtClean="0"/>
+              <a:t>The Lever</a:t>
+            </a:r>
+            <a:endParaRPr lang="zh-CN" altLang="en-US" dirty="0"/>
+          </a:p>
+        </p:txBody>
+      </p:sp>
+      <p:sp>
+        <p:nvSpPr>
+          <p:cNvPr id="3" name="内容占位符 2"/>
+          <p:cNvSpPr>
+            <a:spLocks noGrp="1"/>
+          </p:cNvSpPr>
+          <p:nvPr>
+            <p:ph idx="1"/>
+          </p:nvPr>
+        </p:nvSpPr>
+        <p:spPr/>
+        <p:txBody>
+          <a:bodyPr/>
+          <a:lstStyle/>
+          <a:p>
+            <a:r>
+              <a:rPr lang="en-US" altLang="zh-CN" dirty="0"/>
+              <a:t>Lever </a:t>
+            </a:r>
+            <a:r>
+              <a:rPr lang="en-US" altLang="zh-CN" dirty="0" smtClean="0"/>
+              <a:t>Principle</a:t>
+            </a:r>
+            <a:endParaRPr lang="en-US" altLang="zh-CN" dirty="0"/>
+          </a:p>
+        </p:txBody>
+      </p:sp>
+      <p:pic>
+        <p:nvPicPr>
+          <p:cNvPr id="3074" name="Picture 2" descr="File:Lever Principle 3D.png"/>
+          <p:cNvPicPr>
+            <a:picLocks noChangeAspect="1" noChangeArrowheads="1"/>
+          </p:cNvPicPr>
+          <p:nvPr/>
+        </p:nvPicPr>
+        <p:blipFill>
+          <a:blip r:embed="rId2">
+            <a:extLst>
+              <a:ext uri="{28A0092B-C50C-407E-A947-70E740481C1C}">
+                <a14:useLocalDpi xmlns:a14="http://schemas.microsoft.com/office/drawing/2010/main" val="0"/>
+              </a:ext>
+            </a:extLst>
+          </a:blip>
+          <a:srcRect/>
+          <a:stretch>
+            <a:fillRect/>
+          </a:stretch>
+        </p:blipFill>
+        <p:spPr bwMode="auto">
+          <a:xfrm>
+            <a:off x="2495600" y="2161493"/>
+            <a:ext cx="7620000" cy="4333875"/>
+          </a:xfrm>
+          <a:prstGeom prst="rect">
+            <a:avLst/>
+          </a:prstGeom>
+          <a:noFill/>
+          <a:extLst>
+            <a:ext uri="{909E8E84-426E-40DD-AFC4-6F175D3DCCD1}">
+              <a14:hiddenFill xmlns:a14="http://schemas.microsoft.com/office/drawing/2010/main">
+                <a:solidFill>
+                  <a:srgbClr val="FFFFFF"/>
+                </a:solidFill>
+              </a14:hiddenFill>
+            </a:ext>
+          </a:extLst>
+        </p:spPr>
+      </p:pic>
+    </p:spTree>
+    <p:extLst>
+      <p:ext uri="{BB962C8B-B14F-4D97-AF65-F5344CB8AC3E}">
+        <p14:creationId xmlns:p14="http://schemas.microsoft.com/office/powerpoint/2010/main" val="2260826983"/>
+      </p:ext>
+    </p:extLst>
+  </p:cSld>
+  <p:clrMapOvr>
+    <a:masterClrMapping/>
+  </p:clrMapOvr>
+</p:sld>
+</file>
+
+<file path=ppt/slides/slide5.xml><?xml version="1.0" encoding="utf-8"?>
+<p:sld xmlns:a="http://schemas.openxmlformats.org/drawingml/2006/main" xmlns:r="http://schemas.openxmlformats.org/officeDocument/2006/relationships" xmlns:p="http://schemas.openxmlformats.org/presentationml/2006/main">
+  <p:cSld>
+    <p:spTree>
+      <p:nvGrpSpPr>
+        <p:cNvPr id="1" name=""/>
+        <p:cNvGrpSpPr/>
+        <p:nvPr/>
+      </p:nvGrpSpPr>
+      <p:grpSpPr>
+        <a:xfrm>
+          <a:off x="0" y="0"/>
+          <a:ext cx="0" cy="0"/>
+          <a:chOff x="0" y="0"/>
+          <a:chExt cx="0" cy="0"/>
+        </a:xfrm>
+      </p:grpSpPr>
+      <p:sp>
+        <p:nvSpPr>
+          <p:cNvPr id="2" name="标题 1"/>
+          <p:cNvSpPr>
+            <a:spLocks noGrp="1"/>
+          </p:cNvSpPr>
+          <p:nvPr>
+            <p:ph type="title"/>
+          </p:nvPr>
+        </p:nvSpPr>
+        <p:spPr/>
+        <p:txBody>
+          <a:bodyPr/>
+          <a:lstStyle/>
+          <a:p>
+            <a:r>
+              <a:rPr lang="en-US" altLang="zh-CN" dirty="0" smtClean="0"/>
+              <a:t>The Pulley</a:t>
+            </a:r>
+            <a:endParaRPr lang="zh-CN" altLang="en-US" dirty="0"/>
+          </a:p>
+        </p:txBody>
+      </p:sp>
+      <p:sp>
+        <p:nvSpPr>
+          <p:cNvPr id="3" name="内容占位符 2"/>
+          <p:cNvSpPr>
+            <a:spLocks noGrp="1"/>
+          </p:cNvSpPr>
+          <p:nvPr>
+            <p:ph idx="1"/>
+          </p:nvPr>
+        </p:nvSpPr>
+        <p:spPr/>
+        <p:txBody>
+          <a:bodyPr/>
+          <a:lstStyle/>
+          <a:p>
+            <a:r>
+              <a:rPr lang="en-US" altLang="zh-CN" dirty="0" smtClean="0"/>
+              <a:t>Fixed pulley</a:t>
+            </a:r>
+          </a:p>
+          <a:p>
+            <a:pPr lvl="1"/>
+            <a:r>
+              <a:rPr lang="en-US" altLang="zh-CN" dirty="0" smtClean="0"/>
+              <a:t>Change effect’s direction</a:t>
+            </a:r>
+          </a:p>
+          <a:p>
+            <a:endParaRPr lang="en-US" altLang="zh-CN" dirty="0"/>
+          </a:p>
+          <a:p>
+            <a:endParaRPr lang="en-US" altLang="zh-CN" dirty="0" smtClean="0"/>
+          </a:p>
+          <a:p>
+            <a:r>
+              <a:rPr lang="en-US" altLang="zh-CN" dirty="0" smtClean="0"/>
+              <a:t>Movable pulley</a:t>
+            </a:r>
+          </a:p>
+          <a:p>
+            <a:pPr lvl="1"/>
+            <a:r>
+              <a:rPr lang="en-US" altLang="zh-CN" dirty="0" smtClean="0"/>
+              <a:t>Separate effect</a:t>
+            </a:r>
+          </a:p>
+          <a:p>
+            <a:pPr lvl="1"/>
+            <a:endParaRPr lang="en-US" altLang="zh-CN" dirty="0" smtClean="0"/>
+          </a:p>
+        </p:txBody>
+      </p:sp>
+      <p:pic>
+        <p:nvPicPr>
+          <p:cNvPr id="4098" name="Picture 2" descr="File:Polea-simple-fija.jpg"/>
+          <p:cNvPicPr>
+            <a:picLocks noChangeAspect="1" noChangeArrowheads="1"/>
+          </p:cNvPicPr>
+          <p:nvPr/>
+        </p:nvPicPr>
+        <p:blipFill>
+          <a:blip r:embed="rId2">
+            <a:extLst>
+              <a:ext uri="{28A0092B-C50C-407E-A947-70E740481C1C}">
+                <a14:useLocalDpi xmlns:a14="http://schemas.microsoft.com/office/drawing/2010/main" val="0"/>
+              </a:ext>
+            </a:extLst>
+          </a:blip>
+          <a:srcRect/>
+          <a:stretch>
+            <a:fillRect/>
+          </a:stretch>
+        </p:blipFill>
+        <p:spPr bwMode="auto">
+          <a:xfrm>
+            <a:off x="7680176" y="980729"/>
+            <a:ext cx="2592288" cy="2756113"/>
+          </a:xfrm>
+          <a:prstGeom prst="rect">
+            <a:avLst/>
+          </a:prstGeom>
+          <a:noFill/>
+          <a:extLst>
+            <a:ext uri="{909E8E84-426E-40DD-AFC4-6F175D3DCCD1}">
+              <a14:hiddenFill xmlns:a14="http://schemas.microsoft.com/office/drawing/2010/main">
+                <a:solidFill>
+                  <a:srgbClr val="FFFFFF"/>
+                </a:solidFill>
+              </a14:hiddenFill>
+            </a:ext>
+          </a:extLst>
+        </p:spPr>
+      </p:pic>
+      <p:pic>
+        <p:nvPicPr>
+          <p:cNvPr id="4100" name="Picture 4" descr="File:Polea-simple-movil2.jpg"/>
+          <p:cNvPicPr>
+            <a:picLocks noChangeAspect="1" noChangeArrowheads="1"/>
+          </p:cNvPicPr>
+          <p:nvPr/>
+        </p:nvPicPr>
+        <p:blipFill>
+          <a:blip r:embed="rId3">
+            <a:extLst>
+              <a:ext uri="{28A0092B-C50C-407E-A947-70E740481C1C}">
+                <a14:useLocalDpi xmlns:a14="http://schemas.microsoft.com/office/drawing/2010/main" val="0"/>
+              </a:ext>
+            </a:extLst>
+          </a:blip>
+          <a:srcRect/>
+          <a:stretch>
+            <a:fillRect/>
+          </a:stretch>
+        </p:blipFill>
+        <p:spPr bwMode="auto">
+          <a:xfrm>
+            <a:off x="5450776" y="2966441"/>
+            <a:ext cx="2229401" cy="3891559"/>
+          </a:xfrm>
+          <a:prstGeom prst="rect">
+            <a:avLst/>
+          </a:prstGeom>
+          <a:noFill/>
+          <a:extLst>
+            <a:ext uri="{909E8E84-426E-40DD-AFC4-6F175D3DCCD1}">
+              <a14:hiddenFill xmlns:a14="http://schemas.microsoft.com/office/drawing/2010/main">
+                <a:solidFill>
+                  <a:srgbClr val="FFFFFF"/>
+                </a:solidFill>
+              </a14:hiddenFill>
+            </a:ext>
+          </a:extLst>
+        </p:spPr>
+      </p:pic>
+    </p:spTree>
+    <p:extLst>
+      <p:ext uri="{BB962C8B-B14F-4D97-AF65-F5344CB8AC3E}">
+        <p14:creationId xmlns:p14="http://schemas.microsoft.com/office/powerpoint/2010/main" val="435980204"/>
+      </p:ext>
+    </p:extLst>
+  </p:cSld>
+  <p:clrMapOvr>
+    <a:masterClrMapping/>
+  </p:clrMapOvr>
+</p:sld>
+</file>
+
+<file path=ppt/slides/slide6.xml><?xml version="1.0" encoding="utf-8"?>
+<p:sld xmlns:a="http://schemas.openxmlformats.org/drawingml/2006/main" xmlns:r="http://schemas.openxmlformats.org/officeDocument/2006/relationships" xmlns:p="http://schemas.openxmlformats.org/presentationml/2006/main">
+  <p:cSld>
+    <p:spTree>
+      <p:nvGrpSpPr>
+        <p:cNvPr id="1" name=""/>
+        <p:cNvGrpSpPr/>
+        <p:nvPr/>
+      </p:nvGrpSpPr>
+      <p:grpSpPr>
+        <a:xfrm>
+          <a:off x="0" y="0"/>
+          <a:ext cx="0" cy="0"/>
+          <a:chOff x="0" y="0"/>
+          <a:chExt cx="0" cy="0"/>
+        </a:xfrm>
+      </p:grpSpPr>
+      <p:sp>
+        <p:nvSpPr>
+          <p:cNvPr id="2" name="标题 1"/>
+          <p:cNvSpPr>
+            <a:spLocks noGrp="1"/>
+          </p:cNvSpPr>
+          <p:nvPr>
+            <p:ph type="title"/>
+          </p:nvPr>
+        </p:nvSpPr>
+        <p:spPr/>
+        <p:txBody>
+          <a:bodyPr/>
+          <a:lstStyle/>
+          <a:p>
+            <a:r>
+              <a:rPr lang="en-US" altLang="zh-CN" dirty="0" smtClean="0"/>
+              <a:t>The Pulley</a:t>
+            </a:r>
+            <a:endParaRPr lang="zh-CN" altLang="en-US" dirty="0"/>
+          </a:p>
+        </p:txBody>
+      </p:sp>
+      <p:sp>
+        <p:nvSpPr>
+          <p:cNvPr id="3" name="内容占位符 2"/>
+          <p:cNvSpPr>
+            <a:spLocks noGrp="1"/>
+          </p:cNvSpPr>
+          <p:nvPr>
+            <p:ph idx="1"/>
+          </p:nvPr>
+        </p:nvSpPr>
+        <p:spPr/>
+        <p:txBody>
+          <a:bodyPr/>
+          <a:lstStyle/>
+          <a:p>
+            <a:r>
+              <a:rPr lang="en-US" altLang="zh-CN" dirty="0"/>
+              <a:t>Fixed </a:t>
+            </a:r>
+            <a:r>
+              <a:rPr lang="en-US" altLang="zh-CN" dirty="0" smtClean="0"/>
+              <a:t>pulley</a:t>
+            </a:r>
+            <a:r>
+              <a:rPr lang="zh-CN" altLang="en-US" dirty="0" smtClean="0"/>
+              <a:t> </a:t>
+            </a:r>
+            <a:r>
+              <a:rPr lang="en-US" altLang="zh-CN" dirty="0" smtClean="0"/>
+              <a:t>+ movable pulley</a:t>
+            </a:r>
+          </a:p>
+          <a:p>
+            <a:pPr lvl="1"/>
+            <a:r>
+              <a:rPr lang="en-US" altLang="zh-CN" dirty="0"/>
+              <a:t>Change effect’s </a:t>
+            </a:r>
+            <a:r>
+              <a:rPr lang="en-US" altLang="zh-CN" dirty="0" smtClean="0"/>
+              <a:t>direction + </a:t>
+            </a:r>
+            <a:r>
+              <a:rPr lang="en-US" altLang="zh-CN" dirty="0"/>
+              <a:t>Separate effect</a:t>
+            </a:r>
+          </a:p>
+          <a:p>
+            <a:pPr lvl="1"/>
+            <a:endParaRPr lang="en-US" altLang="zh-CN" dirty="0"/>
+          </a:p>
+        </p:txBody>
+      </p:sp>
+      <p:pic>
+        <p:nvPicPr>
+          <p:cNvPr id="5124" name="Picture 4" descr="File:Pulley2.svg"/>
+          <p:cNvPicPr>
+            <a:picLocks noChangeAspect="1" noChangeArrowheads="1"/>
+          </p:cNvPicPr>
+          <p:nvPr/>
+        </p:nvPicPr>
+        <p:blipFill>
+          <a:blip r:embed="rId2">
+            <a:extLst>
+              <a:ext uri="{28A0092B-C50C-407E-A947-70E740481C1C}">
+                <a14:useLocalDpi xmlns:a14="http://schemas.microsoft.com/office/drawing/2010/main" val="0"/>
+              </a:ext>
+            </a:extLst>
+          </a:blip>
+          <a:srcRect/>
+          <a:stretch>
+            <a:fillRect/>
+          </a:stretch>
+        </p:blipFill>
+        <p:spPr bwMode="auto">
+          <a:xfrm>
+            <a:off x="2423592" y="2537490"/>
+            <a:ext cx="2880320" cy="4331308"/>
+          </a:xfrm>
+          <a:prstGeom prst="rect">
+            <a:avLst/>
+          </a:prstGeom>
+          <a:noFill/>
+          <a:extLst>
+            <a:ext uri="{909E8E84-426E-40DD-AFC4-6F175D3DCCD1}">
+              <a14:hiddenFill xmlns:a14="http://schemas.microsoft.com/office/drawing/2010/main">
+                <a:solidFill>
+                  <a:srgbClr val="FFFFFF"/>
+                </a:solidFill>
+              </a14:hiddenFill>
+            </a:ext>
+          </a:extLst>
+        </p:spPr>
+      </p:pic>
+      <p:pic>
+        <p:nvPicPr>
+          <p:cNvPr id="5126" name="Picture 6" descr="File:Pulley2a.svg"/>
+          <p:cNvPicPr>
+            <a:picLocks noChangeAspect="1" noChangeArrowheads="1"/>
+          </p:cNvPicPr>
+          <p:nvPr/>
+        </p:nvPicPr>
+        <p:blipFill>
+          <a:blip r:embed="rId3">
+            <a:extLst>
+              <a:ext uri="{28A0092B-C50C-407E-A947-70E740481C1C}">
+                <a14:useLocalDpi xmlns:a14="http://schemas.microsoft.com/office/drawing/2010/main" val="0"/>
+              </a:ext>
+            </a:extLst>
+          </a:blip>
+          <a:srcRect/>
+          <a:stretch>
+            <a:fillRect/>
+          </a:stretch>
+        </p:blipFill>
+        <p:spPr bwMode="auto">
+          <a:xfrm>
+            <a:off x="6156758" y="2405585"/>
+            <a:ext cx="3821607" cy="4595119"/>
+          </a:xfrm>
+          <a:prstGeom prst="rect">
+            <a:avLst/>
+          </a:prstGeom>
+          <a:noFill/>
+          <a:extLst>
+            <a:ext uri="{909E8E84-426E-40DD-AFC4-6F175D3DCCD1}">
+              <a14:hiddenFill xmlns:a14="http://schemas.microsoft.com/office/drawing/2010/main">
+                <a:solidFill>
+                  <a:srgbClr val="FFFFFF"/>
+                </a:solidFill>
+              </a14:hiddenFill>
+            </a:ext>
+          </a:extLst>
+        </p:spPr>
+      </p:pic>
+    </p:spTree>
+    <p:extLst>
+      <p:ext uri="{BB962C8B-B14F-4D97-AF65-F5344CB8AC3E}">
+        <p14:creationId xmlns:p14="http://schemas.microsoft.com/office/powerpoint/2010/main" val="536260865"/>
+      </p:ext>
+    </p:extLst>
+  </p:cSld>
+  <p:clrMapOvr>
+    <a:masterClrMapping/>
+  </p:clrMapOvr>
+</p:sld>
+</file>
+
+<file path=ppt/slides/slide7.xml><?xml version="1.0" encoding="utf-8"?>
 <p:sld xmlns:a="http://schemas.openxmlformats.org/drawingml/2006/main" xmlns:r="http://schemas.openxmlformats.org/officeDocument/2006/relationships" xmlns:p="http://schemas.openxmlformats.org/presentationml/2006/main">
   <p:cSld>
     <p:spTree>
@@ -3103,6 +7893,36 @@
           </a:p>
         </p:txBody>
       </p:sp>
+      <p:sp>
+        <p:nvSpPr>
+          <p:cNvPr id="2" name="文本框 1"/>
+          <p:cNvSpPr txBox="1"/>
+          <p:nvPr/>
+        </p:nvSpPr>
+        <p:spPr>
+          <a:xfrm>
+            <a:off x="6770167" y="1105469"/>
+            <a:ext cx="3833264" cy="630942"/>
+          </a:xfrm>
+          <a:prstGeom prst="rect">
+            <a:avLst/>
+          </a:prstGeom>
+          <a:noFill/>
+        </p:spPr>
+        <p:txBody>
+          <a:bodyPr wrap="square" rtlCol="0">
+            <a:spAutoFit/>
+          </a:bodyPr>
+          <a:lstStyle/>
+          <a:p>
+            <a:r>
+              <a:rPr lang="en-US" altLang="zh-CN" sz="3500" dirty="0" smtClean="0"/>
+              <a:t>Wheel and Axle</a:t>
+            </a:r>
+            <a:endParaRPr lang="zh-CN" altLang="en-US" sz="3500" dirty="0"/>
+          </a:p>
+        </p:txBody>
+      </p:sp>
     </p:spTree>
     <p:extLst>
       <p:ext uri="{BB962C8B-B14F-4D97-AF65-F5344CB8AC3E}">
@@ -3116,7 +7936,7 @@
 </p:sld>
 </file>
 
-<file path=ppt/slides/slide3.xml><?xml version="1.0" encoding="utf-8"?>
+<file path=ppt/slides/slide8.xml><?xml version="1.0" encoding="utf-8"?>
 <p:sld xmlns:a="http://schemas.openxmlformats.org/drawingml/2006/main" xmlns:r="http://schemas.openxmlformats.org/officeDocument/2006/relationships" xmlns:p="http://schemas.openxmlformats.org/presentationml/2006/main">
   <p:cSld>
     <p:spTree>
@@ -3256,6 +8076,36 @@
           </a:extLst>
         </p:spPr>
       </p:pic>
+      <p:sp>
+        <p:nvSpPr>
+          <p:cNvPr id="2" name="文本框 1"/>
+          <p:cNvSpPr txBox="1"/>
+          <p:nvPr/>
+        </p:nvSpPr>
+        <p:spPr>
+          <a:xfrm>
+            <a:off x="4380932" y="504967"/>
+            <a:ext cx="3220871" cy="584775"/>
+          </a:xfrm>
+          <a:prstGeom prst="rect">
+            <a:avLst/>
+          </a:prstGeom>
+          <a:noFill/>
+        </p:spPr>
+        <p:txBody>
+          <a:bodyPr wrap="square" rtlCol="0">
+            <a:spAutoFit/>
+          </a:bodyPr>
+          <a:lstStyle/>
+          <a:p>
+            <a:r>
+              <a:rPr lang="en-US" altLang="zh-CN" sz="3200" dirty="0" smtClean="0"/>
+              <a:t>Inclined plane</a:t>
+            </a:r>
+            <a:endParaRPr lang="zh-CN" altLang="en-US" sz="3200" dirty="0"/>
+          </a:p>
+        </p:txBody>
+      </p:sp>
     </p:spTree>
     <p:extLst>
       <p:ext uri="{BB962C8B-B14F-4D97-AF65-F5344CB8AC3E}">
@@ -3269,7 +8119,7 @@
 </p:sld>
 </file>
 
-<file path=ppt/slides/slide4.xml><?xml version="1.0" encoding="utf-8"?>
+<file path=ppt/slides/slide9.xml><?xml version="1.0" encoding="utf-8"?>
 <p:sld xmlns:a="http://schemas.openxmlformats.org/drawingml/2006/main" xmlns:r="http://schemas.openxmlformats.org/officeDocument/2006/relationships" xmlns:p="http://schemas.openxmlformats.org/presentationml/2006/main">
   <p:cSld>
     <p:spTree>
@@ -3331,494 +8181,6 @@
     <p:extLst>
       <p:ext uri="{BB962C8B-B14F-4D97-AF65-F5344CB8AC3E}">
         <p14:creationId xmlns:p14="http://schemas.microsoft.com/office/powerpoint/2010/main" val="3101038807"/>
-      </p:ext>
-    </p:extLst>
-  </p:cSld>
-  <p:clrMapOvr>
-    <a:masterClrMapping/>
-  </p:clrMapOvr>
-</p:sld>
-</file>
-
-<file path=ppt/slides/slide5.xml><?xml version="1.0" encoding="utf-8"?>
-<p:sld xmlns:a="http://schemas.openxmlformats.org/drawingml/2006/main" xmlns:r="http://schemas.openxmlformats.org/officeDocument/2006/relationships" xmlns:p="http://schemas.openxmlformats.org/presentationml/2006/main">
-  <p:cSld>
-    <p:spTree>
-      <p:nvGrpSpPr>
-        <p:cNvPr id="1" name=""/>
-        <p:cNvGrpSpPr/>
-        <p:nvPr/>
-      </p:nvGrpSpPr>
-      <p:grpSpPr>
-        <a:xfrm>
-          <a:off x="0" y="0"/>
-          <a:ext cx="0" cy="0"/>
-          <a:chOff x="0" y="0"/>
-          <a:chExt cx="0" cy="0"/>
-        </a:xfrm>
-      </p:grpSpPr>
-      <p:sp>
-        <p:nvSpPr>
-          <p:cNvPr id="2" name="标题 1"/>
-          <p:cNvSpPr>
-            <a:spLocks noGrp="1"/>
-          </p:cNvSpPr>
-          <p:nvPr>
-            <p:ph type="title"/>
-          </p:nvPr>
-        </p:nvSpPr>
-        <p:spPr/>
-        <p:txBody>
-          <a:bodyPr/>
-          <a:lstStyle/>
-          <a:p>
-            <a:r>
-              <a:rPr lang="en-US" altLang="zh-CN" dirty="0" smtClean="0"/>
-              <a:t>The Wedge</a:t>
-            </a:r>
-            <a:endParaRPr lang="zh-CN" altLang="en-US" dirty="0"/>
-          </a:p>
-        </p:txBody>
-      </p:sp>
-      <p:pic>
-        <p:nvPicPr>
-          <p:cNvPr id="4" name="内容占位符 3"/>
-          <p:cNvPicPr>
-            <a:picLocks noGrp="1" noChangeAspect="1"/>
-          </p:cNvPicPr>
-          <p:nvPr>
-            <p:ph idx="1"/>
-          </p:nvPr>
-        </p:nvPicPr>
-        <p:blipFill>
-          <a:blip r:embed="rId2">
-            <a:extLst>
-              <a:ext uri="{28A0092B-C50C-407E-A947-70E740481C1C}">
-                <a14:useLocalDpi xmlns:a14="http://schemas.microsoft.com/office/drawing/2010/main" val="0"/>
-              </a:ext>
-            </a:extLst>
-          </a:blip>
-          <a:stretch>
-            <a:fillRect/>
-          </a:stretch>
-        </p:blipFill>
-        <p:spPr>
-          <a:xfrm>
-            <a:off x="637465" y="1907511"/>
-            <a:ext cx="2564639" cy="4351338"/>
-          </a:xfrm>
-        </p:spPr>
-      </p:pic>
-      <p:pic>
-        <p:nvPicPr>
-          <p:cNvPr id="5" name="图片 4"/>
-          <p:cNvPicPr>
-            <a:picLocks noChangeAspect="1"/>
-          </p:cNvPicPr>
-          <p:nvPr/>
-        </p:nvPicPr>
-        <p:blipFill>
-          <a:blip r:embed="rId3">
-            <a:extLst>
-              <a:ext uri="{28A0092B-C50C-407E-A947-70E740481C1C}">
-                <a14:useLocalDpi xmlns:a14="http://schemas.microsoft.com/office/drawing/2010/main" val="0"/>
-              </a:ext>
-            </a:extLst>
-          </a:blip>
-          <a:stretch>
-            <a:fillRect/>
-          </a:stretch>
-        </p:blipFill>
-        <p:spPr>
-          <a:xfrm>
-            <a:off x="4591334" y="1146625"/>
-            <a:ext cx="5112224" cy="5112224"/>
-          </a:xfrm>
-          <a:prstGeom prst="rect">
-            <a:avLst/>
-          </a:prstGeom>
-        </p:spPr>
-      </p:pic>
-    </p:spTree>
-    <p:extLst>
-      <p:ext uri="{BB962C8B-B14F-4D97-AF65-F5344CB8AC3E}">
-        <p14:creationId xmlns:p14="http://schemas.microsoft.com/office/powerpoint/2010/main" val="3362990594"/>
-      </p:ext>
-    </p:extLst>
-  </p:cSld>
-  <p:clrMapOvr>
-    <a:masterClrMapping/>
-  </p:clrMapOvr>
-</p:sld>
-</file>
-
-<file path=ppt/slides/slide6.xml><?xml version="1.0" encoding="utf-8"?>
-<p:sld xmlns:a="http://schemas.openxmlformats.org/drawingml/2006/main" xmlns:r="http://schemas.openxmlformats.org/officeDocument/2006/relationships" xmlns:p="http://schemas.openxmlformats.org/presentationml/2006/main">
-  <p:cSld>
-    <p:spTree>
-      <p:nvGrpSpPr>
-        <p:cNvPr id="1" name=""/>
-        <p:cNvGrpSpPr/>
-        <p:nvPr/>
-      </p:nvGrpSpPr>
-      <p:grpSpPr>
-        <a:xfrm>
-          <a:off x="0" y="0"/>
-          <a:ext cx="0" cy="0"/>
-          <a:chOff x="0" y="0"/>
-          <a:chExt cx="0" cy="0"/>
-        </a:xfrm>
-      </p:grpSpPr>
-      <p:sp>
-        <p:nvSpPr>
-          <p:cNvPr id="2" name="标题 1"/>
-          <p:cNvSpPr>
-            <a:spLocks noGrp="1"/>
-          </p:cNvSpPr>
-          <p:nvPr>
-            <p:ph type="title"/>
-          </p:nvPr>
-        </p:nvSpPr>
-        <p:spPr/>
-        <p:txBody>
-          <a:bodyPr/>
-          <a:lstStyle/>
-          <a:p>
-            <a:r>
-              <a:rPr lang="en-US" altLang="zh-CN" dirty="0" smtClean="0"/>
-              <a:t>The Wedge</a:t>
-            </a:r>
-            <a:endParaRPr lang="zh-CN" altLang="en-US" dirty="0"/>
-          </a:p>
-        </p:txBody>
-      </p:sp>
-      <p:sp>
-        <p:nvSpPr>
-          <p:cNvPr id="3" name="内容占位符 2"/>
-          <p:cNvSpPr>
-            <a:spLocks noGrp="1"/>
-          </p:cNvSpPr>
-          <p:nvPr>
-            <p:ph idx="1"/>
-          </p:nvPr>
-        </p:nvSpPr>
-        <p:spPr/>
-        <p:txBody>
-          <a:bodyPr/>
-          <a:lstStyle/>
-          <a:p>
-            <a:r>
-              <a:rPr lang="en-US" altLang="zh-CN" dirty="0" smtClean="0"/>
-              <a:t>Wedge armor </a:t>
-            </a:r>
-          </a:p>
-          <a:p>
-            <a:pPr marL="0" indent="0">
-              <a:buNone/>
-            </a:pPr>
-            <a:r>
-              <a:rPr lang="en-US" altLang="zh-CN" dirty="0"/>
-              <a:t> </a:t>
-            </a:r>
-            <a:r>
-              <a:rPr lang="en-US" altLang="zh-CN" dirty="0" smtClean="0"/>
-              <a:t>   </a:t>
-            </a:r>
-            <a:endParaRPr lang="zh-CN" altLang="en-US" dirty="0"/>
-          </a:p>
-        </p:txBody>
-      </p:sp>
-      <p:pic>
-        <p:nvPicPr>
-          <p:cNvPr id="6" name="图片 5"/>
-          <p:cNvPicPr>
-            <a:picLocks noChangeAspect="1"/>
-          </p:cNvPicPr>
-          <p:nvPr/>
-        </p:nvPicPr>
-        <p:blipFill>
-          <a:blip r:embed="rId2" cstate="print">
-            <a:extLst>
-              <a:ext uri="{28A0092B-C50C-407E-A947-70E740481C1C}">
-                <a14:useLocalDpi xmlns:a14="http://schemas.microsoft.com/office/drawing/2010/main" val="0"/>
-              </a:ext>
-            </a:extLst>
-          </a:blip>
-          <a:stretch>
-            <a:fillRect/>
-          </a:stretch>
-        </p:blipFill>
-        <p:spPr>
-          <a:xfrm>
-            <a:off x="5838512" y="882484"/>
-            <a:ext cx="5284413" cy="3524662"/>
-          </a:xfrm>
-          <a:prstGeom prst="rect">
-            <a:avLst/>
-          </a:prstGeom>
-        </p:spPr>
-      </p:pic>
-      <p:pic>
-        <p:nvPicPr>
-          <p:cNvPr id="7" name="图片 6"/>
-          <p:cNvPicPr>
-            <a:picLocks noChangeAspect="1"/>
-          </p:cNvPicPr>
-          <p:nvPr/>
-        </p:nvPicPr>
-        <p:blipFill>
-          <a:blip r:embed="rId3">
-            <a:extLst>
-              <a:ext uri="{28A0092B-C50C-407E-A947-70E740481C1C}">
-                <a14:useLocalDpi xmlns:a14="http://schemas.microsoft.com/office/drawing/2010/main" val="0"/>
-              </a:ext>
-            </a:extLst>
-          </a:blip>
-          <a:stretch>
-            <a:fillRect/>
-          </a:stretch>
-        </p:blipFill>
-        <p:spPr>
-          <a:xfrm>
-            <a:off x="512758" y="2690674"/>
-            <a:ext cx="5325754" cy="3702817"/>
-          </a:xfrm>
-          <a:prstGeom prst="rect">
-            <a:avLst/>
-          </a:prstGeom>
-        </p:spPr>
-      </p:pic>
-      <p:sp>
-        <p:nvSpPr>
-          <p:cNvPr id="8" name="文本框 7"/>
-          <p:cNvSpPr txBox="1"/>
-          <p:nvPr/>
-        </p:nvSpPr>
-        <p:spPr>
-          <a:xfrm>
-            <a:off x="6523630" y="5049672"/>
-            <a:ext cx="3916907" cy="646331"/>
-          </a:xfrm>
-          <a:prstGeom prst="rect">
-            <a:avLst/>
-          </a:prstGeom>
-          <a:noFill/>
-        </p:spPr>
-        <p:txBody>
-          <a:bodyPr wrap="square" rtlCol="0">
-            <a:spAutoFit/>
-          </a:bodyPr>
-          <a:lstStyle/>
-          <a:p>
-            <a:r>
-              <a:rPr lang="en-US" altLang="zh-CN" dirty="0" smtClean="0"/>
-              <a:t>This kind of armor made bullet easier to bounce.</a:t>
-            </a:r>
-            <a:endParaRPr lang="zh-CN" altLang="en-US" dirty="0"/>
-          </a:p>
-        </p:txBody>
-      </p:sp>
-    </p:spTree>
-    <p:extLst>
-      <p:ext uri="{BB962C8B-B14F-4D97-AF65-F5344CB8AC3E}">
-        <p14:creationId xmlns:p14="http://schemas.microsoft.com/office/powerpoint/2010/main" val="1421727568"/>
-      </p:ext>
-    </p:extLst>
-  </p:cSld>
-  <p:clrMapOvr>
-    <a:masterClrMapping/>
-  </p:clrMapOvr>
-</p:sld>
-</file>
-
-<file path=ppt/slides/slide7.xml><?xml version="1.0" encoding="utf-8"?>
-<p:sld xmlns:a="http://schemas.openxmlformats.org/drawingml/2006/main" xmlns:r="http://schemas.openxmlformats.org/officeDocument/2006/relationships" xmlns:p="http://schemas.openxmlformats.org/presentationml/2006/main">
-  <p:cSld>
-    <p:spTree>
-      <p:nvGrpSpPr>
-        <p:cNvPr id="1" name=""/>
-        <p:cNvGrpSpPr/>
-        <p:nvPr/>
-      </p:nvGrpSpPr>
-      <p:grpSpPr>
-        <a:xfrm>
-          <a:off x="0" y="0"/>
-          <a:ext cx="0" cy="0"/>
-          <a:chOff x="0" y="0"/>
-          <a:chExt cx="0" cy="0"/>
-        </a:xfrm>
-      </p:grpSpPr>
-      <p:sp>
-        <p:nvSpPr>
-          <p:cNvPr id="2" name="标题 1"/>
-          <p:cNvSpPr>
-            <a:spLocks noGrp="1"/>
-          </p:cNvSpPr>
-          <p:nvPr>
-            <p:ph type="title"/>
-          </p:nvPr>
-        </p:nvSpPr>
-        <p:spPr/>
-        <p:txBody>
-          <a:bodyPr/>
-          <a:lstStyle/>
-          <a:p>
-            <a:r>
-              <a:rPr lang="en-US" altLang="zh-CN" dirty="0" smtClean="0"/>
-              <a:t>The screw</a:t>
-            </a:r>
-            <a:endParaRPr lang="zh-CN" altLang="en-US" dirty="0"/>
-          </a:p>
-        </p:txBody>
-      </p:sp>
-      <p:pic>
-        <p:nvPicPr>
-          <p:cNvPr id="4" name="内容占位符 3"/>
-          <p:cNvPicPr>
-            <a:picLocks noGrp="1" noChangeAspect="1"/>
-          </p:cNvPicPr>
-          <p:nvPr>
-            <p:ph idx="1"/>
-          </p:nvPr>
-        </p:nvPicPr>
-        <p:blipFill>
-          <a:blip r:embed="rId2">
-            <a:extLst>
-              <a:ext uri="{28A0092B-C50C-407E-A947-70E740481C1C}">
-                <a14:useLocalDpi xmlns:a14="http://schemas.microsoft.com/office/drawing/2010/main" val="0"/>
-              </a:ext>
-            </a:extLst>
-          </a:blip>
-          <a:stretch>
-            <a:fillRect/>
-          </a:stretch>
-        </p:blipFill>
-        <p:spPr>
-          <a:xfrm>
-            <a:off x="838200" y="2059544"/>
-            <a:ext cx="4229100" cy="3419475"/>
-          </a:xfrm>
-        </p:spPr>
-      </p:pic>
-    </p:spTree>
-    <p:extLst>
-      <p:ext uri="{BB962C8B-B14F-4D97-AF65-F5344CB8AC3E}">
-        <p14:creationId xmlns:p14="http://schemas.microsoft.com/office/powerpoint/2010/main" val="235827887"/>
-      </p:ext>
-    </p:extLst>
-  </p:cSld>
-  <p:clrMapOvr>
-    <a:masterClrMapping/>
-  </p:clrMapOvr>
-</p:sld>
-</file>
-
-<file path=ppt/slides/slide8.xml><?xml version="1.0" encoding="utf-8"?>
-<p:sld xmlns:a="http://schemas.openxmlformats.org/drawingml/2006/main" xmlns:r="http://schemas.openxmlformats.org/officeDocument/2006/relationships" xmlns:p="http://schemas.openxmlformats.org/presentationml/2006/main">
-  <p:cSld>
-    <p:spTree>
-      <p:nvGrpSpPr>
-        <p:cNvPr id="1" name=""/>
-        <p:cNvGrpSpPr/>
-        <p:nvPr/>
-      </p:nvGrpSpPr>
-      <p:grpSpPr>
-        <a:xfrm>
-          <a:off x="0" y="0"/>
-          <a:ext cx="0" cy="0"/>
-          <a:chOff x="0" y="0"/>
-          <a:chExt cx="0" cy="0"/>
-        </a:xfrm>
-      </p:grpSpPr>
-      <p:sp>
-        <p:nvSpPr>
-          <p:cNvPr id="2" name="标题 1"/>
-          <p:cNvSpPr>
-            <a:spLocks noGrp="1"/>
-          </p:cNvSpPr>
-          <p:nvPr>
-            <p:ph type="title"/>
-          </p:nvPr>
-        </p:nvSpPr>
-        <p:spPr/>
-        <p:txBody>
-          <a:bodyPr/>
-          <a:lstStyle/>
-          <a:p>
-            <a:r>
-              <a:rPr lang="en-US" altLang="zh-CN" dirty="0" smtClean="0"/>
-              <a:t>The screw</a:t>
-            </a:r>
-            <a:endParaRPr lang="zh-CN" altLang="en-US" dirty="0"/>
-          </a:p>
-        </p:txBody>
-      </p:sp>
-      <p:sp>
-        <p:nvSpPr>
-          <p:cNvPr id="3" name="内容占位符 2"/>
-          <p:cNvSpPr>
-            <a:spLocks noGrp="1"/>
-          </p:cNvSpPr>
-          <p:nvPr>
-            <p:ph idx="1"/>
-          </p:nvPr>
-        </p:nvSpPr>
-        <p:spPr/>
-        <p:txBody>
-          <a:bodyPr/>
-          <a:lstStyle/>
-          <a:p>
-            <a:r>
-              <a:rPr lang="en-US" altLang="zh-CN" dirty="0" smtClean="0"/>
-              <a:t>Rifled </a:t>
-            </a:r>
-          </a:p>
-          <a:p>
-            <a:pPr marL="0" indent="0">
-              <a:buNone/>
-            </a:pPr>
-            <a:r>
-              <a:rPr lang="en-US" altLang="zh-CN" dirty="0" smtClean="0"/>
-              <a:t>  </a:t>
-            </a:r>
-            <a:endParaRPr lang="zh-CN" altLang="en-US" dirty="0"/>
-          </a:p>
-        </p:txBody>
-      </p:sp>
-      <p:pic>
-        <p:nvPicPr>
-          <p:cNvPr id="4" name="图片 3"/>
-          <p:cNvPicPr>
-            <a:picLocks noChangeAspect="1"/>
-          </p:cNvPicPr>
-          <p:nvPr/>
-        </p:nvPicPr>
-        <p:blipFill>
-          <a:blip r:embed="rId2">
-            <a:extLst>
-              <a:ext uri="{28A0092B-C50C-407E-A947-70E740481C1C}">
-                <a14:useLocalDpi xmlns:a14="http://schemas.microsoft.com/office/drawing/2010/main" val="0"/>
-              </a:ext>
-            </a:extLst>
-          </a:blip>
-          <a:stretch>
-            <a:fillRect/>
-          </a:stretch>
-        </p:blipFill>
-        <p:spPr>
-          <a:xfrm>
-            <a:off x="2809875" y="2430723"/>
-            <a:ext cx="6572250" cy="4152900"/>
-          </a:xfrm>
-          <a:prstGeom prst="rect">
-            <a:avLst/>
-          </a:prstGeom>
-        </p:spPr>
-      </p:pic>
-    </p:spTree>
-    <p:extLst>
-      <p:ext uri="{BB962C8B-B14F-4D97-AF65-F5344CB8AC3E}">
-        <p14:creationId xmlns:p14="http://schemas.microsoft.com/office/powerpoint/2010/main" val="1623560271"/>
       </p:ext>
     </p:extLst>
   </p:cSld>
@@ -4087,4 +8449,287 @@
     </a:ext>
   </a:extLst>
 </a:theme>
+</file>
+
+<file path=ppt/theme/theme2.xml><?xml version="1.0" encoding="utf-8"?>
+<a:theme xmlns:a="http://schemas.openxmlformats.org/drawingml/2006/main" name="1_Office 主题">
+  <a:themeElements>
+    <a:clrScheme name="Office">
+      <a:dk1>
+        <a:sysClr val="windowText" lastClr="000000"/>
+      </a:dk1>
+      <a:lt1>
+        <a:sysClr val="window" lastClr="FFFFFF"/>
+      </a:lt1>
+      <a:dk2>
+        <a:srgbClr val="1F497D"/>
+      </a:dk2>
+      <a:lt2>
+        <a:srgbClr val="EEECE1"/>
+      </a:lt2>
+      <a:accent1>
+        <a:srgbClr val="4F81BD"/>
+      </a:accent1>
+      <a:accent2>
+        <a:srgbClr val="C0504D"/>
+      </a:accent2>
+      <a:accent3>
+        <a:srgbClr val="9BBB59"/>
+      </a:accent3>
+      <a:accent4>
+        <a:srgbClr val="8064A2"/>
+      </a:accent4>
+      <a:accent5>
+        <a:srgbClr val="4BACC6"/>
+      </a:accent5>
+      <a:accent6>
+        <a:srgbClr val="F79646"/>
+      </a:accent6>
+      <a:hlink>
+        <a:srgbClr val="0000FF"/>
+      </a:hlink>
+      <a:folHlink>
+        <a:srgbClr val="800080"/>
+      </a:folHlink>
+    </a:clrScheme>
+    <a:fontScheme name="Office">
+      <a:majorFont>
+        <a:latin typeface="Calibri"/>
+        <a:ea typeface=""/>
+        <a:cs typeface=""/>
+        <a:font script="Jpan" typeface="ＭＳ Ｐゴシック"/>
+        <a:font script="Hang" typeface="맑은 고딕"/>
+        <a:font script="Hans" typeface="宋体"/>
+        <a:font script="Hant" typeface="新細明體"/>
+        <a:font script="Arab" typeface="Times New Roman"/>
+        <a:font script="Hebr" typeface="Times New Roman"/>
+        <a:font script="Thai" typeface="Angsana New"/>
+        <a:font script="Ethi" typeface="Nyala"/>
+        <a:font script="Beng" typeface="Vrinda"/>
+        <a:font script="Gujr" typeface="Shruti"/>
+        <a:font script="Khmr" typeface="MoolBoran"/>
+        <a:font script="Knda" typeface="Tunga"/>
+        <a:font script="Guru" typeface="Raavi"/>
+        <a:font script="Cans" typeface="Euphemia"/>
+        <a:font script="Cher" typeface="Plantagenet Cherokee"/>
+        <a:font script="Yiii" typeface="Microsoft Yi Baiti"/>
+        <a:font script="Tibt" typeface="Microsoft Himalaya"/>
+        <a:font script="Thaa" typeface="MV Boli"/>
+        <a:font script="Deva" typeface="Mangal"/>
+        <a:font script="Telu" typeface="Gautami"/>
+        <a:font script="Taml" typeface="Latha"/>
+        <a:font script="Syrc" typeface="Estrangelo Edessa"/>
+        <a:font script="Orya" typeface="Kalinga"/>
+        <a:font script="Mlym" typeface="Kartika"/>
+        <a:font script="Laoo" typeface="DokChampa"/>
+        <a:font script="Sinh" typeface="Iskoola Pota"/>
+        <a:font script="Mong" typeface="Mongolian Baiti"/>
+        <a:font script="Viet" typeface="Times New Roman"/>
+        <a:font script="Uigh" typeface="Microsoft Uighur"/>
+      </a:majorFont>
+      <a:minorFont>
+        <a:latin typeface="Calibri"/>
+        <a:ea typeface=""/>
+        <a:cs typeface=""/>
+        <a:font script="Jpan" typeface="ＭＳ Ｐゴシック"/>
+        <a:font script="Hang" typeface="맑은 고딕"/>
+        <a:font script="Hans" typeface="宋体"/>
+        <a:font script="Hant" typeface="新細明體"/>
+        <a:font script="Arab" typeface="Arial"/>
+        <a:font script="Hebr" typeface="Arial"/>
+        <a:font script="Thai" typeface="Cordia New"/>
+        <a:font script="Ethi" typeface="Nyala"/>
+        <a:font script="Beng" typeface="Vrinda"/>
+        <a:font script="Gujr" typeface="Shruti"/>
+        <a:font script="Khmr" typeface="DaunPenh"/>
+        <a:font script="Knda" typeface="Tunga"/>
+        <a:font script="Guru" typeface="Raavi"/>
+        <a:font script="Cans" typeface="Euphemia"/>
+        <a:font script="Cher" typeface="Plantagenet Cherokee"/>
+        <a:font script="Yiii" typeface="Microsoft Yi Baiti"/>
+        <a:font script="Tibt" typeface="Microsoft Himalaya"/>
+        <a:font script="Thaa" typeface="MV Boli"/>
+        <a:font script="Deva" typeface="Mangal"/>
+        <a:font script="Telu" typeface="Gautami"/>
+        <a:font script="Taml" typeface="Latha"/>
+        <a:font script="Syrc" typeface="Estrangelo Edessa"/>
+        <a:font script="Orya" typeface="Kalinga"/>
+        <a:font script="Mlym" typeface="Kartika"/>
+        <a:font script="Laoo" typeface="DokChampa"/>
+        <a:font script="Sinh" typeface="Iskoola Pota"/>
+        <a:font script="Mong" typeface="Mongolian Baiti"/>
+        <a:font script="Viet" typeface="Arial"/>
+        <a:font script="Uigh" typeface="Microsoft Uighur"/>
+      </a:minorFont>
+    </a:fontScheme>
+    <a:fmtScheme name="Office">
+      <a:fillStyleLst>
+        <a:solidFill>
+          <a:schemeClr val="phClr"/>
+        </a:solidFill>
+        <a:gradFill rotWithShape="1">
+          <a:gsLst>
+            <a:gs pos="0">
+              <a:schemeClr val="phClr">
+                <a:tint val="50000"/>
+                <a:satMod val="300000"/>
+              </a:schemeClr>
+            </a:gs>
+            <a:gs pos="35000">
+              <a:schemeClr val="phClr">
+                <a:tint val="37000"/>
+                <a:satMod val="300000"/>
+              </a:schemeClr>
+            </a:gs>
+            <a:gs pos="100000">
+              <a:schemeClr val="phClr">
+                <a:tint val="15000"/>
+                <a:satMod val="350000"/>
+              </a:schemeClr>
+            </a:gs>
+          </a:gsLst>
+          <a:lin ang="16200000" scaled="1"/>
+        </a:gradFill>
+        <a:gradFill rotWithShape="1">
+          <a:gsLst>
+            <a:gs pos="0">
+              <a:schemeClr val="phClr">
+                <a:shade val="51000"/>
+                <a:satMod val="130000"/>
+              </a:schemeClr>
+            </a:gs>
+            <a:gs pos="80000">
+              <a:schemeClr val="phClr">
+                <a:shade val="93000"/>
+                <a:satMod val="130000"/>
+              </a:schemeClr>
+            </a:gs>
+            <a:gs pos="100000">
+              <a:schemeClr val="phClr">
+                <a:shade val="94000"/>
+                <a:satMod val="135000"/>
+              </a:schemeClr>
+            </a:gs>
+          </a:gsLst>
+          <a:lin ang="16200000" scaled="0"/>
+        </a:gradFill>
+      </a:fillStyleLst>
+      <a:lnStyleLst>
+        <a:ln w="9525" cap="flat" cmpd="sng" algn="ctr">
+          <a:solidFill>
+            <a:schemeClr val="phClr">
+              <a:shade val="95000"/>
+              <a:satMod val="105000"/>
+            </a:schemeClr>
+          </a:solidFill>
+          <a:prstDash val="solid"/>
+        </a:ln>
+        <a:ln w="25400" cap="flat" cmpd="sng" algn="ctr">
+          <a:solidFill>
+            <a:schemeClr val="phClr"/>
+          </a:solidFill>
+          <a:prstDash val="solid"/>
+        </a:ln>
+        <a:ln w="38100" cap="flat" cmpd="sng" algn="ctr">
+          <a:solidFill>
+            <a:schemeClr val="phClr"/>
+          </a:solidFill>
+          <a:prstDash val="solid"/>
+        </a:ln>
+      </a:lnStyleLst>
+      <a:effectStyleLst>
+        <a:effectStyle>
+          <a:effectLst>
+            <a:outerShdw blurRad="40000" dist="20000" dir="5400000" rotWithShape="0">
+              <a:srgbClr val="000000">
+                <a:alpha val="38000"/>
+              </a:srgbClr>
+            </a:outerShdw>
+          </a:effectLst>
+        </a:effectStyle>
+        <a:effectStyle>
+          <a:effectLst>
+            <a:outerShdw blurRad="40000" dist="23000" dir="5400000" rotWithShape="0">
+              <a:srgbClr val="000000">
+                <a:alpha val="35000"/>
+              </a:srgbClr>
+            </a:outerShdw>
+          </a:effectLst>
+        </a:effectStyle>
+        <a:effectStyle>
+          <a:effectLst>
+            <a:outerShdw blurRad="40000" dist="23000" dir="5400000" rotWithShape="0">
+              <a:srgbClr val="000000">
+                <a:alpha val="35000"/>
+              </a:srgbClr>
+            </a:outerShdw>
+          </a:effectLst>
+          <a:scene3d>
+            <a:camera prst="orthographicFront">
+              <a:rot lat="0" lon="0" rev="0"/>
+            </a:camera>
+            <a:lightRig rig="threePt" dir="t">
+              <a:rot lat="0" lon="0" rev="1200000"/>
+            </a:lightRig>
+          </a:scene3d>
+          <a:sp3d>
+            <a:bevelT w="63500" h="25400"/>
+          </a:sp3d>
+        </a:effectStyle>
+      </a:effectStyleLst>
+      <a:bgFillStyleLst>
+        <a:solidFill>
+          <a:schemeClr val="phClr"/>
+        </a:solidFill>
+        <a:gradFill rotWithShape="1">
+          <a:gsLst>
+            <a:gs pos="0">
+              <a:schemeClr val="phClr">
+                <a:tint val="40000"/>
+                <a:satMod val="350000"/>
+              </a:schemeClr>
+            </a:gs>
+            <a:gs pos="40000">
+              <a:schemeClr val="phClr">
+                <a:tint val="45000"/>
+                <a:shade val="99000"/>
+                <a:satMod val="350000"/>
+              </a:schemeClr>
+            </a:gs>
+            <a:gs pos="100000">
+              <a:schemeClr val="phClr">
+                <a:shade val="20000"/>
+                <a:satMod val="255000"/>
+              </a:schemeClr>
+            </a:gs>
+          </a:gsLst>
+          <a:path path="circle">
+            <a:fillToRect l="50000" t="-80000" r="50000" b="180000"/>
+          </a:path>
+        </a:gradFill>
+        <a:gradFill rotWithShape="1">
+          <a:gsLst>
+            <a:gs pos="0">
+              <a:schemeClr val="phClr">
+                <a:tint val="80000"/>
+                <a:satMod val="300000"/>
+              </a:schemeClr>
+            </a:gs>
+            <a:gs pos="100000">
+              <a:schemeClr val="phClr">
+                <a:shade val="30000"/>
+                <a:satMod val="200000"/>
+              </a:schemeClr>
+            </a:gs>
+          </a:gsLst>
+          <a:path path="circle">
+            <a:fillToRect l="50000" t="50000" r="50000" b="50000"/>
+          </a:path>
+        </a:gradFill>
+      </a:bgFillStyleLst>
+    </a:fmtScheme>
+  </a:themeElements>
+  <a:objectDefaults/>
+  <a:extraClrSchemeLst/>
+</a:theme>
 </file>